--- a/Лекции/ИТиП 3 лек 8.pptx
+++ b/Лекции/ИТиП 3 лек 8.pptx
@@ -6239,16 +6239,7 @@
                 </a:solidFill>
                 <a:latin typeface="Cascadia Mono" panose="020B0609020000020004" pitchFamily="49" charset="0"/>
               </a:rPr>
-              <a:t>Database</a:t>
-            </a:r>
-            <a:r>
-              <a:rPr lang="en-US" sz="2400" dirty="0" err="1">
-                <a:solidFill>
-                  <a:srgbClr val="000000"/>
-                </a:solidFill>
-                <a:latin typeface="Cascadia Mono" panose="020B0609020000020004" pitchFamily="49" charset="0"/>
-              </a:rPr>
-              <a:t>.EnsureCreated</a:t>
+              <a:t>Database.EnsureCreated</a:t>
             </a:r>
             <a:r>
               <a:rPr lang="en-US" sz="2400" dirty="0" smtClean="0">
@@ -9925,13 +9916,7 @@
               <a:rPr lang="ru-RU" sz="2400" dirty="0" smtClean="0">
                 <a:latin typeface="Bookman Old Style" panose="02050604050505020204" pitchFamily="18" charset="0"/>
               </a:rPr>
-              <a:t>и подпишем метод удаления записей на это событие</a:t>
-            </a:r>
-            <a:r>
-              <a:rPr lang="ru-RU" sz="2400" dirty="0" smtClean="0">
-                <a:latin typeface="Bookman Old Style" panose="02050604050505020204" pitchFamily="18" charset="0"/>
-              </a:rPr>
-              <a:t>:</a:t>
+              <a:t>и подпишем метод удаления записей на это событие:</a:t>
             </a:r>
           </a:p>
           <a:p>
@@ -14897,7 +14882,16 @@
               <a:t> </a:t>
             </a:r>
             <a:r>
-              <a:rPr lang="en-US" sz="2400" dirty="0">
+              <a:rPr lang="ru-RU" sz="2400" dirty="0" smtClean="0">
+                <a:solidFill>
+                  <a:srgbClr val="000000"/>
+                </a:solidFill>
+                <a:latin typeface="Cascadia Mono" panose="020B0609020000020004" pitchFamily="49" charset="0"/>
+              </a:rPr>
+              <a:t>	 </a:t>
+            </a:r>
+            <a:r>
+              <a:rPr lang="en-US" sz="2400" dirty="0" smtClean="0">
                 <a:solidFill>
                   <a:srgbClr val="0000FF"/>
                 </a:solidFill>
@@ -14906,7 +14900,7 @@
               <a:t>public</a:t>
             </a:r>
             <a:r>
-              <a:rPr lang="en-US" sz="2400" dirty="0">
+              <a:rPr lang="en-US" sz="2400" dirty="0" smtClean="0">
                 <a:solidFill>
                   <a:srgbClr val="000000"/>
                 </a:solidFill>
@@ -15411,7 +15405,7 @@
         <p:spPr>
           <a:xfrm>
             <a:off x="0" y="0"/>
-            <a:ext cx="12192000" cy="6370975"/>
+            <a:ext cx="12192000" cy="6740307"/>
           </a:xfrm>
           <a:prstGeom prst="rect">
             <a:avLst/>
@@ -15450,16 +15444,25 @@
           </a:p>
           <a:p>
             <a:r>
-              <a:rPr lang="en-US" sz="2400" dirty="0">
+              <a:rPr lang="ru-RU" sz="2400" dirty="0" smtClean="0">
                 <a:solidFill>
                   <a:srgbClr val="0000FF"/>
                 </a:solidFill>
                 <a:latin typeface="Cascadia Mono" panose="020B0609020000020004" pitchFamily="49" charset="0"/>
               </a:rPr>
+              <a:t>	</a:t>
+            </a:r>
+            <a:r>
+              <a:rPr lang="en-US" sz="2400" dirty="0" smtClean="0">
+                <a:solidFill>
+                  <a:srgbClr val="0000FF"/>
+                </a:solidFill>
+                <a:latin typeface="Cascadia Mono" panose="020B0609020000020004" pitchFamily="49" charset="0"/>
+              </a:rPr>
               <a:t>public</a:t>
             </a:r>
             <a:r>
-              <a:rPr lang="en-US" sz="2400" dirty="0">
+              <a:rPr lang="en-US" sz="2400" dirty="0" smtClean="0">
                 <a:solidFill>
                   <a:srgbClr val="000000"/>
                 </a:solidFill>
@@ -15506,7 +15509,7 @@
             <a:r>
               <a:rPr lang="en-US" sz="2400" dirty="0" err="1">
                 <a:solidFill>
-                  <a:srgbClr val="000000"/>
+                  <a:srgbClr val="2B91AF"/>
                 </a:solidFill>
                 <a:latin typeface="Cascadia Mono" panose="020B0609020000020004" pitchFamily="49" charset="0"/>
               </a:rPr>
@@ -15514,292 +15517,21 @@
             </a:r>
             <a:endParaRPr lang="en-US" sz="2400" dirty="0">
               <a:solidFill>
-                <a:srgbClr val="000000"/>
+                <a:srgbClr val="2B91AF"/>
               </a:solidFill>
               <a:latin typeface="Cascadia Mono" panose="020B0609020000020004" pitchFamily="49" charset="0"/>
             </a:endParaRPr>
           </a:p>
           <a:p>
             <a:r>
-              <a:rPr lang="ru-RU" sz="2400" dirty="0">
-                <a:solidFill>
-                  <a:srgbClr val="000000"/>
-                </a:solidFill>
-                <a:latin typeface="Cascadia Mono" panose="020B0609020000020004" pitchFamily="49" charset="0"/>
-              </a:rPr>
-              <a:t>    {</a:t>
-            </a:r>
-          </a:p>
-          <a:p>
-            <a:r>
-              <a:rPr lang="en-US" sz="2400" dirty="0">
-                <a:solidFill>
-                  <a:srgbClr val="000000"/>
-                </a:solidFill>
-                <a:latin typeface="Cascadia Mono" panose="020B0609020000020004" pitchFamily="49" charset="0"/>
-              </a:rPr>
-              <a:t>        </a:t>
-            </a:r>
-            <a:r>
-              <a:rPr lang="en-US" sz="2400" dirty="0">
-                <a:solidFill>
-                  <a:srgbClr val="0000FF"/>
-                </a:solidFill>
-                <a:latin typeface="Cascadia Mono" panose="020B0609020000020004" pitchFamily="49" charset="0"/>
-              </a:rPr>
-              <a:t>public</a:t>
-            </a:r>
-            <a:r>
-              <a:rPr lang="en-US" sz="2400" dirty="0">
-                <a:solidFill>
-                  <a:srgbClr val="000000"/>
-                </a:solidFill>
-                <a:latin typeface="Cascadia Mono" panose="020B0609020000020004" pitchFamily="49" charset="0"/>
-              </a:rPr>
-              <a:t> </a:t>
-            </a:r>
-            <a:r>
-              <a:rPr lang="en-US" sz="2400" dirty="0" err="1">
-                <a:solidFill>
-                  <a:srgbClr val="000000"/>
-                </a:solidFill>
-                <a:latin typeface="Cascadia Mono" panose="020B0609020000020004" pitchFamily="49" charset="0"/>
-              </a:rPr>
-              <a:t>DbSet</a:t>
-            </a:r>
-            <a:r>
-              <a:rPr lang="en-US" sz="2400" dirty="0">
-                <a:solidFill>
-                  <a:srgbClr val="000000"/>
-                </a:solidFill>
-                <a:latin typeface="Cascadia Mono" panose="020B0609020000020004" pitchFamily="49" charset="0"/>
-              </a:rPr>
-              <a:t>&lt;Customer&gt; Customers =&gt; Set&lt;Customer&gt;();</a:t>
-            </a:r>
-          </a:p>
-          <a:p>
-            <a:r>
-              <a:rPr lang="en-US" sz="2400" dirty="0">
-                <a:solidFill>
-                  <a:srgbClr val="000000"/>
-                </a:solidFill>
-                <a:latin typeface="Cascadia Mono" panose="020B0609020000020004" pitchFamily="49" charset="0"/>
-              </a:rPr>
-              <a:t>        </a:t>
-            </a:r>
-            <a:r>
-              <a:rPr lang="en-US" sz="2400" dirty="0">
-                <a:solidFill>
-                  <a:srgbClr val="0000FF"/>
-                </a:solidFill>
-                <a:latin typeface="Cascadia Mono" panose="020B0609020000020004" pitchFamily="49" charset="0"/>
-              </a:rPr>
-              <a:t>public</a:t>
-            </a:r>
-            <a:r>
-              <a:rPr lang="en-US" sz="2400" dirty="0">
-                <a:solidFill>
-                  <a:srgbClr val="000000"/>
-                </a:solidFill>
-                <a:latin typeface="Cascadia Mono" panose="020B0609020000020004" pitchFamily="49" charset="0"/>
-              </a:rPr>
-              <a:t> </a:t>
-            </a:r>
-            <a:r>
-              <a:rPr lang="en-US" sz="2400" dirty="0" err="1">
-                <a:solidFill>
-                  <a:srgbClr val="000000"/>
-                </a:solidFill>
-                <a:latin typeface="Cascadia Mono" panose="020B0609020000020004" pitchFamily="49" charset="0"/>
-              </a:rPr>
-              <a:t>DbSet</a:t>
-            </a:r>
-            <a:r>
-              <a:rPr lang="en-US" sz="2400" dirty="0">
-                <a:solidFill>
-                  <a:srgbClr val="000000"/>
-                </a:solidFill>
-                <a:latin typeface="Cascadia Mono" panose="020B0609020000020004" pitchFamily="49" charset="0"/>
-              </a:rPr>
-              <a:t>&lt;Product&gt; Products =&gt; Set&lt;Product&gt;();</a:t>
-            </a:r>
-          </a:p>
-          <a:p>
-            <a:r>
-              <a:rPr lang="en-US" sz="2400" dirty="0">
-                <a:solidFill>
-                  <a:srgbClr val="000000"/>
-                </a:solidFill>
-                <a:latin typeface="Cascadia Mono" panose="020B0609020000020004" pitchFamily="49" charset="0"/>
-              </a:rPr>
-              <a:t>        </a:t>
-            </a:r>
-            <a:r>
-              <a:rPr lang="en-US" sz="2400" dirty="0">
-                <a:solidFill>
-                  <a:srgbClr val="0000FF"/>
-                </a:solidFill>
-                <a:latin typeface="Cascadia Mono" panose="020B0609020000020004" pitchFamily="49" charset="0"/>
-              </a:rPr>
-              <a:t>public</a:t>
-            </a:r>
-            <a:r>
-              <a:rPr lang="en-US" sz="2400" dirty="0">
-                <a:solidFill>
-                  <a:srgbClr val="000000"/>
-                </a:solidFill>
-                <a:latin typeface="Cascadia Mono" panose="020B0609020000020004" pitchFamily="49" charset="0"/>
-              </a:rPr>
-              <a:t> </a:t>
-            </a:r>
-            <a:r>
-              <a:rPr lang="en-US" sz="2400" dirty="0" err="1">
-                <a:solidFill>
-                  <a:srgbClr val="000000"/>
-                </a:solidFill>
-                <a:latin typeface="Cascadia Mono" panose="020B0609020000020004" pitchFamily="49" charset="0"/>
-              </a:rPr>
-              <a:t>DbSet</a:t>
-            </a:r>
-            <a:r>
-              <a:rPr lang="en-US" sz="2400" dirty="0">
-                <a:solidFill>
-                  <a:srgbClr val="000000"/>
-                </a:solidFill>
-                <a:latin typeface="Cascadia Mono" panose="020B0609020000020004" pitchFamily="49" charset="0"/>
-              </a:rPr>
-              <a:t>&lt;</a:t>
-            </a:r>
-            <a:r>
-              <a:rPr lang="en-US" sz="2400" dirty="0" err="1">
-                <a:solidFill>
-                  <a:srgbClr val="000000"/>
-                </a:solidFill>
-                <a:latin typeface="Cascadia Mono" panose="020B0609020000020004" pitchFamily="49" charset="0"/>
-              </a:rPr>
-              <a:t>BankAccount</a:t>
-            </a:r>
-            <a:r>
-              <a:rPr lang="en-US" sz="2400" dirty="0">
-                <a:solidFill>
-                  <a:srgbClr val="000000"/>
-                </a:solidFill>
-                <a:latin typeface="Cascadia Mono" panose="020B0609020000020004" pitchFamily="49" charset="0"/>
-              </a:rPr>
-              <a:t>&gt; </a:t>
-            </a:r>
-            <a:r>
-              <a:rPr lang="en-US" sz="2400" dirty="0" err="1" smtClean="0">
-                <a:solidFill>
-                  <a:srgbClr val="000000"/>
-                </a:solidFill>
-                <a:latin typeface="Cascadia Mono" panose="020B0609020000020004" pitchFamily="49" charset="0"/>
-              </a:rPr>
-              <a:t>BankAccounts</a:t>
-            </a:r>
-            <a:r>
-              <a:rPr lang="en-US" sz="2400" dirty="0" smtClean="0">
-                <a:solidFill>
-                  <a:srgbClr val="000000"/>
-                </a:solidFill>
-                <a:latin typeface="Cascadia Mono" panose="020B0609020000020004" pitchFamily="49" charset="0"/>
-              </a:rPr>
-              <a:t> </a:t>
-            </a:r>
-            <a:r>
-              <a:rPr lang="en-US" sz="2400" dirty="0">
-                <a:solidFill>
-                  <a:srgbClr val="000000"/>
-                </a:solidFill>
-                <a:latin typeface="Cascadia Mono" panose="020B0609020000020004" pitchFamily="49" charset="0"/>
-              </a:rPr>
-              <a:t>=&gt; Set&lt;</a:t>
-            </a:r>
-            <a:r>
-              <a:rPr lang="en-US" sz="2400" dirty="0" err="1">
-                <a:solidFill>
-                  <a:srgbClr val="000000"/>
-                </a:solidFill>
-                <a:latin typeface="Cascadia Mono" panose="020B0609020000020004" pitchFamily="49" charset="0"/>
-              </a:rPr>
-              <a:t>BankAccount</a:t>
-            </a:r>
-            <a:r>
-              <a:rPr lang="en-US" sz="2400" dirty="0">
-                <a:solidFill>
-                  <a:srgbClr val="000000"/>
-                </a:solidFill>
-                <a:latin typeface="Cascadia Mono" panose="020B0609020000020004" pitchFamily="49" charset="0"/>
-              </a:rPr>
-              <a:t>&gt;();</a:t>
-            </a:r>
-          </a:p>
-          <a:p>
-            <a:r>
-              <a:rPr lang="en-US" sz="2400" dirty="0">
-                <a:solidFill>
-                  <a:srgbClr val="000000"/>
-                </a:solidFill>
-                <a:latin typeface="Cascadia Mono" panose="020B0609020000020004" pitchFamily="49" charset="0"/>
-              </a:rPr>
-              <a:t>        </a:t>
-            </a:r>
-            <a:r>
-              <a:rPr lang="en-US" sz="2400" dirty="0">
-                <a:solidFill>
-                  <a:srgbClr val="0000FF"/>
-                </a:solidFill>
-                <a:latin typeface="Cascadia Mono" panose="020B0609020000020004" pitchFamily="49" charset="0"/>
-              </a:rPr>
-              <a:t>public</a:t>
-            </a:r>
-            <a:r>
-              <a:rPr lang="en-US" sz="2400" dirty="0">
-                <a:solidFill>
-                  <a:srgbClr val="000000"/>
-                </a:solidFill>
-                <a:latin typeface="Cascadia Mono" panose="020B0609020000020004" pitchFamily="49" charset="0"/>
-              </a:rPr>
-              <a:t> </a:t>
-            </a:r>
-            <a:r>
-              <a:rPr lang="en-US" sz="2400" dirty="0" err="1">
-                <a:solidFill>
-                  <a:srgbClr val="2B91AF"/>
-                </a:solidFill>
-                <a:latin typeface="Cascadia Mono" panose="020B0609020000020004" pitchFamily="49" charset="0"/>
-              </a:rPr>
-              <a:t>ApplicationContext</a:t>
-            </a:r>
-            <a:r>
-              <a:rPr lang="en-US" sz="2400" dirty="0">
-                <a:solidFill>
-                  <a:srgbClr val="000000"/>
-                </a:solidFill>
-                <a:latin typeface="Cascadia Mono" panose="020B0609020000020004" pitchFamily="49" charset="0"/>
-              </a:rPr>
-              <a:t>() =&gt; </a:t>
-            </a:r>
-            <a:r>
-              <a:rPr lang="en-US" sz="2400" dirty="0" err="1">
-                <a:solidFill>
-                  <a:srgbClr val="000000"/>
-                </a:solidFill>
-                <a:latin typeface="Cascadia Mono" panose="020B0609020000020004" pitchFamily="49" charset="0"/>
-              </a:rPr>
-              <a:t>Database.EnsureCreated</a:t>
-            </a:r>
-            <a:r>
-              <a:rPr lang="en-US" sz="2400" dirty="0">
-                <a:solidFill>
-                  <a:srgbClr val="000000"/>
-                </a:solidFill>
-                <a:latin typeface="Cascadia Mono" panose="020B0609020000020004" pitchFamily="49" charset="0"/>
-              </a:rPr>
-              <a:t>();</a:t>
-            </a:r>
-          </a:p>
-          <a:p>
+              <a:rPr lang="ru-RU" sz="2400" dirty="0" smtClean="0">
+                <a:solidFill>
+                  <a:srgbClr val="000000"/>
+                </a:solidFill>
+                <a:latin typeface="Cascadia Mono" panose="020B0609020000020004" pitchFamily="49" charset="0"/>
+              </a:rPr>
+              <a:t>	{</a:t>
+            </a:r>
             <a:endParaRPr lang="ru-RU" sz="2400" dirty="0">
               <a:solidFill>
                 <a:srgbClr val="000000"/>
@@ -15824,6 +15556,444 @@
                 </a:solidFill>
                 <a:latin typeface="Cascadia Mono" panose="020B0609020000020004" pitchFamily="49" charset="0"/>
               </a:rPr>
+              <a:t>public</a:t>
+            </a:r>
+            <a:r>
+              <a:rPr lang="en-US" sz="2400" dirty="0">
+                <a:solidFill>
+                  <a:srgbClr val="000000"/>
+                </a:solidFill>
+                <a:latin typeface="Cascadia Mono" panose="020B0609020000020004" pitchFamily="49" charset="0"/>
+              </a:rPr>
+              <a:t> </a:t>
+            </a:r>
+            <a:r>
+              <a:rPr lang="en-US" sz="2400" dirty="0" err="1">
+                <a:solidFill>
+                  <a:srgbClr val="2B91AF"/>
+                </a:solidFill>
+                <a:latin typeface="Cascadia Mono" panose="020B0609020000020004" pitchFamily="49" charset="0"/>
+              </a:rPr>
+              <a:t>DbSet</a:t>
+            </a:r>
+            <a:r>
+              <a:rPr lang="en-US" sz="2400" dirty="0">
+                <a:solidFill>
+                  <a:srgbClr val="000000"/>
+                </a:solidFill>
+                <a:latin typeface="Cascadia Mono" panose="020B0609020000020004" pitchFamily="49" charset="0"/>
+              </a:rPr>
+              <a:t>&lt;</a:t>
+            </a:r>
+            <a:r>
+              <a:rPr lang="en-US" sz="2400" dirty="0">
+                <a:solidFill>
+                  <a:srgbClr val="2B91AF"/>
+                </a:solidFill>
+                <a:latin typeface="Cascadia Mono" panose="020B0609020000020004" pitchFamily="49" charset="0"/>
+              </a:rPr>
+              <a:t>Customer</a:t>
+            </a:r>
+            <a:r>
+              <a:rPr lang="en-US" sz="2400" dirty="0">
+                <a:solidFill>
+                  <a:srgbClr val="000000"/>
+                </a:solidFill>
+                <a:latin typeface="Cascadia Mono" panose="020B0609020000020004" pitchFamily="49" charset="0"/>
+              </a:rPr>
+              <a:t>&gt; Customers =&gt; </a:t>
+            </a:r>
+            <a:r>
+              <a:rPr lang="en-US" sz="2400" dirty="0">
+                <a:solidFill>
+                  <a:srgbClr val="2B91AF"/>
+                </a:solidFill>
+                <a:latin typeface="Cascadia Mono" panose="020B0609020000020004" pitchFamily="49" charset="0"/>
+              </a:rPr>
+              <a:t>Set</a:t>
+            </a:r>
+            <a:r>
+              <a:rPr lang="en-US" sz="2400" dirty="0">
+                <a:solidFill>
+                  <a:srgbClr val="000000"/>
+                </a:solidFill>
+                <a:latin typeface="Cascadia Mono" panose="020B0609020000020004" pitchFamily="49" charset="0"/>
+              </a:rPr>
+              <a:t>&lt;</a:t>
+            </a:r>
+            <a:r>
+              <a:rPr lang="en-US" sz="2400" dirty="0">
+                <a:solidFill>
+                  <a:srgbClr val="2B91AF"/>
+                </a:solidFill>
+                <a:latin typeface="Cascadia Mono" panose="020B0609020000020004" pitchFamily="49" charset="0"/>
+              </a:rPr>
+              <a:t>Customer</a:t>
+            </a:r>
+            <a:r>
+              <a:rPr lang="en-US" sz="2400" dirty="0">
+                <a:solidFill>
+                  <a:srgbClr val="000000"/>
+                </a:solidFill>
+                <a:latin typeface="Cascadia Mono" panose="020B0609020000020004" pitchFamily="49" charset="0"/>
+              </a:rPr>
+              <a:t>&gt;();</a:t>
+            </a:r>
+          </a:p>
+          <a:p>
+            <a:r>
+              <a:rPr lang="en-US" sz="2400" dirty="0">
+                <a:solidFill>
+                  <a:srgbClr val="000000"/>
+                </a:solidFill>
+                <a:latin typeface="Cascadia Mono" panose="020B0609020000020004" pitchFamily="49" charset="0"/>
+              </a:rPr>
+              <a:t>        </a:t>
+            </a:r>
+            <a:r>
+              <a:rPr lang="en-US" sz="2400" dirty="0">
+                <a:solidFill>
+                  <a:srgbClr val="0000FF"/>
+                </a:solidFill>
+                <a:latin typeface="Cascadia Mono" panose="020B0609020000020004" pitchFamily="49" charset="0"/>
+              </a:rPr>
+              <a:t>public</a:t>
+            </a:r>
+            <a:r>
+              <a:rPr lang="en-US" sz="2400" dirty="0">
+                <a:solidFill>
+                  <a:srgbClr val="000000"/>
+                </a:solidFill>
+                <a:latin typeface="Cascadia Mono" panose="020B0609020000020004" pitchFamily="49" charset="0"/>
+              </a:rPr>
+              <a:t> </a:t>
+            </a:r>
+            <a:r>
+              <a:rPr lang="en-US" sz="2400" dirty="0" err="1">
+                <a:solidFill>
+                  <a:srgbClr val="2B91AF"/>
+                </a:solidFill>
+                <a:latin typeface="Cascadia Mono" panose="020B0609020000020004" pitchFamily="49" charset="0"/>
+              </a:rPr>
+              <a:t>DbSet</a:t>
+            </a:r>
+            <a:r>
+              <a:rPr lang="en-US" sz="2400" dirty="0">
+                <a:solidFill>
+                  <a:srgbClr val="000000"/>
+                </a:solidFill>
+                <a:latin typeface="Cascadia Mono" panose="020B0609020000020004" pitchFamily="49" charset="0"/>
+              </a:rPr>
+              <a:t>&lt;</a:t>
+            </a:r>
+            <a:r>
+              <a:rPr lang="en-US" sz="2400" dirty="0">
+                <a:solidFill>
+                  <a:srgbClr val="2B91AF"/>
+                </a:solidFill>
+                <a:latin typeface="Cascadia Mono" panose="020B0609020000020004" pitchFamily="49" charset="0"/>
+              </a:rPr>
+              <a:t>Product</a:t>
+            </a:r>
+            <a:r>
+              <a:rPr lang="en-US" sz="2400" dirty="0">
+                <a:solidFill>
+                  <a:srgbClr val="000000"/>
+                </a:solidFill>
+                <a:latin typeface="Cascadia Mono" panose="020B0609020000020004" pitchFamily="49" charset="0"/>
+              </a:rPr>
+              <a:t>&gt; Products =&gt; </a:t>
+            </a:r>
+            <a:r>
+              <a:rPr lang="en-US" sz="2400" dirty="0">
+                <a:solidFill>
+                  <a:srgbClr val="2B91AF"/>
+                </a:solidFill>
+                <a:latin typeface="Cascadia Mono" panose="020B0609020000020004" pitchFamily="49" charset="0"/>
+              </a:rPr>
+              <a:t>Set</a:t>
+            </a:r>
+            <a:r>
+              <a:rPr lang="en-US" sz="2400" dirty="0">
+                <a:solidFill>
+                  <a:srgbClr val="000000"/>
+                </a:solidFill>
+                <a:latin typeface="Cascadia Mono" panose="020B0609020000020004" pitchFamily="49" charset="0"/>
+              </a:rPr>
+              <a:t>&lt;</a:t>
+            </a:r>
+            <a:r>
+              <a:rPr lang="en-US" sz="2400" dirty="0">
+                <a:solidFill>
+                  <a:srgbClr val="2B91AF"/>
+                </a:solidFill>
+                <a:latin typeface="Cascadia Mono" panose="020B0609020000020004" pitchFamily="49" charset="0"/>
+              </a:rPr>
+              <a:t>Product</a:t>
+            </a:r>
+            <a:r>
+              <a:rPr lang="en-US" sz="2400" dirty="0">
+                <a:solidFill>
+                  <a:srgbClr val="000000"/>
+                </a:solidFill>
+                <a:latin typeface="Cascadia Mono" panose="020B0609020000020004" pitchFamily="49" charset="0"/>
+              </a:rPr>
+              <a:t>&gt;();</a:t>
+            </a:r>
+          </a:p>
+          <a:p>
+            <a:r>
+              <a:rPr lang="en-US" sz="2400" dirty="0">
+                <a:solidFill>
+                  <a:srgbClr val="000000"/>
+                </a:solidFill>
+                <a:latin typeface="Cascadia Mono" panose="020B0609020000020004" pitchFamily="49" charset="0"/>
+              </a:rPr>
+              <a:t>        </a:t>
+            </a:r>
+            <a:r>
+              <a:rPr lang="en-US" sz="2400" dirty="0">
+                <a:solidFill>
+                  <a:srgbClr val="0000FF"/>
+                </a:solidFill>
+                <a:latin typeface="Cascadia Mono" panose="020B0609020000020004" pitchFamily="49" charset="0"/>
+              </a:rPr>
+              <a:t>public</a:t>
+            </a:r>
+            <a:r>
+              <a:rPr lang="en-US" sz="2400" dirty="0">
+                <a:solidFill>
+                  <a:srgbClr val="000000"/>
+                </a:solidFill>
+                <a:latin typeface="Cascadia Mono" panose="020B0609020000020004" pitchFamily="49" charset="0"/>
+              </a:rPr>
+              <a:t> </a:t>
+            </a:r>
+            <a:r>
+              <a:rPr lang="en-US" sz="2400" dirty="0" err="1">
+                <a:solidFill>
+                  <a:srgbClr val="2B91AF"/>
+                </a:solidFill>
+                <a:latin typeface="Cascadia Mono" panose="020B0609020000020004" pitchFamily="49" charset="0"/>
+              </a:rPr>
+              <a:t>DbSet</a:t>
+            </a:r>
+            <a:r>
+              <a:rPr lang="en-US" sz="2400" dirty="0">
+                <a:solidFill>
+                  <a:srgbClr val="000000"/>
+                </a:solidFill>
+                <a:latin typeface="Cascadia Mono" panose="020B0609020000020004" pitchFamily="49" charset="0"/>
+              </a:rPr>
+              <a:t>&lt;</a:t>
+            </a:r>
+            <a:r>
+              <a:rPr lang="en-US" sz="2400" dirty="0" err="1">
+                <a:solidFill>
+                  <a:srgbClr val="2B91AF"/>
+                </a:solidFill>
+                <a:latin typeface="Cascadia Mono" panose="020B0609020000020004" pitchFamily="49" charset="0"/>
+              </a:rPr>
+              <a:t>BankAccount</a:t>
+            </a:r>
+            <a:r>
+              <a:rPr lang="en-US" sz="2400" dirty="0">
+                <a:solidFill>
+                  <a:srgbClr val="000000"/>
+                </a:solidFill>
+                <a:latin typeface="Cascadia Mono" panose="020B0609020000020004" pitchFamily="49" charset="0"/>
+              </a:rPr>
+              <a:t>&gt; </a:t>
+            </a:r>
+            <a:r>
+              <a:rPr lang="en-US" sz="2400" dirty="0" err="1" smtClean="0">
+                <a:solidFill>
+                  <a:srgbClr val="000000"/>
+                </a:solidFill>
+                <a:latin typeface="Cascadia Mono" panose="020B0609020000020004" pitchFamily="49" charset="0"/>
+              </a:rPr>
+              <a:t>BankAccounts</a:t>
+            </a:r>
+            <a:r>
+              <a:rPr lang="en-US" sz="2400" dirty="0" smtClean="0">
+                <a:solidFill>
+                  <a:srgbClr val="000000"/>
+                </a:solidFill>
+                <a:latin typeface="Cascadia Mono" panose="020B0609020000020004" pitchFamily="49" charset="0"/>
+              </a:rPr>
+              <a:t> </a:t>
+            </a:r>
+            <a:r>
+              <a:rPr lang="en-US" sz="2400" dirty="0">
+                <a:solidFill>
+                  <a:srgbClr val="000000"/>
+                </a:solidFill>
+                <a:latin typeface="Cascadia Mono" panose="020B0609020000020004" pitchFamily="49" charset="0"/>
+              </a:rPr>
+              <a:t>=&gt; </a:t>
+            </a:r>
+            <a:r>
+              <a:rPr lang="ru-RU" sz="2400" dirty="0" smtClean="0">
+                <a:solidFill>
+                  <a:srgbClr val="000000"/>
+                </a:solidFill>
+                <a:latin typeface="Cascadia Mono" panose="020B0609020000020004" pitchFamily="49" charset="0"/>
+              </a:rPr>
+              <a:t>																									</a:t>
+            </a:r>
+            <a:r>
+              <a:rPr lang="en-US" sz="2400" dirty="0" smtClean="0">
+                <a:solidFill>
+                  <a:srgbClr val="2B91AF"/>
+                </a:solidFill>
+                <a:latin typeface="Cascadia Mono" panose="020B0609020000020004" pitchFamily="49" charset="0"/>
+              </a:rPr>
+              <a:t>Set</a:t>
+            </a:r>
+            <a:r>
+              <a:rPr lang="en-US" sz="2400" dirty="0" smtClean="0">
+                <a:solidFill>
+                  <a:srgbClr val="000000"/>
+                </a:solidFill>
+                <a:latin typeface="Cascadia Mono" panose="020B0609020000020004" pitchFamily="49" charset="0"/>
+              </a:rPr>
+              <a:t>&lt;</a:t>
+            </a:r>
+            <a:r>
+              <a:rPr lang="en-US" sz="2400" dirty="0" err="1" smtClean="0">
+                <a:solidFill>
+                  <a:srgbClr val="2B91AF"/>
+                </a:solidFill>
+                <a:latin typeface="Cascadia Mono" panose="020B0609020000020004" pitchFamily="49" charset="0"/>
+              </a:rPr>
+              <a:t>BankAccount</a:t>
+            </a:r>
+            <a:r>
+              <a:rPr lang="en-US" sz="2400" dirty="0">
+                <a:solidFill>
+                  <a:srgbClr val="000000"/>
+                </a:solidFill>
+                <a:latin typeface="Cascadia Mono" panose="020B0609020000020004" pitchFamily="49" charset="0"/>
+              </a:rPr>
+              <a:t>&gt;();</a:t>
+            </a:r>
+          </a:p>
+          <a:p>
+            <a:r>
+              <a:rPr lang="en-US" sz="2400" dirty="0">
+                <a:solidFill>
+                  <a:srgbClr val="000000"/>
+                </a:solidFill>
+                <a:latin typeface="Cascadia Mono" panose="020B0609020000020004" pitchFamily="49" charset="0"/>
+              </a:rPr>
+              <a:t>        </a:t>
+            </a:r>
+            <a:endParaRPr lang="ru-RU" sz="2400" dirty="0" smtClean="0">
+              <a:solidFill>
+                <a:srgbClr val="000000"/>
+              </a:solidFill>
+              <a:latin typeface="Cascadia Mono" panose="020B0609020000020004" pitchFamily="49" charset="0"/>
+            </a:endParaRPr>
+          </a:p>
+          <a:p>
+            <a:r>
+              <a:rPr lang="ru-RU" sz="2400" dirty="0">
+                <a:solidFill>
+                  <a:srgbClr val="000000"/>
+                </a:solidFill>
+                <a:latin typeface="Cascadia Mono" panose="020B0609020000020004" pitchFamily="49" charset="0"/>
+              </a:rPr>
+              <a:t>	</a:t>
+            </a:r>
+            <a:r>
+              <a:rPr lang="ru-RU" sz="2400" dirty="0" smtClean="0">
+                <a:solidFill>
+                  <a:srgbClr val="000000"/>
+                </a:solidFill>
+                <a:latin typeface="Cascadia Mono" panose="020B0609020000020004" pitchFamily="49" charset="0"/>
+              </a:rPr>
+              <a:t>		</a:t>
+            </a:r>
+            <a:r>
+              <a:rPr lang="en-US" sz="2400" dirty="0" smtClean="0">
+                <a:solidFill>
+                  <a:srgbClr val="0000FF"/>
+                </a:solidFill>
+                <a:latin typeface="Cascadia Mono" panose="020B0609020000020004" pitchFamily="49" charset="0"/>
+              </a:rPr>
+              <a:t>public</a:t>
+            </a:r>
+            <a:r>
+              <a:rPr lang="en-US" sz="2400" dirty="0" smtClean="0">
+                <a:solidFill>
+                  <a:srgbClr val="000000"/>
+                </a:solidFill>
+                <a:latin typeface="Cascadia Mono" panose="020B0609020000020004" pitchFamily="49" charset="0"/>
+              </a:rPr>
+              <a:t> </a:t>
+            </a:r>
+            <a:r>
+              <a:rPr lang="en-US" sz="2400" dirty="0" err="1">
+                <a:solidFill>
+                  <a:srgbClr val="2B91AF"/>
+                </a:solidFill>
+                <a:latin typeface="Cascadia Mono" panose="020B0609020000020004" pitchFamily="49" charset="0"/>
+              </a:rPr>
+              <a:t>ApplicationContext</a:t>
+            </a:r>
+            <a:r>
+              <a:rPr lang="en-US" sz="2400" dirty="0">
+                <a:solidFill>
+                  <a:srgbClr val="000000"/>
+                </a:solidFill>
+                <a:latin typeface="Cascadia Mono" panose="020B0609020000020004" pitchFamily="49" charset="0"/>
+              </a:rPr>
+              <a:t>() =&gt; </a:t>
+            </a:r>
+            <a:r>
+              <a:rPr lang="en-US" sz="2400" dirty="0" err="1">
+                <a:solidFill>
+                  <a:srgbClr val="000000"/>
+                </a:solidFill>
+                <a:latin typeface="Cascadia Mono" panose="020B0609020000020004" pitchFamily="49" charset="0"/>
+              </a:rPr>
+              <a:t>Database.EnsureCreated</a:t>
+            </a:r>
+            <a:r>
+              <a:rPr lang="en-US" sz="2400" dirty="0">
+                <a:solidFill>
+                  <a:srgbClr val="000000"/>
+                </a:solidFill>
+                <a:latin typeface="Cascadia Mono" panose="020B0609020000020004" pitchFamily="49" charset="0"/>
+              </a:rPr>
+              <a:t>();</a:t>
+            </a:r>
+          </a:p>
+          <a:p>
+            <a:endParaRPr lang="ru-RU" sz="2400" dirty="0">
+              <a:solidFill>
+                <a:srgbClr val="000000"/>
+              </a:solidFill>
+              <a:latin typeface="Cascadia Mono" panose="020B0609020000020004" pitchFamily="49" charset="0"/>
+            </a:endParaRPr>
+          </a:p>
+          <a:p>
+            <a:r>
+              <a:rPr lang="en-US" sz="2400" dirty="0">
+                <a:solidFill>
+                  <a:srgbClr val="000000"/>
+                </a:solidFill>
+                <a:latin typeface="Cascadia Mono" panose="020B0609020000020004" pitchFamily="49" charset="0"/>
+              </a:rPr>
+              <a:t>        </a:t>
+            </a:r>
+            <a:r>
+              <a:rPr lang="en-US" sz="2400" dirty="0">
+                <a:solidFill>
+                  <a:srgbClr val="0000FF"/>
+                </a:solidFill>
+                <a:latin typeface="Cascadia Mono" panose="020B0609020000020004" pitchFamily="49" charset="0"/>
+              </a:rPr>
               <a:t>protected</a:t>
             </a:r>
             <a:r>
@@ -15854,7 +16024,7 @@
               <a:t> </a:t>
             </a:r>
             <a:r>
-              <a:rPr lang="en-US" sz="2400" dirty="0">
+              <a:rPr lang="en-US" sz="2400" dirty="0" smtClean="0">
                 <a:solidFill>
                   <a:srgbClr val="0000FF"/>
                 </a:solidFill>
@@ -15863,7 +16033,7 @@
               <a:t>void</a:t>
             </a:r>
             <a:r>
-              <a:rPr lang="en-US" sz="2400" dirty="0">
+              <a:rPr lang="ru-RU" sz="2400" dirty="0">
                 <a:solidFill>
                   <a:srgbClr val="000000"/>
                 </a:solidFill>
@@ -15872,13 +16042,115 @@
               <a:t> </a:t>
             </a:r>
             <a:r>
+              <a:rPr lang="en-US" sz="2400" dirty="0" err="1" smtClean="0">
+                <a:solidFill>
+                  <a:srgbClr val="000000"/>
+                </a:solidFill>
+                <a:latin typeface="Cascadia Mono" panose="020B0609020000020004" pitchFamily="49" charset="0"/>
+              </a:rPr>
+              <a:t>OnConfiguring</a:t>
+            </a:r>
+            <a:r>
+              <a:rPr lang="en-US" sz="2400" dirty="0" smtClean="0">
+                <a:solidFill>
+                  <a:srgbClr val="000000"/>
+                </a:solidFill>
+                <a:latin typeface="Cascadia Mono" panose="020B0609020000020004" pitchFamily="49" charset="0"/>
+              </a:rPr>
+              <a:t>(</a:t>
+            </a:r>
+            <a:r>
+              <a:rPr lang="ru-RU" sz="2400" dirty="0" smtClean="0">
+                <a:solidFill>
+                  <a:srgbClr val="000000"/>
+                </a:solidFill>
+                <a:latin typeface="Cascadia Mono" panose="020B0609020000020004" pitchFamily="49" charset="0"/>
+              </a:rPr>
+              <a:t/>
+            </a:r>
+            <a:br>
+              <a:rPr lang="ru-RU" sz="2400" dirty="0" smtClean="0">
+                <a:solidFill>
+                  <a:srgbClr val="000000"/>
+                </a:solidFill>
+                <a:latin typeface="Cascadia Mono" panose="020B0609020000020004" pitchFamily="49" charset="0"/>
+              </a:rPr>
+            </a:br>
+            <a:r>
+              <a:rPr lang="ru-RU" sz="2400" dirty="0" smtClean="0">
+                <a:solidFill>
+                  <a:srgbClr val="000000"/>
+                </a:solidFill>
+                <a:latin typeface="Cascadia Mono" panose="020B0609020000020004" pitchFamily="49" charset="0"/>
+              </a:rPr>
+              <a:t>										</a:t>
+            </a:r>
+            <a:r>
+              <a:rPr lang="en-US" sz="2400" dirty="0" err="1" smtClean="0">
+                <a:solidFill>
+                  <a:srgbClr val="2B91AF"/>
+                </a:solidFill>
+                <a:latin typeface="Cascadia Mono" panose="020B0609020000020004" pitchFamily="49" charset="0"/>
+              </a:rPr>
+              <a:t>DbContextOptionsBuilder</a:t>
+            </a:r>
+            <a:r>
+              <a:rPr lang="en-US" sz="2400" dirty="0" smtClean="0">
+                <a:solidFill>
+                  <a:srgbClr val="000000"/>
+                </a:solidFill>
+                <a:latin typeface="Cascadia Mono" panose="020B0609020000020004" pitchFamily="49" charset="0"/>
+              </a:rPr>
+              <a:t> </a:t>
+            </a:r>
+            <a:r>
               <a:rPr lang="en-US" sz="2400" dirty="0" err="1">
                 <a:solidFill>
                   <a:srgbClr val="000000"/>
                 </a:solidFill>
                 <a:latin typeface="Cascadia Mono" panose="020B0609020000020004" pitchFamily="49" charset="0"/>
               </a:rPr>
-              <a:t>OnConfiguring</a:t>
+              <a:t>optionsBuilder</a:t>
+            </a:r>
+            <a:r>
+              <a:rPr lang="en-US" sz="2400" dirty="0">
+                <a:solidFill>
+                  <a:srgbClr val="000000"/>
+                </a:solidFill>
+                <a:latin typeface="Cascadia Mono" panose="020B0609020000020004" pitchFamily="49" charset="0"/>
+              </a:rPr>
+              <a:t>)</a:t>
+            </a:r>
+          </a:p>
+          <a:p>
+            <a:r>
+              <a:rPr lang="ru-RU" sz="2400" dirty="0">
+                <a:solidFill>
+                  <a:srgbClr val="000000"/>
+                </a:solidFill>
+                <a:latin typeface="Cascadia Mono" panose="020B0609020000020004" pitchFamily="49" charset="0"/>
+              </a:rPr>
+              <a:t>        {</a:t>
+            </a:r>
+          </a:p>
+          <a:p>
+            <a:r>
+              <a:rPr lang="en-US" sz="2400" dirty="0">
+                <a:solidFill>
+                  <a:srgbClr val="000000"/>
+                </a:solidFill>
+                <a:latin typeface="Cascadia Mono" panose="020B0609020000020004" pitchFamily="49" charset="0"/>
+              </a:rPr>
+              <a:t>            </a:t>
+            </a:r>
+            <a:r>
+              <a:rPr lang="en-US" sz="2400" dirty="0" err="1">
+                <a:solidFill>
+                  <a:srgbClr val="000000"/>
+                </a:solidFill>
+                <a:latin typeface="Cascadia Mono" panose="020B0609020000020004" pitchFamily="49" charset="0"/>
+              </a:rPr>
+              <a:t>optionsBuilder.UseSqlite</a:t>
             </a:r>
             <a:r>
               <a:rPr lang="en-US" sz="2400" dirty="0">
@@ -15890,40 +16162,40 @@
               <a:t>(</a:t>
             </a:r>
             <a:r>
+              <a:rPr lang="en-US" sz="2400" dirty="0">
+                <a:solidFill>
+                  <a:srgbClr val="A31515"/>
+                </a:solidFill>
+                <a:latin typeface="Cascadia Mono" panose="020B0609020000020004" pitchFamily="49" charset="0"/>
+              </a:rPr>
+              <a:t>"Data Source=</a:t>
+            </a:r>
+            <a:r>
               <a:rPr lang="en-US" sz="2400" dirty="0" err="1">
                 <a:solidFill>
-                  <a:srgbClr val="000000"/>
-                </a:solidFill>
-                <a:latin typeface="Cascadia Mono" panose="020B0609020000020004" pitchFamily="49" charset="0"/>
-              </a:rPr>
-              <a:t>DbContextOptionsBuilder</a:t>
-            </a:r>
-            <a:r>
-              <a:rPr lang="en-US" sz="2400" dirty="0">
-                <a:solidFill>
-                  <a:srgbClr val="000000"/>
-                </a:solidFill>
-                <a:latin typeface="Cascadia Mono" panose="020B0609020000020004" pitchFamily="49" charset="0"/>
-              </a:rPr>
-              <a:t> </a:t>
-            </a:r>
-            <a:r>
-              <a:rPr lang="en-US" sz="2400" dirty="0" err="1">
-                <a:solidFill>
-                  <a:srgbClr val="000000"/>
-                </a:solidFill>
-                <a:latin typeface="Cascadia Mono" panose="020B0609020000020004" pitchFamily="49" charset="0"/>
-              </a:rPr>
-              <a:t>optionsBuilder</a:t>
-            </a:r>
-            <a:r>
-              <a:rPr lang="en-US" sz="2400" dirty="0">
-                <a:solidFill>
-                  <a:srgbClr val="000000"/>
-                </a:solidFill>
-                <a:latin typeface="Cascadia Mono" panose="020B0609020000020004" pitchFamily="49" charset="0"/>
-              </a:rPr>
-              <a:t>)</a:t>
+                  <a:srgbClr val="A31515"/>
+                </a:solidFill>
+                <a:latin typeface="Cascadia Mono" panose="020B0609020000020004" pitchFamily="49" charset="0"/>
+              </a:rPr>
+              <a:t>MyDataBase.db</a:t>
+            </a:r>
+            <a:r>
+              <a:rPr lang="en-US" sz="2400" dirty="0">
+                <a:solidFill>
+                  <a:srgbClr val="A31515"/>
+                </a:solidFill>
+                <a:latin typeface="Cascadia Mono" panose="020B0609020000020004" pitchFamily="49" charset="0"/>
+              </a:rPr>
+              <a:t>"</a:t>
+            </a:r>
+            <a:r>
+              <a:rPr lang="en-US" sz="2400" dirty="0">
+                <a:solidFill>
+                  <a:srgbClr val="000000"/>
+                </a:solidFill>
+                <a:latin typeface="Cascadia Mono" panose="020B0609020000020004" pitchFamily="49" charset="0"/>
+              </a:rPr>
+              <a:t>);</a:t>
             </a:r>
           </a:p>
           <a:p>
@@ -15934,94 +16206,18 @@
                 </a:solidFill>
                 <a:latin typeface="Cascadia Mono" panose="020B0609020000020004" pitchFamily="49" charset="0"/>
               </a:rPr>
-              <a:t>        {</a:t>
-            </a:r>
-          </a:p>
-          <a:p>
-            <a:r>
-              <a:rPr lang="en-US" sz="2400" dirty="0">
-                <a:solidFill>
-                  <a:srgbClr val="000000"/>
-                </a:solidFill>
-                <a:latin typeface="Cascadia Mono" panose="020B0609020000020004" pitchFamily="49" charset="0"/>
-              </a:rPr>
-              <a:t>            </a:t>
-            </a:r>
-            <a:r>
-              <a:rPr lang="en-US" sz="2400" dirty="0" err="1">
-                <a:solidFill>
-                  <a:srgbClr val="000000"/>
-                </a:solidFill>
-                <a:latin typeface="Cascadia Mono" panose="020B0609020000020004" pitchFamily="49" charset="0"/>
-              </a:rPr>
-              <a:t>optionsBuilder.UseSqlite</a:t>
-            </a:r>
-            <a:r>
-              <a:rPr lang="en-US" sz="2400" dirty="0">
-                <a:solidFill>
-                  <a:srgbClr val="000000"/>
-                </a:solidFill>
-                <a:latin typeface="Cascadia Mono" panose="020B0609020000020004" pitchFamily="49" charset="0"/>
-              </a:rPr>
-              <a:t>(</a:t>
-            </a:r>
-            <a:r>
-              <a:rPr lang="en-US" sz="2400" dirty="0">
-                <a:solidFill>
-                  <a:srgbClr val="A31515"/>
-                </a:solidFill>
-                <a:latin typeface="Cascadia Mono" panose="020B0609020000020004" pitchFamily="49" charset="0"/>
-              </a:rPr>
-              <a:t>"Data Source=</a:t>
-            </a:r>
-            <a:r>
-              <a:rPr lang="en-US" sz="2400" dirty="0" err="1">
-                <a:solidFill>
-                  <a:srgbClr val="A31515"/>
-                </a:solidFill>
-                <a:latin typeface="Cascadia Mono" panose="020B0609020000020004" pitchFamily="49" charset="0"/>
-              </a:rPr>
-              <a:t>MyDataBase.db</a:t>
-            </a:r>
-            <a:r>
-              <a:rPr lang="en-US" sz="2400" dirty="0">
-                <a:solidFill>
-                  <a:srgbClr val="A31515"/>
-                </a:solidFill>
-                <a:latin typeface="Cascadia Mono" panose="020B0609020000020004" pitchFamily="49" charset="0"/>
-              </a:rPr>
-              <a:t>"</a:t>
-            </a:r>
-            <a:r>
-              <a:rPr lang="en-US" sz="2400" dirty="0">
-                <a:solidFill>
-                  <a:srgbClr val="000000"/>
-                </a:solidFill>
-                <a:latin typeface="Cascadia Mono" panose="020B0609020000020004" pitchFamily="49" charset="0"/>
-              </a:rPr>
-              <a:t>);</a:t>
-            </a:r>
-          </a:p>
-          <a:p>
-            <a:r>
-              <a:rPr lang="ru-RU" sz="2400" dirty="0">
-                <a:solidFill>
-                  <a:srgbClr val="000000"/>
-                </a:solidFill>
-                <a:latin typeface="Cascadia Mono" panose="020B0609020000020004" pitchFamily="49" charset="0"/>
-              </a:rPr>
               <a:t>        }</a:t>
             </a:r>
           </a:p>
           <a:p>
             <a:r>
-              <a:rPr lang="ru-RU" sz="2400" dirty="0">
-                <a:solidFill>
-                  <a:srgbClr val="000000"/>
-                </a:solidFill>
-                <a:latin typeface="Cascadia Mono" panose="020B0609020000020004" pitchFamily="49" charset="0"/>
-              </a:rPr>
-              <a:t>    }</a:t>
+              <a:rPr lang="ru-RU" sz="2400" dirty="0" smtClean="0">
+                <a:solidFill>
+                  <a:srgbClr val="000000"/>
+                </a:solidFill>
+                <a:latin typeface="Cascadia Mono" panose="020B0609020000020004" pitchFamily="49" charset="0"/>
+              </a:rPr>
+              <a:t>	}</a:t>
             </a:r>
             <a:r>
               <a:rPr lang="ru-RU" sz="2400" dirty="0" smtClean="0">
@@ -16029,6 +16225,9 @@
               </a:rPr>
               <a:t> </a:t>
             </a:r>
+            <a:endParaRPr lang="ru-RU" sz="2400" dirty="0" smtClean="0">
+              <a:latin typeface="Bookman Old Style" panose="02050604050505020204" pitchFamily="18" charset="0"/>
+            </a:endParaRPr>
           </a:p>
         </p:txBody>
       </p:sp>
@@ -18700,10 +18899,10 @@
                 </a:solidFill>
                 <a:latin typeface="Cascadia Mono" panose="020B0609020000020004" pitchFamily="49" charset="0"/>
               </a:rPr>
-              <a:t>					</a:t>
-            </a:r>
-            <a:r>
-              <a:rPr lang="en-US" sz="2400" dirty="0">
+              <a:t>				</a:t>
+            </a:r>
+            <a:r>
+              <a:rPr lang="ru-RU" sz="2400" dirty="0">
                 <a:solidFill>
                   <a:srgbClr val="000000"/>
                 </a:solidFill>
@@ -18712,7 +18911,16 @@
               <a:t> </a:t>
             </a:r>
             <a:r>
-              <a:rPr lang="en-US" sz="2400" dirty="0" err="1">
+              <a:rPr lang="ru-RU" sz="2400" dirty="0" smtClean="0">
+                <a:solidFill>
+                  <a:srgbClr val="000000"/>
+                </a:solidFill>
+                <a:latin typeface="Cascadia Mono" panose="020B0609020000020004" pitchFamily="49" charset="0"/>
+              </a:rPr>
+              <a:t> </a:t>
+            </a:r>
+            <a:r>
+              <a:rPr lang="en-US" sz="2400" dirty="0" err="1" smtClean="0">
                 <a:solidFill>
                   <a:srgbClr val="0000FF"/>
                 </a:solidFill>
@@ -18721,13 +18929,22 @@
               <a:t>foreach</a:t>
             </a:r>
             <a:r>
-              <a:rPr lang="en-US" sz="2400" dirty="0">
-                <a:solidFill>
-                  <a:srgbClr val="000000"/>
-                </a:solidFill>
-                <a:latin typeface="Cascadia Mono" panose="020B0609020000020004" pitchFamily="49" charset="0"/>
-              </a:rPr>
-              <a:t> (</a:t>
+              <a:rPr lang="en-US" sz="2400" dirty="0" smtClean="0">
+                <a:solidFill>
+                  <a:srgbClr val="000000"/>
+                </a:solidFill>
+                <a:latin typeface="Cascadia Mono" panose="020B0609020000020004" pitchFamily="49" charset="0"/>
+              </a:rPr>
+              <a:t> </a:t>
+            </a:r>
+            <a:r>
+              <a:rPr lang="en-US" sz="2400" dirty="0">
+                <a:solidFill>
+                  <a:srgbClr val="000000"/>
+                </a:solidFill>
+                <a:latin typeface="Cascadia Mono" panose="020B0609020000020004" pitchFamily="49" charset="0"/>
+              </a:rPr>
+              <a:t>(</a:t>
             </a:r>
             <a:r>
               <a:rPr lang="en-US" sz="2400" dirty="0" err="1">

--- a/Лекции/ИТиП 3 лек 8.pptx
+++ b/Лекции/ИТиП 3 лек 8.pptx
@@ -255,7 +255,7 @@
             <a:fld id="{AA2F9473-F066-431E-A6E8-1D478C995A6B}" type="datetimeFigureOut">
               <a:rPr lang="en-US" smtClean="0"/>
               <a:pPr/>
-              <a:t>12/11/2024</a:t>
+              <a:t>2/19/2025</a:t>
             </a:fld>
             <a:endParaRPr lang="en-US"/>
           </a:p>
@@ -16225,9 +16225,6 @@
               </a:rPr>
               <a:t> </a:t>
             </a:r>
-            <a:endParaRPr lang="ru-RU" sz="2400" dirty="0" smtClean="0">
-              <a:latin typeface="Bookman Old Style" panose="02050604050505020204" pitchFamily="18" charset="0"/>
-            </a:endParaRPr>
           </a:p>
         </p:txBody>
       </p:sp>

--- a/Лекции/ИТиП 3 лек 8.pptx
+++ b/Лекции/ИТиП 3 лек 8.pptx
@@ -5,7 +5,7 @@
     <p:sldMasterId id="2147483674" r:id="rId1"/>
   </p:sldMasterIdLst>
   <p:notesMasterIdLst>
-    <p:notesMasterId r:id="rId37"/>
+    <p:notesMasterId r:id="rId36"/>
   </p:notesMasterIdLst>
   <p:sldIdLst>
     <p:sldId id="273" r:id="rId2"/>
@@ -38,11 +38,10 @@
     <p:sldId id="1113" r:id="rId29"/>
     <p:sldId id="1114" r:id="rId30"/>
     <p:sldId id="1115" r:id="rId31"/>
-    <p:sldId id="1116" r:id="rId32"/>
-    <p:sldId id="1118" r:id="rId33"/>
-    <p:sldId id="1119" r:id="rId34"/>
-    <p:sldId id="1121" r:id="rId35"/>
-    <p:sldId id="1120" r:id="rId36"/>
+    <p:sldId id="1118" r:id="rId32"/>
+    <p:sldId id="1119" r:id="rId33"/>
+    <p:sldId id="1121" r:id="rId34"/>
+    <p:sldId id="1120" r:id="rId35"/>
   </p:sldIdLst>
   <p:sldSz cx="12192000" cy="6858000"/>
   <p:notesSz cx="6858000" cy="9144000"/>
@@ -258,7 +257,7 @@
             <a:fld id="{AA2F9473-F066-431E-A6E8-1D478C995A6B}" type="datetimeFigureOut">
               <a:rPr lang="en-US" smtClean="0"/>
               <a:pPr/>
-              <a:t>10/26/2025</a:t>
+              <a:t>10/29/2025</a:t>
             </a:fld>
             <a:endParaRPr lang="en-US"/>
           </a:p>
@@ -2767,7 +2766,7 @@
     </p:spTree>
     <p:extLst>
       <p:ext uri="{BB962C8B-B14F-4D97-AF65-F5344CB8AC3E}">
-        <p14:creationId xmlns:p14="http://schemas.microsoft.com/office/powerpoint/2010/main" val="3350132758"/>
+        <p14:creationId xmlns:p14="http://schemas.microsoft.com/office/powerpoint/2010/main" val="2136427526"/>
       </p:ext>
     </p:extLst>
   </p:cSld>
@@ -2857,7 +2856,7 @@
     </p:spTree>
     <p:extLst>
       <p:ext uri="{BB962C8B-B14F-4D97-AF65-F5344CB8AC3E}">
-        <p14:creationId xmlns:p14="http://schemas.microsoft.com/office/powerpoint/2010/main" val="2136427526"/>
+        <p14:creationId xmlns:p14="http://schemas.microsoft.com/office/powerpoint/2010/main" val="323426080"/>
       </p:ext>
     </p:extLst>
   </p:cSld>
@@ -2947,7 +2946,7 @@
     </p:spTree>
     <p:extLst>
       <p:ext uri="{BB962C8B-B14F-4D97-AF65-F5344CB8AC3E}">
-        <p14:creationId xmlns:p14="http://schemas.microsoft.com/office/powerpoint/2010/main" val="323426080"/>
+        <p14:creationId xmlns:p14="http://schemas.microsoft.com/office/powerpoint/2010/main" val="1198482452"/>
       </p:ext>
     </p:extLst>
   </p:cSld>
@@ -3029,96 +3028,6 @@
               <a:rPr lang="en-US" smtClean="0"/>
               <a:pPr/>
               <a:t>34</a:t>
-            </a:fld>
-            <a:endParaRPr lang="en-US"/>
-          </a:p>
-        </p:txBody>
-      </p:sp>
-    </p:spTree>
-    <p:extLst>
-      <p:ext uri="{BB962C8B-B14F-4D97-AF65-F5344CB8AC3E}">
-        <p14:creationId xmlns:p14="http://schemas.microsoft.com/office/powerpoint/2010/main" val="1198482452"/>
-      </p:ext>
-    </p:extLst>
-  </p:cSld>
-  <p:clrMapOvr>
-    <a:masterClrMapping/>
-  </p:clrMapOvr>
-</p:notes>
-</file>
-
-<file path=ppt/notesSlides/notesSlide35.xml><?xml version="1.0" encoding="utf-8"?>
-<p:notes xmlns:a="http://schemas.openxmlformats.org/drawingml/2006/main" xmlns:r="http://schemas.openxmlformats.org/officeDocument/2006/relationships" xmlns:p="http://schemas.openxmlformats.org/presentationml/2006/main">
-  <p:cSld>
-    <p:spTree>
-      <p:nvGrpSpPr>
-        <p:cNvPr id="1" name=""/>
-        <p:cNvGrpSpPr/>
-        <p:nvPr/>
-      </p:nvGrpSpPr>
-      <p:grpSpPr>
-        <a:xfrm>
-          <a:off x="0" y="0"/>
-          <a:ext cx="0" cy="0"/>
-          <a:chOff x="0" y="0"/>
-          <a:chExt cx="0" cy="0"/>
-        </a:xfrm>
-      </p:grpSpPr>
-      <p:sp>
-        <p:nvSpPr>
-          <p:cNvPr id="2" name="Образ слайда 1"/>
-          <p:cNvSpPr>
-            <a:spLocks noGrp="1" noRot="1" noChangeAspect="1"/>
-          </p:cNvSpPr>
-          <p:nvPr>
-            <p:ph type="sldImg"/>
-          </p:nvPr>
-        </p:nvSpPr>
-        <p:spPr>
-          <a:xfrm>
-            <a:off x="685800" y="1143000"/>
-            <a:ext cx="5486400" cy="3086100"/>
-          </a:xfrm>
-        </p:spPr>
-      </p:sp>
-      <p:sp>
-        <p:nvSpPr>
-          <p:cNvPr id="3" name="Заметки 2"/>
-          <p:cNvSpPr>
-            <a:spLocks noGrp="1"/>
-          </p:cNvSpPr>
-          <p:nvPr>
-            <p:ph type="body" idx="1"/>
-          </p:nvPr>
-        </p:nvSpPr>
-        <p:spPr/>
-        <p:txBody>
-          <a:bodyPr/>
-          <a:lstStyle/>
-          <a:p>
-            <a:endParaRPr lang="ru-RU"/>
-          </a:p>
-        </p:txBody>
-      </p:sp>
-      <p:sp>
-        <p:nvSpPr>
-          <p:cNvPr id="4" name="Номер слайда 3"/>
-          <p:cNvSpPr>
-            <a:spLocks noGrp="1"/>
-          </p:cNvSpPr>
-          <p:nvPr>
-            <p:ph type="sldNum" sz="quarter" idx="10"/>
-          </p:nvPr>
-        </p:nvSpPr>
-        <p:spPr/>
-        <p:txBody>
-          <a:bodyPr/>
-          <a:lstStyle/>
-          <a:p>
-            <a:fld id="{F0F4E2F1-1521-4C3A-A563-2F7D19AB6E0B}" type="slidenum">
-              <a:rPr lang="en-US" smtClean="0"/>
-              <a:pPr/>
-              <a:t>35</a:t>
             </a:fld>
             <a:endParaRPr lang="en-US"/>
           </a:p>
@@ -3834,7 +3743,7 @@
           <p:cNvPr id="9" name="Номер слайда 3">
             <a:extLst>
               <a:ext uri="{FF2B5EF4-FFF2-40B4-BE49-F238E27FC236}">
-                <a16:creationId xmlns:a16="http://schemas.microsoft.com/office/drawing/2014/main" id="{3DF48714-7FE4-4364-BF9D-28B9C9E2979D}"/>
+                <a16:creationId xmlns="" xmlns:a16="http://schemas.microsoft.com/office/drawing/2014/main" id="{3DF48714-7FE4-4364-BF9D-28B9C9E2979D}"/>
               </a:ext>
             </a:extLst>
           </p:cNvPr>
@@ -3973,7 +3882,7 @@
           <p:cNvPr id="7" name="Номер слайда 3">
             <a:extLst>
               <a:ext uri="{FF2B5EF4-FFF2-40B4-BE49-F238E27FC236}">
-                <a16:creationId xmlns:a16="http://schemas.microsoft.com/office/drawing/2014/main" id="{3DF48714-7FE4-4364-BF9D-28B9C9E2979D}"/>
+                <a16:creationId xmlns="" xmlns:a16="http://schemas.microsoft.com/office/drawing/2014/main" id="{3DF48714-7FE4-4364-BF9D-28B9C9E2979D}"/>
               </a:ext>
             </a:extLst>
           </p:cNvPr>
@@ -4255,7 +4164,7 @@
           <p:cNvPr id="9" name="Номер слайда 3">
             <a:extLst>
               <a:ext uri="{FF2B5EF4-FFF2-40B4-BE49-F238E27FC236}">
-                <a16:creationId xmlns:a16="http://schemas.microsoft.com/office/drawing/2014/main" id="{3DF48714-7FE4-4364-BF9D-28B9C9E2979D}"/>
+                <a16:creationId xmlns="" xmlns:a16="http://schemas.microsoft.com/office/drawing/2014/main" id="{3DF48714-7FE4-4364-BF9D-28B9C9E2979D}"/>
               </a:ext>
             </a:extLst>
           </p:cNvPr>
@@ -4713,7 +4622,7 @@
           <p:cNvPr id="17" name="Заголовок 16">
             <a:extLst>
               <a:ext uri="{FF2B5EF4-FFF2-40B4-BE49-F238E27FC236}">
-                <a16:creationId xmlns:a16="http://schemas.microsoft.com/office/drawing/2014/main" id="{D630362D-1F09-46B4-9DE4-AEA483AC82FD}"/>
+                <a16:creationId xmlns="" xmlns:a16="http://schemas.microsoft.com/office/drawing/2014/main" id="{D630362D-1F09-46B4-9DE4-AEA483AC82FD}"/>
               </a:ext>
             </a:extLst>
           </p:cNvPr>
@@ -4876,7 +4785,7 @@
           <p:cNvPr id="12" name="TextBox 11">
             <a:extLst>
               <a:ext uri="{FF2B5EF4-FFF2-40B4-BE49-F238E27FC236}">
-                <a16:creationId xmlns:a16="http://schemas.microsoft.com/office/drawing/2014/main" id="{F7B00361-5492-4290-B470-295172C16526}"/>
+                <a16:creationId xmlns="" xmlns:a16="http://schemas.microsoft.com/office/drawing/2014/main" id="{F7B00361-5492-4290-B470-295172C16526}"/>
               </a:ext>
             </a:extLst>
           </p:cNvPr>
@@ -4958,6 +4867,10 @@
               </a:rPr>
               <a:t>WPF, XML, XSD</a:t>
             </a:r>
+            <a:endParaRPr lang="ru-RU" sz="2800" dirty="0" smtClean="0">
+              <a:latin typeface="Bookman Old Style" panose="02050604050505020204" pitchFamily="18" charset="0"/>
+              <a:cs typeface="Times New Roman" panose="02020603050405020304" pitchFamily="18" charset="0"/>
+            </a:endParaRPr>
           </a:p>
           <a:p>
             <a:pPr marL="285750" indent="-285750">
@@ -4965,16 +4878,26 @@
               <a:buChar char="•"/>
             </a:pPr>
             <a:r>
-              <a:rPr lang="en-US" sz="2800" dirty="0" err="1" smtClean="0">
+              <a:rPr lang="en-US" sz="2800" dirty="0" smtClean="0">
                 <a:latin typeface="Bookman Old Style" panose="02050604050505020204" pitchFamily="18" charset="0"/>
                 <a:cs typeface="Times New Roman" panose="02020603050405020304" pitchFamily="18" charset="0"/>
               </a:rPr>
-              <a:t>Avalonia</a:t>
-            </a:r>
-            <a:endParaRPr lang="en-US" sz="2800" dirty="0" smtClean="0">
-              <a:latin typeface="Bookman Old Style" panose="02050604050505020204" pitchFamily="18" charset="0"/>
-              <a:cs typeface="Times New Roman" panose="02020603050405020304" pitchFamily="18" charset="0"/>
-            </a:endParaRPr>
+              <a:t>WPF </a:t>
+            </a:r>
+            <a:r>
+              <a:rPr lang="ru-RU" sz="2800" dirty="0" smtClean="0">
+                <a:latin typeface="Bookman Old Style" panose="02050604050505020204" pitchFamily="18" charset="0"/>
+                <a:cs typeface="Times New Roman" panose="02020603050405020304" pitchFamily="18" charset="0"/>
+              </a:rPr>
+              <a:t>и </a:t>
+            </a:r>
+            <a:r>
+              <a:rPr lang="en-US" sz="2800" dirty="0" smtClean="0">
+                <a:latin typeface="Bookman Old Style" panose="02050604050505020204" pitchFamily="18" charset="0"/>
+                <a:cs typeface="Times New Roman" panose="02020603050405020304" pitchFamily="18" charset="0"/>
+              </a:rPr>
+              <a:t>MVVM</a:t>
+            </a:r>
           </a:p>
         </p:txBody>
       </p:sp>
@@ -9008,7 +8931,25 @@
                 </a:solidFill>
                 <a:latin typeface="Bookman Old Style" panose="02050604050505020204" pitchFamily="18" charset="0"/>
               </a:rPr>
-              <a:t>WPF + MVVM</a:t>
+              <a:t>WPF </a:t>
+            </a:r>
+            <a:r>
+              <a:rPr lang="ru-RU" sz="2800" b="1" dirty="0" smtClean="0">
+                <a:solidFill>
+                  <a:srgbClr val="202122"/>
+                </a:solidFill>
+                <a:latin typeface="Bookman Old Style" panose="02050604050505020204" pitchFamily="18" charset="0"/>
+              </a:rPr>
+              <a:t>и</a:t>
+            </a:r>
+            <a:r>
+              <a:rPr lang="en-US" sz="2800" b="1" dirty="0" smtClean="0">
+                <a:solidFill>
+                  <a:srgbClr val="202122"/>
+                </a:solidFill>
+                <a:latin typeface="Bookman Old Style" panose="02050604050505020204" pitchFamily="18" charset="0"/>
+              </a:rPr>
+              <a:t> MVVM</a:t>
             </a:r>
             <a:endParaRPr lang="ru-RU" sz="2800" b="1" dirty="0">
               <a:solidFill>
@@ -13605,7 +13546,7 @@
         <p:spPr>
           <a:xfrm>
             <a:off x="0" y="0"/>
-            <a:ext cx="12192000" cy="5632311"/>
+            <a:ext cx="12192000" cy="6417141"/>
           </a:xfrm>
           <a:prstGeom prst="rect">
             <a:avLst/>
@@ -13617,22 +13558,848 @@
           </a:bodyPr>
           <a:lstStyle/>
           <a:p>
+            <a:pPr>
+              <a:lnSpc>
+                <a:spcPct val="150000"/>
+              </a:lnSpc>
+            </a:pPr>
+            <a:r>
+              <a:rPr lang="ru-RU" sz="2400" dirty="0" smtClean="0">
+                <a:latin typeface="Bookman Old Style" panose="02050604050505020204" pitchFamily="18" charset="0"/>
+              </a:rPr>
+              <a:t>2</a:t>
+            </a:r>
+            <a:r>
+              <a:rPr lang="ru-RU" sz="2400" dirty="0">
+                <a:latin typeface="Bookman Old Style" panose="02050604050505020204" pitchFamily="18" charset="0"/>
+              </a:rPr>
+              <a:t>. </a:t>
+            </a:r>
+            <a:r>
+              <a:rPr lang="en-US" sz="2400" dirty="0" err="1">
+                <a:latin typeface="Bookman Old Style" panose="02050604050505020204" pitchFamily="18" charset="0"/>
+              </a:rPr>
+              <a:t>MainWindow.xaml</a:t>
+            </a:r>
+            <a:r>
+              <a:rPr lang="ru-RU" sz="2400" dirty="0" smtClean="0">
+                <a:latin typeface="Bookman Old Style" panose="02050604050505020204" pitchFamily="18" charset="0"/>
+              </a:rPr>
+              <a:t> </a:t>
+            </a:r>
+            <a:r>
+              <a:rPr lang="ru-RU" sz="2400" dirty="0">
+                <a:latin typeface="Bookman Old Style" panose="02050604050505020204" pitchFamily="18" charset="0"/>
+              </a:rPr>
+              <a:t>(XAML) - красивый </a:t>
+            </a:r>
+            <a:r>
+              <a:rPr lang="ru-RU" sz="2400" dirty="0" smtClean="0">
+                <a:latin typeface="Bookman Old Style" panose="02050604050505020204" pitchFamily="18" charset="0"/>
+              </a:rPr>
+              <a:t>интерфейс</a:t>
+            </a:r>
+            <a:endParaRPr lang="en-US" sz="2400" dirty="0" smtClean="0">
+              <a:latin typeface="Bookman Old Style" panose="02050604050505020204" pitchFamily="18" charset="0"/>
+            </a:endParaRPr>
+          </a:p>
+          <a:p>
+            <a:pPr>
+              <a:lnSpc>
+                <a:spcPct val="150000"/>
+              </a:lnSpc>
+            </a:pPr>
+            <a:r>
+              <a:rPr lang="ru-RU" sz="2400" dirty="0" smtClean="0">
+                <a:latin typeface="Bookman Old Style" panose="02050604050505020204" pitchFamily="18" charset="0"/>
+              </a:rPr>
+              <a:t>Вспомогательные настройки:</a:t>
+            </a:r>
+          </a:p>
+          <a:p>
+            <a:pPr>
+              <a:lnSpc>
+                <a:spcPct val="150000"/>
+              </a:lnSpc>
+            </a:pPr>
             <a:endParaRPr lang="ru-RU" sz="2400" dirty="0" smtClean="0">
               <a:latin typeface="Bookman Old Style" panose="02050604050505020204" pitchFamily="18" charset="0"/>
             </a:endParaRPr>
           </a:p>
           <a:p>
             <a:r>
+              <a:rPr lang="en-US" sz="2400" dirty="0">
+                <a:solidFill>
+                  <a:srgbClr val="0000FF"/>
+                </a:solidFill>
+                <a:highlight>
+                  <a:srgbClr val="FFFFFF"/>
+                </a:highlight>
+                <a:latin typeface="Cascadia Mono" panose="020B0609020000020004" pitchFamily="49" charset="0"/>
+              </a:rPr>
+              <a:t>&lt;</a:t>
+            </a:r>
+            <a:r>
+              <a:rPr lang="en-US" sz="2400" dirty="0" smtClean="0">
+                <a:solidFill>
+                  <a:srgbClr val="A31515"/>
+                </a:solidFill>
+                <a:highlight>
+                  <a:srgbClr val="FFFFFF"/>
+                </a:highlight>
+                <a:latin typeface="Cascadia Mono" panose="020B0609020000020004" pitchFamily="49" charset="0"/>
+              </a:rPr>
+              <a:t>Window</a:t>
+            </a:r>
+            <a:endParaRPr lang="ru-RU" sz="2400" dirty="0" smtClean="0">
+              <a:solidFill>
+                <a:srgbClr val="FF0000"/>
+              </a:solidFill>
+              <a:highlight>
+                <a:srgbClr val="FFFFFF"/>
+              </a:highlight>
+              <a:latin typeface="Cascadia Mono" panose="020B0609020000020004" pitchFamily="49" charset="0"/>
+            </a:endParaRPr>
+          </a:p>
+          <a:p>
+            <a:r>
+              <a:rPr lang="ru-RU" sz="2300" dirty="0">
+                <a:solidFill>
+                  <a:srgbClr val="FF0000"/>
+                </a:solidFill>
+                <a:highlight>
+                  <a:srgbClr val="FFFFFF"/>
+                </a:highlight>
+                <a:latin typeface="Cascadia Mono" panose="020B0609020000020004" pitchFamily="49" charset="0"/>
+              </a:rPr>
+              <a:t>	</a:t>
+            </a:r>
+            <a:r>
+              <a:rPr lang="en-US" sz="2300" dirty="0" smtClean="0">
+                <a:solidFill>
+                  <a:srgbClr val="FF0000"/>
+                </a:solidFill>
+                <a:highlight>
+                  <a:srgbClr val="FFFFFF"/>
+                </a:highlight>
+                <a:latin typeface="Cascadia Mono" panose="020B0609020000020004" pitchFamily="49" charset="0"/>
+              </a:rPr>
+              <a:t>x</a:t>
+            </a:r>
+            <a:r>
+              <a:rPr lang="en-US" sz="2300" dirty="0" smtClean="0">
+                <a:solidFill>
+                  <a:srgbClr val="0000FF"/>
+                </a:solidFill>
+                <a:highlight>
+                  <a:srgbClr val="FFFFFF"/>
+                </a:highlight>
+                <a:latin typeface="Cascadia Mono" panose="020B0609020000020004" pitchFamily="49" charset="0"/>
+              </a:rPr>
+              <a:t>:</a:t>
+            </a:r>
+            <a:r>
+              <a:rPr lang="en-US" sz="2300" dirty="0" smtClean="0">
+                <a:solidFill>
+                  <a:srgbClr val="FF0000"/>
+                </a:solidFill>
+                <a:highlight>
+                  <a:srgbClr val="FFFFFF"/>
+                </a:highlight>
+                <a:latin typeface="Cascadia Mono" panose="020B0609020000020004" pitchFamily="49" charset="0"/>
+              </a:rPr>
+              <a:t>Class</a:t>
+            </a:r>
+            <a:r>
+              <a:rPr lang="en-US" sz="2300" dirty="0">
+                <a:solidFill>
+                  <a:srgbClr val="0000FF"/>
+                </a:solidFill>
+                <a:highlight>
+                  <a:srgbClr val="FFFFFF"/>
+                </a:highlight>
+                <a:latin typeface="Cascadia Mono" panose="020B0609020000020004" pitchFamily="49" charset="0"/>
+              </a:rPr>
+              <a:t>="</a:t>
+            </a:r>
+            <a:r>
+              <a:rPr lang="en-US" sz="2300" dirty="0" smtClean="0">
+                <a:solidFill>
+                  <a:srgbClr val="0000FF"/>
+                </a:solidFill>
+                <a:highlight>
+                  <a:srgbClr val="FFFFFF"/>
+                </a:highlight>
+                <a:latin typeface="Cascadia Mono" panose="020B0609020000020004" pitchFamily="49" charset="0"/>
+              </a:rPr>
+              <a:t>WpfApp1.MainWindow</a:t>
+            </a:r>
+            <a:r>
+              <a:rPr lang="en-US" sz="2300" dirty="0">
+                <a:solidFill>
+                  <a:srgbClr val="0000FF"/>
+                </a:solidFill>
+                <a:highlight>
+                  <a:srgbClr val="FFFFFF"/>
+                </a:highlight>
+                <a:latin typeface="Cascadia Mono" panose="020B0609020000020004" pitchFamily="49" charset="0"/>
+              </a:rPr>
+              <a:t>"</a:t>
+            </a:r>
+            <a:endParaRPr lang="ru-RU" sz="2300" dirty="0" smtClean="0">
+              <a:solidFill>
+                <a:srgbClr val="000000"/>
+              </a:solidFill>
+              <a:highlight>
+                <a:srgbClr val="FFFFFF"/>
+              </a:highlight>
+              <a:latin typeface="Cascadia Mono" panose="020B0609020000020004" pitchFamily="49" charset="0"/>
+            </a:endParaRPr>
+          </a:p>
+          <a:p>
+            <a:r>
+              <a:rPr lang="ru-RU" sz="2300" dirty="0" smtClean="0">
+                <a:solidFill>
+                  <a:srgbClr val="FF0000"/>
+                </a:solidFill>
+                <a:highlight>
+                  <a:srgbClr val="FFFFFF"/>
+                </a:highlight>
+                <a:latin typeface="Cascadia Mono" panose="020B0609020000020004" pitchFamily="49" charset="0"/>
+              </a:rPr>
+              <a:t>	</a:t>
+            </a:r>
+            <a:r>
+              <a:rPr lang="en-US" sz="2300" dirty="0" err="1" smtClean="0">
+                <a:solidFill>
+                  <a:srgbClr val="FF0000"/>
+                </a:solidFill>
+                <a:highlight>
+                  <a:srgbClr val="FFFFFF"/>
+                </a:highlight>
+                <a:latin typeface="Cascadia Mono" panose="020B0609020000020004" pitchFamily="49" charset="0"/>
+              </a:rPr>
+              <a:t>xmlns</a:t>
+            </a:r>
+            <a:r>
+              <a:rPr lang="en-US" sz="2300" dirty="0" smtClean="0">
+                <a:solidFill>
+                  <a:srgbClr val="0000FF"/>
+                </a:solidFill>
+                <a:highlight>
+                  <a:srgbClr val="FFFFFF"/>
+                </a:highlight>
+                <a:latin typeface="Cascadia Mono" panose="020B0609020000020004" pitchFamily="49" charset="0"/>
+              </a:rPr>
+              <a:t>=http</a:t>
+            </a:r>
+            <a:r>
+              <a:rPr lang="en-US" sz="2300" dirty="0">
+                <a:solidFill>
+                  <a:srgbClr val="0000FF"/>
+                </a:solidFill>
+                <a:highlight>
+                  <a:srgbClr val="FFFFFF"/>
+                </a:highlight>
+                <a:latin typeface="Cascadia Mono" panose="020B0609020000020004" pitchFamily="49" charset="0"/>
+              </a:rPr>
+              <a:t>://</a:t>
+            </a:r>
+            <a:r>
+              <a:rPr lang="en-US" sz="2300" dirty="0" smtClean="0">
+                <a:solidFill>
+                  <a:srgbClr val="0000FF"/>
+                </a:solidFill>
+                <a:highlight>
+                  <a:srgbClr val="FFFFFF"/>
+                </a:highlight>
+                <a:latin typeface="Cascadia Mono" panose="020B0609020000020004" pitchFamily="49" charset="0"/>
+              </a:rPr>
+              <a:t>schemas.microsoft.com/winfx/2006/xaml/presentation</a:t>
+            </a:r>
+            <a:endParaRPr lang="ru-RU" sz="2300" dirty="0" smtClean="0">
+              <a:solidFill>
+                <a:srgbClr val="0000FF"/>
+              </a:solidFill>
+              <a:highlight>
+                <a:srgbClr val="FFFFFF"/>
+              </a:highlight>
+              <a:latin typeface="Cascadia Mono" panose="020B0609020000020004" pitchFamily="49" charset="0"/>
+            </a:endParaRPr>
+          </a:p>
+          <a:p>
+            <a:r>
+              <a:rPr lang="ru-RU" sz="2300" dirty="0" smtClean="0">
+                <a:solidFill>
+                  <a:srgbClr val="FF0000"/>
+                </a:solidFill>
+                <a:highlight>
+                  <a:srgbClr val="FFFFFF"/>
+                </a:highlight>
+                <a:latin typeface="Cascadia Mono" panose="020B0609020000020004" pitchFamily="49" charset="0"/>
+              </a:rPr>
+              <a:t>	</a:t>
+            </a:r>
+            <a:r>
+              <a:rPr lang="en-US" sz="2300" dirty="0" err="1" smtClean="0">
+                <a:solidFill>
+                  <a:srgbClr val="FF0000"/>
+                </a:solidFill>
+                <a:highlight>
+                  <a:srgbClr val="FFFFFF"/>
+                </a:highlight>
+                <a:latin typeface="Cascadia Mono" panose="020B0609020000020004" pitchFamily="49" charset="0"/>
+              </a:rPr>
+              <a:t>xmlns</a:t>
+            </a:r>
+            <a:r>
+              <a:rPr lang="en-US" sz="2300" dirty="0" err="1" smtClean="0">
+                <a:solidFill>
+                  <a:srgbClr val="0000FF"/>
+                </a:solidFill>
+                <a:highlight>
+                  <a:srgbClr val="FFFFFF"/>
+                </a:highlight>
+                <a:latin typeface="Cascadia Mono" panose="020B0609020000020004" pitchFamily="49" charset="0"/>
+              </a:rPr>
+              <a:t>:</a:t>
+            </a:r>
+            <a:r>
+              <a:rPr lang="en-US" sz="2300" dirty="0" err="1" smtClean="0">
+                <a:solidFill>
+                  <a:srgbClr val="FF0000"/>
+                </a:solidFill>
+                <a:highlight>
+                  <a:srgbClr val="FFFFFF"/>
+                </a:highlight>
+                <a:latin typeface="Cascadia Mono" panose="020B0609020000020004" pitchFamily="49" charset="0"/>
+              </a:rPr>
+              <a:t>x</a:t>
+            </a:r>
+            <a:r>
+              <a:rPr lang="en-US" sz="2300" dirty="0">
+                <a:solidFill>
+                  <a:srgbClr val="0000FF"/>
+                </a:solidFill>
+                <a:highlight>
+                  <a:srgbClr val="FFFFFF"/>
+                </a:highlight>
+                <a:latin typeface="Cascadia Mono" panose="020B0609020000020004" pitchFamily="49" charset="0"/>
+              </a:rPr>
+              <a:t>="http://schemas.microsoft.com/</a:t>
+            </a:r>
+            <a:r>
+              <a:rPr lang="en-US" sz="2300" dirty="0" err="1">
+                <a:solidFill>
+                  <a:srgbClr val="0000FF"/>
+                </a:solidFill>
+                <a:highlight>
+                  <a:srgbClr val="FFFFFF"/>
+                </a:highlight>
+                <a:latin typeface="Cascadia Mono" panose="020B0609020000020004" pitchFamily="49" charset="0"/>
+              </a:rPr>
+              <a:t>winfx</a:t>
+            </a:r>
+            <a:r>
+              <a:rPr lang="en-US" sz="2300" dirty="0">
+                <a:solidFill>
+                  <a:srgbClr val="0000FF"/>
+                </a:solidFill>
+                <a:highlight>
+                  <a:srgbClr val="FFFFFF"/>
+                </a:highlight>
+                <a:latin typeface="Cascadia Mono" panose="020B0609020000020004" pitchFamily="49" charset="0"/>
+              </a:rPr>
+              <a:t>/2006/</a:t>
+            </a:r>
+            <a:r>
+              <a:rPr lang="en-US" sz="2300" dirty="0" err="1">
+                <a:solidFill>
+                  <a:srgbClr val="0000FF"/>
+                </a:solidFill>
+                <a:highlight>
+                  <a:srgbClr val="FFFFFF"/>
+                </a:highlight>
+                <a:latin typeface="Cascadia Mono" panose="020B0609020000020004" pitchFamily="49" charset="0"/>
+              </a:rPr>
+              <a:t>xaml</a:t>
+            </a:r>
+            <a:r>
+              <a:rPr lang="en-US" sz="2300" dirty="0">
+                <a:solidFill>
+                  <a:srgbClr val="0000FF"/>
+                </a:solidFill>
+                <a:highlight>
+                  <a:srgbClr val="FFFFFF"/>
+                </a:highlight>
+                <a:latin typeface="Cascadia Mono" panose="020B0609020000020004" pitchFamily="49" charset="0"/>
+              </a:rPr>
+              <a:t>"</a:t>
+            </a:r>
+            <a:endParaRPr lang="en-US" sz="2300" dirty="0">
+              <a:solidFill>
+                <a:srgbClr val="000000"/>
+              </a:solidFill>
+              <a:highlight>
+                <a:srgbClr val="FFFFFF"/>
+              </a:highlight>
+              <a:latin typeface="Cascadia Mono" panose="020B0609020000020004" pitchFamily="49" charset="0"/>
+            </a:endParaRPr>
+          </a:p>
+          <a:p>
+            <a:r>
+              <a:rPr lang="ru-RU" sz="2300" dirty="0" smtClean="0">
+                <a:solidFill>
+                  <a:srgbClr val="FF0000"/>
+                </a:solidFill>
+                <a:highlight>
+                  <a:srgbClr val="FFFFFF"/>
+                </a:highlight>
+                <a:latin typeface="Cascadia Mono" panose="020B0609020000020004" pitchFamily="49" charset="0"/>
+              </a:rPr>
+              <a:t>	</a:t>
+            </a:r>
+            <a:r>
+              <a:rPr lang="en-US" sz="2300" dirty="0" err="1" smtClean="0">
+                <a:solidFill>
+                  <a:srgbClr val="FF0000"/>
+                </a:solidFill>
+                <a:highlight>
+                  <a:srgbClr val="FFFFFF"/>
+                </a:highlight>
+                <a:latin typeface="Cascadia Mono" panose="020B0609020000020004" pitchFamily="49" charset="0"/>
+              </a:rPr>
+              <a:t>xmlns</a:t>
+            </a:r>
+            <a:r>
+              <a:rPr lang="en-US" sz="2300" dirty="0" err="1" smtClean="0">
+                <a:solidFill>
+                  <a:srgbClr val="0000FF"/>
+                </a:solidFill>
+                <a:highlight>
+                  <a:srgbClr val="FFFFFF"/>
+                </a:highlight>
+                <a:latin typeface="Cascadia Mono" panose="020B0609020000020004" pitchFamily="49" charset="0"/>
+              </a:rPr>
+              <a:t>:</a:t>
+            </a:r>
+            <a:r>
+              <a:rPr lang="en-US" sz="2300" dirty="0" err="1" smtClean="0">
+                <a:solidFill>
+                  <a:srgbClr val="FF0000"/>
+                </a:solidFill>
+                <a:highlight>
+                  <a:srgbClr val="FFFFFF"/>
+                </a:highlight>
+                <a:latin typeface="Cascadia Mono" panose="020B0609020000020004" pitchFamily="49" charset="0"/>
+              </a:rPr>
+              <a:t>d</a:t>
+            </a:r>
+            <a:r>
+              <a:rPr lang="en-US" sz="2300" dirty="0">
+                <a:solidFill>
+                  <a:srgbClr val="0000FF"/>
+                </a:solidFill>
+                <a:highlight>
+                  <a:srgbClr val="FFFFFF"/>
+                </a:highlight>
+                <a:latin typeface="Cascadia Mono" panose="020B0609020000020004" pitchFamily="49" charset="0"/>
+              </a:rPr>
+              <a:t>="http://schemas.microsoft.com/expression/blend/2008"</a:t>
+            </a:r>
+            <a:endParaRPr lang="en-US" sz="2300" dirty="0">
+              <a:solidFill>
+                <a:srgbClr val="000000"/>
+              </a:solidFill>
+              <a:highlight>
+                <a:srgbClr val="FFFFFF"/>
+              </a:highlight>
+              <a:latin typeface="Cascadia Mono" panose="020B0609020000020004" pitchFamily="49" charset="0"/>
+            </a:endParaRPr>
+          </a:p>
+          <a:p>
+            <a:r>
+              <a:rPr lang="ru-RU" sz="2300" dirty="0" smtClean="0">
+                <a:solidFill>
+                  <a:srgbClr val="FF0000"/>
+                </a:solidFill>
+                <a:highlight>
+                  <a:srgbClr val="FFFFFF"/>
+                </a:highlight>
+                <a:latin typeface="Cascadia Mono" panose="020B0609020000020004" pitchFamily="49" charset="0"/>
+              </a:rPr>
+              <a:t>	</a:t>
+            </a:r>
+            <a:r>
+              <a:rPr lang="en-US" sz="2300" dirty="0" err="1" smtClean="0">
+                <a:solidFill>
+                  <a:srgbClr val="FF0000"/>
+                </a:solidFill>
+                <a:highlight>
+                  <a:srgbClr val="FFFFFF"/>
+                </a:highlight>
+                <a:latin typeface="Cascadia Mono" panose="020B0609020000020004" pitchFamily="49" charset="0"/>
+              </a:rPr>
+              <a:t>xmlns</a:t>
+            </a:r>
+            <a:r>
+              <a:rPr lang="en-US" sz="2300" dirty="0" err="1" smtClean="0">
+                <a:solidFill>
+                  <a:srgbClr val="0000FF"/>
+                </a:solidFill>
+                <a:highlight>
+                  <a:srgbClr val="FFFFFF"/>
+                </a:highlight>
+                <a:latin typeface="Cascadia Mono" panose="020B0609020000020004" pitchFamily="49" charset="0"/>
+              </a:rPr>
+              <a:t>:</a:t>
+            </a:r>
+            <a:r>
+              <a:rPr lang="en-US" sz="2300" dirty="0" err="1" smtClean="0">
+                <a:solidFill>
+                  <a:srgbClr val="FF0000"/>
+                </a:solidFill>
+                <a:highlight>
+                  <a:srgbClr val="FFFFFF"/>
+                </a:highlight>
+                <a:latin typeface="Cascadia Mono" panose="020B0609020000020004" pitchFamily="49" charset="0"/>
+              </a:rPr>
+              <a:t>mc</a:t>
+            </a:r>
+            <a:r>
+              <a:rPr lang="en-US" sz="2300" dirty="0">
+                <a:solidFill>
+                  <a:srgbClr val="0000FF"/>
+                </a:solidFill>
+                <a:highlight>
+                  <a:srgbClr val="FFFFFF"/>
+                </a:highlight>
+                <a:latin typeface="Cascadia Mono" panose="020B0609020000020004" pitchFamily="49" charset="0"/>
+              </a:rPr>
+              <a:t>="http://schemas.openxmlformats.org/markup-compatibility/2006"</a:t>
+            </a:r>
+            <a:endParaRPr lang="en-US" sz="2300" dirty="0">
+              <a:solidFill>
+                <a:srgbClr val="000000"/>
+              </a:solidFill>
+              <a:highlight>
+                <a:srgbClr val="FFFFFF"/>
+              </a:highlight>
+              <a:latin typeface="Cascadia Mono" panose="020B0609020000020004" pitchFamily="49" charset="0"/>
+            </a:endParaRPr>
+          </a:p>
+          <a:p>
+            <a:r>
+              <a:rPr lang="ru-RU" sz="2300" dirty="0" smtClean="0">
+                <a:solidFill>
+                  <a:srgbClr val="FF0000"/>
+                </a:solidFill>
+                <a:highlight>
+                  <a:srgbClr val="FFFFFF"/>
+                </a:highlight>
+                <a:latin typeface="Cascadia Mono" panose="020B0609020000020004" pitchFamily="49" charset="0"/>
+              </a:rPr>
+              <a:t>	</a:t>
+            </a:r>
+            <a:r>
+              <a:rPr lang="en-US" sz="2300" dirty="0" err="1" smtClean="0">
+                <a:solidFill>
+                  <a:srgbClr val="FF0000"/>
+                </a:solidFill>
+                <a:highlight>
+                  <a:srgbClr val="FFFFFF"/>
+                </a:highlight>
+                <a:latin typeface="Cascadia Mono" panose="020B0609020000020004" pitchFamily="49" charset="0"/>
+              </a:rPr>
+              <a:t>xmlns</a:t>
+            </a:r>
+            <a:r>
+              <a:rPr lang="en-US" sz="2300" dirty="0" err="1" smtClean="0">
+                <a:solidFill>
+                  <a:srgbClr val="0000FF"/>
+                </a:solidFill>
+                <a:highlight>
+                  <a:srgbClr val="FFFFFF"/>
+                </a:highlight>
+                <a:latin typeface="Cascadia Mono" panose="020B0609020000020004" pitchFamily="49" charset="0"/>
+              </a:rPr>
+              <a:t>:</a:t>
+            </a:r>
+            <a:r>
+              <a:rPr lang="en-US" sz="2300" dirty="0" err="1" smtClean="0">
+                <a:solidFill>
+                  <a:srgbClr val="FF0000"/>
+                </a:solidFill>
+                <a:highlight>
+                  <a:srgbClr val="FFFFFF"/>
+                </a:highlight>
+                <a:latin typeface="Cascadia Mono" panose="020B0609020000020004" pitchFamily="49" charset="0"/>
+              </a:rPr>
+              <a:t>local</a:t>
+            </a:r>
+            <a:r>
+              <a:rPr lang="en-US" sz="2300" dirty="0">
+                <a:solidFill>
+                  <a:srgbClr val="0000FF"/>
+                </a:solidFill>
+                <a:highlight>
+                  <a:srgbClr val="FFFFFF"/>
+                </a:highlight>
+                <a:latin typeface="Cascadia Mono" panose="020B0609020000020004" pitchFamily="49" charset="0"/>
+              </a:rPr>
+              <a:t>="clr-namespace:WpfApp1"</a:t>
+            </a:r>
+            <a:endParaRPr lang="en-US" sz="2300" dirty="0">
+              <a:solidFill>
+                <a:srgbClr val="000000"/>
+              </a:solidFill>
+              <a:highlight>
+                <a:srgbClr val="FFFFFF"/>
+              </a:highlight>
+              <a:latin typeface="Cascadia Mono" panose="020B0609020000020004" pitchFamily="49" charset="0"/>
+            </a:endParaRPr>
+          </a:p>
+          <a:p>
+            <a:r>
+              <a:rPr lang="ru-RU" sz="2300" dirty="0" smtClean="0">
+                <a:solidFill>
+                  <a:srgbClr val="FF0000"/>
+                </a:solidFill>
+                <a:highlight>
+                  <a:srgbClr val="FFFFFF"/>
+                </a:highlight>
+                <a:latin typeface="Cascadia Mono" panose="020B0609020000020004" pitchFamily="49" charset="0"/>
+              </a:rPr>
+              <a:t>	</a:t>
+            </a:r>
+            <a:r>
+              <a:rPr lang="en-US" sz="2300" dirty="0" err="1" smtClean="0">
+                <a:solidFill>
+                  <a:srgbClr val="FF0000"/>
+                </a:solidFill>
+                <a:highlight>
+                  <a:srgbClr val="FFFFFF"/>
+                </a:highlight>
+                <a:latin typeface="Cascadia Mono" panose="020B0609020000020004" pitchFamily="49" charset="0"/>
+              </a:rPr>
+              <a:t>mc</a:t>
+            </a:r>
+            <a:r>
+              <a:rPr lang="en-US" sz="2300" dirty="0" err="1" smtClean="0">
+                <a:solidFill>
+                  <a:srgbClr val="0000FF"/>
+                </a:solidFill>
+                <a:highlight>
+                  <a:srgbClr val="FFFFFF"/>
+                </a:highlight>
+                <a:latin typeface="Cascadia Mono" panose="020B0609020000020004" pitchFamily="49" charset="0"/>
+              </a:rPr>
+              <a:t>:</a:t>
+            </a:r>
+            <a:r>
+              <a:rPr lang="en-US" sz="2300" dirty="0" err="1" smtClean="0">
+                <a:solidFill>
+                  <a:srgbClr val="FF0000"/>
+                </a:solidFill>
+                <a:highlight>
+                  <a:srgbClr val="FFFFFF"/>
+                </a:highlight>
+                <a:latin typeface="Cascadia Mono" panose="020B0609020000020004" pitchFamily="49" charset="0"/>
+              </a:rPr>
+              <a:t>Ignorable</a:t>
+            </a:r>
+            <a:r>
+              <a:rPr lang="en-US" sz="2300" dirty="0">
+                <a:solidFill>
+                  <a:srgbClr val="0000FF"/>
+                </a:solidFill>
+                <a:highlight>
+                  <a:srgbClr val="FFFFFF"/>
+                </a:highlight>
+                <a:latin typeface="Cascadia Mono" panose="020B0609020000020004" pitchFamily="49" charset="0"/>
+              </a:rPr>
+              <a:t>="d"</a:t>
+            </a:r>
+            <a:endParaRPr lang="en-US" sz="2300" dirty="0">
+              <a:solidFill>
+                <a:srgbClr val="000000"/>
+              </a:solidFill>
+              <a:highlight>
+                <a:srgbClr val="FFFFFF"/>
+              </a:highlight>
+              <a:latin typeface="Cascadia Mono" panose="020B0609020000020004" pitchFamily="49" charset="0"/>
+            </a:endParaRPr>
+          </a:p>
+          <a:p>
+            <a:r>
+              <a:rPr lang="ru-RU" sz="2300" dirty="0" smtClean="0">
+                <a:solidFill>
+                  <a:srgbClr val="FF0000"/>
+                </a:solidFill>
+                <a:highlight>
+                  <a:srgbClr val="FFFFFF"/>
+                </a:highlight>
+                <a:latin typeface="Cascadia Mono" panose="020B0609020000020004" pitchFamily="49" charset="0"/>
+              </a:rPr>
+              <a:t>	</a:t>
+            </a:r>
+            <a:r>
+              <a:rPr lang="en-US" sz="2300" dirty="0" smtClean="0">
+                <a:solidFill>
+                  <a:srgbClr val="FF0000"/>
+                </a:solidFill>
+                <a:highlight>
+                  <a:srgbClr val="FFFFFF"/>
+                </a:highlight>
+                <a:latin typeface="Cascadia Mono" panose="020B0609020000020004" pitchFamily="49" charset="0"/>
+              </a:rPr>
+              <a:t>Title</a:t>
+            </a:r>
+            <a:r>
+              <a:rPr lang="en-US" sz="2300" dirty="0">
+                <a:solidFill>
+                  <a:srgbClr val="0000FF"/>
+                </a:solidFill>
+                <a:highlight>
+                  <a:srgbClr val="FFFFFF"/>
+                </a:highlight>
+                <a:latin typeface="Cascadia Mono" panose="020B0609020000020004" pitchFamily="49" charset="0"/>
+              </a:rPr>
+              <a:t>="WPF MVVM"</a:t>
+            </a:r>
+            <a:r>
+              <a:rPr lang="en-US" sz="2300" dirty="0">
+                <a:solidFill>
+                  <a:srgbClr val="FF0000"/>
+                </a:solidFill>
+                <a:highlight>
+                  <a:srgbClr val="FFFFFF"/>
+                </a:highlight>
+                <a:latin typeface="Cascadia Mono" panose="020B0609020000020004" pitchFamily="49" charset="0"/>
+              </a:rPr>
+              <a:t> Height</a:t>
+            </a:r>
+            <a:r>
+              <a:rPr lang="en-US" sz="2300" dirty="0">
+                <a:solidFill>
+                  <a:srgbClr val="0000FF"/>
+                </a:solidFill>
+                <a:highlight>
+                  <a:srgbClr val="FFFFFF"/>
+                </a:highlight>
+                <a:latin typeface="Cascadia Mono" panose="020B0609020000020004" pitchFamily="49" charset="0"/>
+              </a:rPr>
+              <a:t>="200"</a:t>
+            </a:r>
+            <a:r>
+              <a:rPr lang="en-US" sz="2300" dirty="0">
+                <a:solidFill>
+                  <a:srgbClr val="FF0000"/>
+                </a:solidFill>
+                <a:highlight>
+                  <a:srgbClr val="FFFFFF"/>
+                </a:highlight>
+                <a:latin typeface="Cascadia Mono" panose="020B0609020000020004" pitchFamily="49" charset="0"/>
+              </a:rPr>
+              <a:t> Width</a:t>
+            </a:r>
+            <a:r>
+              <a:rPr lang="en-US" sz="2300" dirty="0">
+                <a:solidFill>
+                  <a:srgbClr val="0000FF"/>
+                </a:solidFill>
+                <a:highlight>
+                  <a:srgbClr val="FFFFFF"/>
+                </a:highlight>
+                <a:latin typeface="Cascadia Mono" panose="020B0609020000020004" pitchFamily="49" charset="0"/>
+              </a:rPr>
+              <a:t>="300"&gt;</a:t>
+            </a:r>
+            <a:endParaRPr lang="en-US" sz="2300" dirty="0">
+              <a:solidFill>
+                <a:srgbClr val="000000"/>
+              </a:solidFill>
+              <a:highlight>
+                <a:srgbClr val="FFFFFF"/>
+              </a:highlight>
+              <a:latin typeface="Cascadia Mono" panose="020B0609020000020004" pitchFamily="49" charset="0"/>
+            </a:endParaRPr>
+          </a:p>
+          <a:p>
+            <a:r>
+              <a:rPr lang="en-US" sz="2400" dirty="0" smtClean="0">
+                <a:solidFill>
+                  <a:srgbClr val="00B050"/>
+                </a:solidFill>
+                <a:highlight>
+                  <a:srgbClr val="FFFFFF"/>
+                </a:highlight>
+                <a:latin typeface="Cascadia Mono" panose="020B0609020000020004" pitchFamily="49" charset="0"/>
+              </a:rPr>
+              <a:t>	</a:t>
+            </a:r>
+            <a:r>
+              <a:rPr lang="ru-RU" sz="2400" dirty="0">
+                <a:solidFill>
+                  <a:srgbClr val="00B050"/>
+                </a:solidFill>
+                <a:highlight>
+                  <a:srgbClr val="FFFFFF"/>
+                </a:highlight>
+                <a:latin typeface="Cascadia Mono" panose="020B0609020000020004" pitchFamily="49" charset="0"/>
+              </a:rPr>
+              <a:t>&lt;!-- Содержимое </a:t>
+            </a:r>
+            <a:r>
               <a:rPr lang="ru-RU" sz="2400" dirty="0" smtClean="0">
-                <a:latin typeface="Bookman Old Style" panose="02050604050505020204" pitchFamily="18" charset="0"/>
-              </a:rPr>
-              <a:t>Вспомогательный класс:</a:t>
-            </a:r>
-            <a:endParaRPr lang="en-US" sz="2400" dirty="0">
-              <a:latin typeface="Bookman Old Style" panose="02050604050505020204" pitchFamily="18" charset="0"/>
-            </a:endParaRPr>
-          </a:p>
-          <a:p>
+                <a:solidFill>
+                  <a:srgbClr val="00B050"/>
+                </a:solidFill>
+                <a:highlight>
+                  <a:srgbClr val="FFFFFF"/>
+                </a:highlight>
+                <a:latin typeface="Cascadia Mono" panose="020B0609020000020004" pitchFamily="49" charset="0"/>
+              </a:rPr>
+              <a:t>далее --&gt;</a:t>
+            </a:r>
+          </a:p>
+          <a:p>
+            <a:r>
+              <a:rPr lang="en-US" sz="2400" dirty="0" smtClean="0">
+                <a:solidFill>
+                  <a:srgbClr val="0000FF"/>
+                </a:solidFill>
+                <a:highlight>
+                  <a:srgbClr val="FFFFFF"/>
+                </a:highlight>
+                <a:latin typeface="Cascadia Mono" panose="020B0609020000020004" pitchFamily="49" charset="0"/>
+              </a:rPr>
+              <a:t>&lt;/</a:t>
+            </a:r>
+            <a:r>
+              <a:rPr lang="en-US" sz="2400" dirty="0">
+                <a:solidFill>
+                  <a:srgbClr val="A31515"/>
+                </a:solidFill>
+                <a:highlight>
+                  <a:srgbClr val="FFFFFF"/>
+                </a:highlight>
+                <a:latin typeface="Cascadia Mono" panose="020B0609020000020004" pitchFamily="49" charset="0"/>
+              </a:rPr>
+              <a:t>Window</a:t>
+            </a:r>
+            <a:r>
+              <a:rPr lang="en-US" sz="2400" dirty="0" smtClean="0">
+                <a:solidFill>
+                  <a:srgbClr val="0000FF"/>
+                </a:solidFill>
+                <a:highlight>
+                  <a:srgbClr val="FFFFFF"/>
+                </a:highlight>
+                <a:latin typeface="Cascadia Mono" panose="020B0609020000020004" pitchFamily="49" charset="0"/>
+              </a:rPr>
+              <a:t>&gt;</a:t>
+            </a:r>
             <a:endParaRPr lang="ru-RU" sz="2400" dirty="0" smtClean="0">
               <a:solidFill>
                 <a:srgbClr val="0000FF"/>
@@ -13645,710 +14412,25 @@
           </a:p>
           <a:p>
             <a:r>
-              <a:rPr lang="en-US" sz="2400" dirty="0" smtClean="0">
-                <a:solidFill>
-                  <a:srgbClr val="0000FF"/>
-                </a:solidFill>
-                <a:highlight>
-                  <a:srgbClr val="FFFFFF"/>
-                </a:highlight>
-                <a:latin typeface="Cascadia Mono" panose="020B0609020000020004" pitchFamily="49" charset="0"/>
-              </a:rPr>
-              <a:t>using</a:t>
-            </a:r>
-            <a:r>
-              <a:rPr lang="en-US" sz="2400" dirty="0" smtClean="0">
-                <a:solidFill>
-                  <a:srgbClr val="000000"/>
-                </a:solidFill>
-                <a:highlight>
-                  <a:srgbClr val="FFFFFF"/>
-                </a:highlight>
-                <a:latin typeface="Cascadia Mono" panose="020B0609020000020004" pitchFamily="49" charset="0"/>
-              </a:rPr>
-              <a:t> </a:t>
+              <a:rPr lang="ru-RU" sz="2400" dirty="0">
+                <a:latin typeface="Bookman Old Style" panose="02050604050505020204" pitchFamily="18" charset="0"/>
+              </a:rPr>
+              <a:t>Важно чтобы совпадало название класса (</a:t>
             </a:r>
             <a:r>
               <a:rPr lang="en-US" sz="2400" dirty="0" err="1">
-                <a:solidFill>
-                  <a:srgbClr val="000000"/>
-                </a:solidFill>
-                <a:highlight>
-                  <a:srgbClr val="FFFFFF"/>
-                </a:highlight>
-                <a:latin typeface="Cascadia Mono" panose="020B0609020000020004" pitchFamily="49" charset="0"/>
-              </a:rPr>
-              <a:t>System.Windows.Input</a:t>
-            </a:r>
-            <a:r>
-              <a:rPr lang="en-US" sz="2400" dirty="0">
-                <a:solidFill>
-                  <a:srgbClr val="000000"/>
-                </a:solidFill>
-                <a:highlight>
-                  <a:srgbClr val="FFFFFF"/>
-                </a:highlight>
-                <a:latin typeface="Cascadia Mono" panose="020B0609020000020004" pitchFamily="49" charset="0"/>
-              </a:rPr>
-              <a:t>;</a:t>
-            </a:r>
-          </a:p>
-          <a:p>
-            <a:endParaRPr lang="ru-RU" sz="2400" dirty="0">
-              <a:solidFill>
-                <a:srgbClr val="000000"/>
-              </a:solidFill>
-              <a:highlight>
-                <a:srgbClr val="FFFFFF"/>
-              </a:highlight>
-              <a:latin typeface="Cascadia Mono" panose="020B0609020000020004" pitchFamily="49" charset="0"/>
-            </a:endParaRPr>
-          </a:p>
-          <a:p>
-            <a:r>
-              <a:rPr lang="en-US" sz="2400" dirty="0">
-                <a:solidFill>
-                  <a:srgbClr val="0000FF"/>
-                </a:solidFill>
-                <a:highlight>
-                  <a:srgbClr val="FFFFFF"/>
-                </a:highlight>
-                <a:latin typeface="Cascadia Mono" panose="020B0609020000020004" pitchFamily="49" charset="0"/>
-              </a:rPr>
-              <a:t>namespace</a:t>
-            </a:r>
-            <a:r>
-              <a:rPr lang="en-US" sz="2400" dirty="0">
-                <a:solidFill>
-                  <a:srgbClr val="000000"/>
-                </a:solidFill>
-                <a:highlight>
-                  <a:srgbClr val="FFFFFF"/>
-                </a:highlight>
-                <a:latin typeface="Cascadia Mono" panose="020B0609020000020004" pitchFamily="49" charset="0"/>
-              </a:rPr>
-              <a:t> WpfApp1;</a:t>
-            </a:r>
-          </a:p>
-          <a:p>
-            <a:endParaRPr lang="ru-RU" sz="2400" dirty="0">
-              <a:solidFill>
-                <a:srgbClr val="000000"/>
-              </a:solidFill>
-              <a:highlight>
-                <a:srgbClr val="FFFFFF"/>
-              </a:highlight>
-              <a:latin typeface="Cascadia Mono" panose="020B0609020000020004" pitchFamily="49" charset="0"/>
-            </a:endParaRPr>
-          </a:p>
-          <a:p>
-            <a:r>
-              <a:rPr lang="en-US" sz="2400" dirty="0">
-                <a:solidFill>
-                  <a:srgbClr val="0000FF"/>
-                </a:solidFill>
-                <a:highlight>
-                  <a:srgbClr val="FFFFFF"/>
-                </a:highlight>
-                <a:latin typeface="Cascadia Mono" panose="020B0609020000020004" pitchFamily="49" charset="0"/>
-              </a:rPr>
-              <a:t>public</a:t>
-            </a:r>
-            <a:r>
-              <a:rPr lang="en-US" sz="2400" dirty="0">
-                <a:solidFill>
-                  <a:srgbClr val="000000"/>
-                </a:solidFill>
-                <a:highlight>
-                  <a:srgbClr val="FFFFFF"/>
-                </a:highlight>
-                <a:latin typeface="Cascadia Mono" panose="020B0609020000020004" pitchFamily="49" charset="0"/>
-              </a:rPr>
-              <a:t> </a:t>
-            </a:r>
-            <a:r>
-              <a:rPr lang="en-US" sz="2400" dirty="0">
-                <a:solidFill>
-                  <a:srgbClr val="0000FF"/>
-                </a:solidFill>
-                <a:highlight>
-                  <a:srgbClr val="FFFFFF"/>
-                </a:highlight>
-                <a:latin typeface="Cascadia Mono" panose="020B0609020000020004" pitchFamily="49" charset="0"/>
-              </a:rPr>
-              <a:t>class</a:t>
-            </a:r>
-            <a:r>
-              <a:rPr lang="en-US" sz="2400" dirty="0">
-                <a:solidFill>
-                  <a:srgbClr val="000000"/>
-                </a:solidFill>
-                <a:highlight>
-                  <a:srgbClr val="FFFFFF"/>
-                </a:highlight>
-                <a:latin typeface="Cascadia Mono" panose="020B0609020000020004" pitchFamily="49" charset="0"/>
-              </a:rPr>
-              <a:t> </a:t>
-            </a:r>
-            <a:r>
-              <a:rPr lang="en-US" sz="2400" dirty="0" err="1">
-                <a:solidFill>
-                  <a:srgbClr val="2B91AF"/>
-                </a:solidFill>
-                <a:highlight>
-                  <a:srgbClr val="FFFFFF"/>
-                </a:highlight>
-                <a:latin typeface="Cascadia Mono" panose="020B0609020000020004" pitchFamily="49" charset="0"/>
-              </a:rPr>
-              <a:t>RelayCommand</a:t>
-            </a:r>
-            <a:r>
-              <a:rPr lang="en-US" sz="2400" dirty="0">
-                <a:solidFill>
-                  <a:srgbClr val="000000"/>
-                </a:solidFill>
-                <a:highlight>
-                  <a:srgbClr val="FFFFFF"/>
-                </a:highlight>
-                <a:latin typeface="Cascadia Mono" panose="020B0609020000020004" pitchFamily="49" charset="0"/>
-              </a:rPr>
-              <a:t> : </a:t>
-            </a:r>
-            <a:r>
-              <a:rPr lang="en-US" sz="2400" dirty="0" err="1">
-                <a:solidFill>
-                  <a:srgbClr val="2B91AF"/>
-                </a:solidFill>
-                <a:highlight>
-                  <a:srgbClr val="FFFFFF"/>
-                </a:highlight>
-                <a:latin typeface="Cascadia Mono" panose="020B0609020000020004" pitchFamily="49" charset="0"/>
-              </a:rPr>
-              <a:t>ICommand</a:t>
+                <a:latin typeface="Bookman Old Style" panose="02050604050505020204" pitchFamily="18" charset="0"/>
+              </a:rPr>
+              <a:t>MainWindow</a:t>
+            </a:r>
+            <a:r>
+              <a:rPr lang="ru-RU" sz="2400" dirty="0">
+                <a:latin typeface="Bookman Old Style" panose="02050604050505020204" pitchFamily="18" charset="0"/>
+              </a:rPr>
+              <a:t>)</a:t>
             </a:r>
             <a:endParaRPr lang="en-US" sz="2400" dirty="0">
-              <a:solidFill>
-                <a:srgbClr val="000000"/>
-              </a:solidFill>
-              <a:highlight>
-                <a:srgbClr val="FFFFFF"/>
-              </a:highlight>
-              <a:latin typeface="Cascadia Mono" panose="020B0609020000020004" pitchFamily="49" charset="0"/>
-            </a:endParaRPr>
-          </a:p>
-          <a:p>
-            <a:r>
-              <a:rPr lang="ru-RU" sz="2400" dirty="0">
-                <a:solidFill>
-                  <a:srgbClr val="000000"/>
-                </a:solidFill>
-                <a:highlight>
-                  <a:srgbClr val="FFFFFF"/>
-                </a:highlight>
-                <a:latin typeface="Cascadia Mono" panose="020B0609020000020004" pitchFamily="49" charset="0"/>
-              </a:rPr>
-              <a:t>{</a:t>
-            </a:r>
-          </a:p>
-          <a:p>
-            <a:r>
-              <a:rPr lang="en-US" sz="2400" dirty="0">
-                <a:solidFill>
-                  <a:srgbClr val="000000"/>
-                </a:solidFill>
-                <a:highlight>
-                  <a:srgbClr val="FFFFFF"/>
-                </a:highlight>
-                <a:latin typeface="Cascadia Mono" panose="020B0609020000020004" pitchFamily="49" charset="0"/>
-              </a:rPr>
-              <a:t>    </a:t>
-            </a:r>
-            <a:r>
-              <a:rPr lang="en-US" sz="2400" dirty="0">
-                <a:solidFill>
-                  <a:srgbClr val="0000FF"/>
-                </a:solidFill>
-                <a:highlight>
-                  <a:srgbClr val="FFFFFF"/>
-                </a:highlight>
-                <a:latin typeface="Cascadia Mono" panose="020B0609020000020004" pitchFamily="49" charset="0"/>
-              </a:rPr>
-              <a:t>private</a:t>
-            </a:r>
-            <a:r>
-              <a:rPr lang="en-US" sz="2400" dirty="0">
-                <a:solidFill>
-                  <a:srgbClr val="000000"/>
-                </a:solidFill>
-                <a:highlight>
-                  <a:srgbClr val="FFFFFF"/>
-                </a:highlight>
-                <a:latin typeface="Cascadia Mono" panose="020B0609020000020004" pitchFamily="49" charset="0"/>
-              </a:rPr>
-              <a:t> </a:t>
-            </a:r>
-            <a:r>
-              <a:rPr lang="en-US" sz="2400" dirty="0">
-                <a:solidFill>
-                  <a:srgbClr val="2B91AF"/>
-                </a:solidFill>
-                <a:highlight>
-                  <a:srgbClr val="FFFFFF"/>
-                </a:highlight>
-                <a:latin typeface="Cascadia Mono" panose="020B0609020000020004" pitchFamily="49" charset="0"/>
-              </a:rPr>
-              <a:t>Action</a:t>
-            </a:r>
-            <a:r>
-              <a:rPr lang="en-US" sz="2400" dirty="0">
-                <a:solidFill>
-                  <a:srgbClr val="000000"/>
-                </a:solidFill>
-                <a:highlight>
-                  <a:srgbClr val="FFFFFF"/>
-                </a:highlight>
-                <a:latin typeface="Cascadia Mono" panose="020B0609020000020004" pitchFamily="49" charset="0"/>
-              </a:rPr>
-              <a:t> _execute;</a:t>
-            </a:r>
-          </a:p>
-          <a:p>
-            <a:r>
-              <a:rPr lang="en-US" sz="2400" dirty="0">
-                <a:solidFill>
-                  <a:srgbClr val="000000"/>
-                </a:solidFill>
-                <a:highlight>
-                  <a:srgbClr val="FFFFFF"/>
-                </a:highlight>
-                <a:latin typeface="Cascadia Mono" panose="020B0609020000020004" pitchFamily="49" charset="0"/>
-              </a:rPr>
-              <a:t>    </a:t>
-            </a:r>
-            <a:r>
-              <a:rPr lang="en-US" sz="2400" dirty="0">
-                <a:solidFill>
-                  <a:srgbClr val="0000FF"/>
-                </a:solidFill>
-                <a:highlight>
-                  <a:srgbClr val="FFFFFF"/>
-                </a:highlight>
-                <a:latin typeface="Cascadia Mono" panose="020B0609020000020004" pitchFamily="49" charset="0"/>
-              </a:rPr>
-              <a:t>public</a:t>
-            </a:r>
-            <a:r>
-              <a:rPr lang="en-US" sz="2400" dirty="0">
-                <a:solidFill>
-                  <a:srgbClr val="000000"/>
-                </a:solidFill>
-                <a:highlight>
-                  <a:srgbClr val="FFFFFF"/>
-                </a:highlight>
-                <a:latin typeface="Cascadia Mono" panose="020B0609020000020004" pitchFamily="49" charset="0"/>
-              </a:rPr>
-              <a:t> </a:t>
-            </a:r>
-            <a:r>
-              <a:rPr lang="en-US" sz="2400" dirty="0" err="1">
-                <a:solidFill>
-                  <a:srgbClr val="2B91AF"/>
-                </a:solidFill>
-                <a:highlight>
-                  <a:srgbClr val="FFFFFF"/>
-                </a:highlight>
-                <a:latin typeface="Cascadia Mono" panose="020B0609020000020004" pitchFamily="49" charset="0"/>
-              </a:rPr>
-              <a:t>RelayCommand</a:t>
-            </a:r>
-            <a:r>
-              <a:rPr lang="en-US" sz="2400" dirty="0">
-                <a:solidFill>
-                  <a:srgbClr val="000000"/>
-                </a:solidFill>
-                <a:highlight>
-                  <a:srgbClr val="FFFFFF"/>
-                </a:highlight>
-                <a:latin typeface="Cascadia Mono" panose="020B0609020000020004" pitchFamily="49" charset="0"/>
-              </a:rPr>
-              <a:t>(</a:t>
-            </a:r>
-            <a:r>
-              <a:rPr lang="en-US" sz="2400" dirty="0">
-                <a:solidFill>
-                  <a:srgbClr val="2B91AF"/>
-                </a:solidFill>
-                <a:highlight>
-                  <a:srgbClr val="FFFFFF"/>
-                </a:highlight>
-                <a:latin typeface="Cascadia Mono" panose="020B0609020000020004" pitchFamily="49" charset="0"/>
-              </a:rPr>
-              <a:t>Action</a:t>
-            </a:r>
-            <a:r>
-              <a:rPr lang="en-US" sz="2400" dirty="0">
-                <a:solidFill>
-                  <a:srgbClr val="000000"/>
-                </a:solidFill>
-                <a:highlight>
-                  <a:srgbClr val="FFFFFF"/>
-                </a:highlight>
-                <a:latin typeface="Cascadia Mono" panose="020B0609020000020004" pitchFamily="49" charset="0"/>
-              </a:rPr>
-              <a:t> execute) =&gt; _execute = execute;</a:t>
-            </a:r>
-          </a:p>
-          <a:p>
-            <a:r>
-              <a:rPr lang="en-US" sz="2400" dirty="0">
-                <a:solidFill>
-                  <a:srgbClr val="000000"/>
-                </a:solidFill>
-                <a:highlight>
-                  <a:srgbClr val="FFFFFF"/>
-                </a:highlight>
-                <a:latin typeface="Cascadia Mono" panose="020B0609020000020004" pitchFamily="49" charset="0"/>
-              </a:rPr>
-              <a:t>    </a:t>
-            </a:r>
-            <a:r>
-              <a:rPr lang="en-US" sz="2400" dirty="0">
-                <a:solidFill>
-                  <a:srgbClr val="0000FF"/>
-                </a:solidFill>
-                <a:highlight>
-                  <a:srgbClr val="FFFFFF"/>
-                </a:highlight>
-                <a:latin typeface="Cascadia Mono" panose="020B0609020000020004" pitchFamily="49" charset="0"/>
-              </a:rPr>
-              <a:t>public</a:t>
-            </a:r>
-            <a:r>
-              <a:rPr lang="en-US" sz="2400" dirty="0">
-                <a:solidFill>
-                  <a:srgbClr val="000000"/>
-                </a:solidFill>
-                <a:highlight>
-                  <a:srgbClr val="FFFFFF"/>
-                </a:highlight>
-                <a:latin typeface="Cascadia Mono" panose="020B0609020000020004" pitchFamily="49" charset="0"/>
-              </a:rPr>
-              <a:t> </a:t>
-            </a:r>
-            <a:r>
-              <a:rPr lang="en-US" sz="2400" dirty="0">
-                <a:solidFill>
-                  <a:srgbClr val="0000FF"/>
-                </a:solidFill>
-                <a:highlight>
-                  <a:srgbClr val="FFFFFF"/>
-                </a:highlight>
-                <a:latin typeface="Cascadia Mono" panose="020B0609020000020004" pitchFamily="49" charset="0"/>
-              </a:rPr>
-              <a:t>bool</a:t>
-            </a:r>
-            <a:r>
-              <a:rPr lang="en-US" sz="2400" dirty="0">
-                <a:solidFill>
-                  <a:srgbClr val="000000"/>
-                </a:solidFill>
-                <a:highlight>
-                  <a:srgbClr val="FFFFFF"/>
-                </a:highlight>
-                <a:latin typeface="Cascadia Mono" panose="020B0609020000020004" pitchFamily="49" charset="0"/>
-              </a:rPr>
-              <a:t> </a:t>
-            </a:r>
-            <a:r>
-              <a:rPr lang="en-US" sz="2400" dirty="0" err="1">
-                <a:solidFill>
-                  <a:srgbClr val="000000"/>
-                </a:solidFill>
-                <a:highlight>
-                  <a:srgbClr val="FFFFFF"/>
-                </a:highlight>
-                <a:latin typeface="Cascadia Mono" panose="020B0609020000020004" pitchFamily="49" charset="0"/>
-              </a:rPr>
-              <a:t>CanExecute</a:t>
-            </a:r>
-            <a:r>
-              <a:rPr lang="en-US" sz="2400" dirty="0">
-                <a:solidFill>
-                  <a:srgbClr val="000000"/>
-                </a:solidFill>
-                <a:highlight>
-                  <a:srgbClr val="FFFFFF"/>
-                </a:highlight>
-                <a:latin typeface="Cascadia Mono" panose="020B0609020000020004" pitchFamily="49" charset="0"/>
-              </a:rPr>
-              <a:t>(</a:t>
-            </a:r>
-            <a:r>
-              <a:rPr lang="en-US" sz="2400" dirty="0">
-                <a:solidFill>
-                  <a:srgbClr val="0000FF"/>
-                </a:solidFill>
-                <a:highlight>
-                  <a:srgbClr val="FFFFFF"/>
-                </a:highlight>
-                <a:latin typeface="Cascadia Mono" panose="020B0609020000020004" pitchFamily="49" charset="0"/>
-              </a:rPr>
-              <a:t>object</a:t>
-            </a:r>
-            <a:r>
-              <a:rPr lang="en-US" sz="2400" dirty="0">
-                <a:solidFill>
-                  <a:srgbClr val="000000"/>
-                </a:solidFill>
-                <a:highlight>
-                  <a:srgbClr val="FFFFFF"/>
-                </a:highlight>
-                <a:latin typeface="Cascadia Mono" panose="020B0609020000020004" pitchFamily="49" charset="0"/>
-              </a:rPr>
-              <a:t> parameter) =&gt; </a:t>
-            </a:r>
-            <a:r>
-              <a:rPr lang="en-US" sz="2400" dirty="0">
-                <a:solidFill>
-                  <a:srgbClr val="0000FF"/>
-                </a:solidFill>
-                <a:highlight>
-                  <a:srgbClr val="FFFFFF"/>
-                </a:highlight>
-                <a:latin typeface="Cascadia Mono" panose="020B0609020000020004" pitchFamily="49" charset="0"/>
-              </a:rPr>
-              <a:t>true</a:t>
-            </a:r>
-            <a:r>
-              <a:rPr lang="en-US" sz="2400" dirty="0">
-                <a:solidFill>
-                  <a:srgbClr val="000000"/>
-                </a:solidFill>
-                <a:highlight>
-                  <a:srgbClr val="FFFFFF"/>
-                </a:highlight>
-                <a:latin typeface="Cascadia Mono" panose="020B0609020000020004" pitchFamily="49" charset="0"/>
-              </a:rPr>
-              <a:t>;</a:t>
-            </a:r>
-          </a:p>
-          <a:p>
-            <a:r>
-              <a:rPr lang="en-US" sz="2400" dirty="0">
-                <a:solidFill>
-                  <a:srgbClr val="000000"/>
-                </a:solidFill>
-                <a:highlight>
-                  <a:srgbClr val="FFFFFF"/>
-                </a:highlight>
-                <a:latin typeface="Cascadia Mono" panose="020B0609020000020004" pitchFamily="49" charset="0"/>
-              </a:rPr>
-              <a:t>    </a:t>
-            </a:r>
-            <a:r>
-              <a:rPr lang="en-US" sz="2400" dirty="0">
-                <a:solidFill>
-                  <a:srgbClr val="0000FF"/>
-                </a:solidFill>
-                <a:highlight>
-                  <a:srgbClr val="FFFFFF"/>
-                </a:highlight>
-                <a:latin typeface="Cascadia Mono" panose="020B0609020000020004" pitchFamily="49" charset="0"/>
-              </a:rPr>
-              <a:t>public</a:t>
-            </a:r>
-            <a:r>
-              <a:rPr lang="en-US" sz="2400" dirty="0">
-                <a:solidFill>
-                  <a:srgbClr val="000000"/>
-                </a:solidFill>
-                <a:highlight>
-                  <a:srgbClr val="FFFFFF"/>
-                </a:highlight>
-                <a:latin typeface="Cascadia Mono" panose="020B0609020000020004" pitchFamily="49" charset="0"/>
-              </a:rPr>
-              <a:t> </a:t>
-            </a:r>
-            <a:r>
-              <a:rPr lang="en-US" sz="2400" dirty="0">
-                <a:solidFill>
-                  <a:srgbClr val="0000FF"/>
-                </a:solidFill>
-                <a:highlight>
-                  <a:srgbClr val="FFFFFF"/>
-                </a:highlight>
-                <a:latin typeface="Cascadia Mono" panose="020B0609020000020004" pitchFamily="49" charset="0"/>
-              </a:rPr>
-              <a:t>void</a:t>
-            </a:r>
-            <a:r>
-              <a:rPr lang="en-US" sz="2400" dirty="0">
-                <a:solidFill>
-                  <a:srgbClr val="000000"/>
-                </a:solidFill>
-                <a:highlight>
-                  <a:srgbClr val="FFFFFF"/>
-                </a:highlight>
-                <a:latin typeface="Cascadia Mono" panose="020B0609020000020004" pitchFamily="49" charset="0"/>
-              </a:rPr>
-              <a:t> Execute(</a:t>
-            </a:r>
-            <a:r>
-              <a:rPr lang="en-US" sz="2400" dirty="0">
-                <a:solidFill>
-                  <a:srgbClr val="0000FF"/>
-                </a:solidFill>
-                <a:highlight>
-                  <a:srgbClr val="FFFFFF"/>
-                </a:highlight>
-                <a:latin typeface="Cascadia Mono" panose="020B0609020000020004" pitchFamily="49" charset="0"/>
-              </a:rPr>
-              <a:t>object</a:t>
-            </a:r>
-            <a:r>
-              <a:rPr lang="en-US" sz="2400" dirty="0">
-                <a:solidFill>
-                  <a:srgbClr val="000000"/>
-                </a:solidFill>
-                <a:highlight>
-                  <a:srgbClr val="FFFFFF"/>
-                </a:highlight>
-                <a:latin typeface="Cascadia Mono" panose="020B0609020000020004" pitchFamily="49" charset="0"/>
-              </a:rPr>
-              <a:t> parameter) =&gt; _execute();</a:t>
-            </a:r>
-          </a:p>
-          <a:p>
-            <a:r>
-              <a:rPr lang="en-US" sz="2400" dirty="0">
-                <a:solidFill>
-                  <a:srgbClr val="000000"/>
-                </a:solidFill>
-                <a:highlight>
-                  <a:srgbClr val="FFFFFF"/>
-                </a:highlight>
-                <a:latin typeface="Cascadia Mono" panose="020B0609020000020004" pitchFamily="49" charset="0"/>
-              </a:rPr>
-              <a:t>    </a:t>
-            </a:r>
-            <a:r>
-              <a:rPr lang="en-US" sz="2400" dirty="0">
-                <a:solidFill>
-                  <a:srgbClr val="0000FF"/>
-                </a:solidFill>
-                <a:highlight>
-                  <a:srgbClr val="FFFFFF"/>
-                </a:highlight>
-                <a:latin typeface="Cascadia Mono" panose="020B0609020000020004" pitchFamily="49" charset="0"/>
-              </a:rPr>
-              <a:t>public</a:t>
-            </a:r>
-            <a:r>
-              <a:rPr lang="en-US" sz="2400" dirty="0">
-                <a:solidFill>
-                  <a:srgbClr val="000000"/>
-                </a:solidFill>
-                <a:highlight>
-                  <a:srgbClr val="FFFFFF"/>
-                </a:highlight>
-                <a:latin typeface="Cascadia Mono" panose="020B0609020000020004" pitchFamily="49" charset="0"/>
-              </a:rPr>
-              <a:t> </a:t>
-            </a:r>
-            <a:r>
-              <a:rPr lang="en-US" sz="2400" dirty="0">
-                <a:solidFill>
-                  <a:srgbClr val="0000FF"/>
-                </a:solidFill>
-                <a:highlight>
-                  <a:srgbClr val="FFFFFF"/>
-                </a:highlight>
-                <a:latin typeface="Cascadia Mono" panose="020B0609020000020004" pitchFamily="49" charset="0"/>
-              </a:rPr>
-              <a:t>event</a:t>
-            </a:r>
-            <a:r>
-              <a:rPr lang="en-US" sz="2400" dirty="0">
-                <a:solidFill>
-                  <a:srgbClr val="000000"/>
-                </a:solidFill>
-                <a:highlight>
-                  <a:srgbClr val="FFFFFF"/>
-                </a:highlight>
-                <a:latin typeface="Cascadia Mono" panose="020B0609020000020004" pitchFamily="49" charset="0"/>
-              </a:rPr>
-              <a:t> </a:t>
-            </a:r>
-            <a:r>
-              <a:rPr lang="en-US" sz="2400" dirty="0" err="1">
-                <a:solidFill>
-                  <a:srgbClr val="2B91AF"/>
-                </a:solidFill>
-                <a:highlight>
-                  <a:srgbClr val="FFFFFF"/>
-                </a:highlight>
-                <a:latin typeface="Cascadia Mono" panose="020B0609020000020004" pitchFamily="49" charset="0"/>
-              </a:rPr>
-              <a:t>EventHandler</a:t>
-            </a:r>
-            <a:r>
-              <a:rPr lang="en-US" sz="2400" dirty="0">
-                <a:solidFill>
-                  <a:srgbClr val="000000"/>
-                </a:solidFill>
-                <a:highlight>
-                  <a:srgbClr val="FFFFFF"/>
-                </a:highlight>
-                <a:latin typeface="Cascadia Mono" panose="020B0609020000020004" pitchFamily="49" charset="0"/>
-              </a:rPr>
-              <a:t> </a:t>
-            </a:r>
-            <a:r>
-              <a:rPr lang="en-US" sz="2400" dirty="0" err="1">
-                <a:solidFill>
-                  <a:srgbClr val="000000"/>
-                </a:solidFill>
-                <a:highlight>
-                  <a:srgbClr val="FFFFFF"/>
-                </a:highlight>
-                <a:latin typeface="Cascadia Mono" panose="020B0609020000020004" pitchFamily="49" charset="0"/>
-              </a:rPr>
-              <a:t>CanExecuteChanged</a:t>
-            </a:r>
-            <a:r>
-              <a:rPr lang="en-US" sz="2400" dirty="0">
-                <a:solidFill>
-                  <a:srgbClr val="000000"/>
-                </a:solidFill>
-                <a:highlight>
-                  <a:srgbClr val="FFFFFF"/>
-                </a:highlight>
-                <a:latin typeface="Cascadia Mono" panose="020B0609020000020004" pitchFamily="49" charset="0"/>
-              </a:rPr>
-              <a:t>;</a:t>
-            </a:r>
-          </a:p>
-          <a:p>
-            <a:r>
-              <a:rPr lang="ru-RU" sz="2400" dirty="0">
-                <a:solidFill>
-                  <a:srgbClr val="000000"/>
-                </a:solidFill>
-                <a:highlight>
-                  <a:srgbClr val="FFFFFF"/>
-                </a:highlight>
-                <a:latin typeface="Cascadia Mono" panose="020B0609020000020004" pitchFamily="49" charset="0"/>
-              </a:rPr>
-              <a:t>}</a:t>
-            </a:r>
-            <a:endParaRPr lang="en-US" sz="2400" dirty="0">
-              <a:solidFill>
-                <a:srgbClr val="000000"/>
-              </a:solidFill>
-              <a:highlight>
-                <a:srgbClr val="FFFFFF"/>
-              </a:highlight>
-              <a:latin typeface="Cascadia Mono" panose="020B0609020000020004" pitchFamily="49" charset="0"/>
+              <a:latin typeface="Bookman Old Style" panose="02050604050505020204" pitchFamily="18" charset="0"/>
             </a:endParaRPr>
           </a:p>
         </p:txBody>
@@ -14356,7 +14438,7 @@
     </p:spTree>
     <p:extLst>
       <p:ext uri="{BB962C8B-B14F-4D97-AF65-F5344CB8AC3E}">
-        <p14:creationId xmlns:p14="http://schemas.microsoft.com/office/powerpoint/2010/main" val="2413829254"/>
+        <p14:creationId xmlns:p14="http://schemas.microsoft.com/office/powerpoint/2010/main" val="3433051646"/>
       </p:ext>
     </p:extLst>
   </p:cSld>
@@ -14399,7 +14481,7 @@
         <p:spPr>
           <a:xfrm>
             <a:off x="0" y="0"/>
-            <a:ext cx="12192000" cy="6417141"/>
+            <a:ext cx="12192000" cy="6740307"/>
           </a:xfrm>
           <a:prstGeom prst="rect">
             <a:avLst/>
@@ -14411,77 +14493,19 @@
           </a:bodyPr>
           <a:lstStyle/>
           <a:p>
-            <a:pPr>
-              <a:lnSpc>
-                <a:spcPct val="150000"/>
-              </a:lnSpc>
-            </a:pPr>
-            <a:r>
-              <a:rPr lang="ru-RU" sz="2400" dirty="0" smtClean="0">
-                <a:latin typeface="Bookman Old Style" panose="02050604050505020204" pitchFamily="18" charset="0"/>
-              </a:rPr>
-              <a:t>2</a:t>
-            </a:r>
-            <a:r>
-              <a:rPr lang="ru-RU" sz="2400" dirty="0">
-                <a:latin typeface="Bookman Old Style" panose="02050604050505020204" pitchFamily="18" charset="0"/>
-              </a:rPr>
-              <a:t>. </a:t>
-            </a:r>
-            <a:r>
-              <a:rPr lang="en-US" sz="2400" dirty="0" err="1">
-                <a:latin typeface="Bookman Old Style" panose="02050604050505020204" pitchFamily="18" charset="0"/>
-              </a:rPr>
-              <a:t>MainWindow.xaml</a:t>
-            </a:r>
-            <a:r>
-              <a:rPr lang="ru-RU" sz="2400" dirty="0" smtClean="0">
-                <a:latin typeface="Bookman Old Style" panose="02050604050505020204" pitchFamily="18" charset="0"/>
-              </a:rPr>
-              <a:t> </a:t>
-            </a:r>
-            <a:r>
-              <a:rPr lang="ru-RU" sz="2400" dirty="0">
-                <a:latin typeface="Bookman Old Style" panose="02050604050505020204" pitchFamily="18" charset="0"/>
-              </a:rPr>
-              <a:t>(XAML) - красивый </a:t>
-            </a:r>
-            <a:r>
-              <a:rPr lang="ru-RU" sz="2400" dirty="0" smtClean="0">
-                <a:latin typeface="Bookman Old Style" panose="02050604050505020204" pitchFamily="18" charset="0"/>
-              </a:rPr>
-              <a:t>интерфейс</a:t>
-            </a:r>
-            <a:endParaRPr lang="en-US" sz="2400" dirty="0" smtClean="0">
-              <a:latin typeface="Bookman Old Style" panose="02050604050505020204" pitchFamily="18" charset="0"/>
+            <a:endParaRPr lang="ru-RU" sz="2400" dirty="0" smtClean="0">
+              <a:solidFill>
+                <a:srgbClr val="0000FF"/>
+              </a:solidFill>
+              <a:highlight>
+                <a:srgbClr val="FFFFFF"/>
+              </a:highlight>
+              <a:latin typeface="Cascadia Mono" panose="020B0609020000020004" pitchFamily="49" charset="0"/>
             </a:endParaRPr>
           </a:p>
           <a:p>
-            <a:pPr>
-              <a:lnSpc>
-                <a:spcPct val="150000"/>
-              </a:lnSpc>
-            </a:pPr>
-            <a:r>
-              <a:rPr lang="ru-RU" sz="2400" dirty="0" smtClean="0">
-                <a:latin typeface="Bookman Old Style" panose="02050604050505020204" pitchFamily="18" charset="0"/>
-              </a:rPr>
-              <a:t>Вспомогательные настройки:</a:t>
-            </a:r>
-          </a:p>
-          <a:p>
-            <a:pPr>
-              <a:lnSpc>
-                <a:spcPct val="150000"/>
-              </a:lnSpc>
-            </a:pPr>
-            <a:endParaRPr lang="ru-RU" sz="2400" dirty="0" smtClean="0">
-              <a:latin typeface="Bookman Old Style" panose="02050604050505020204" pitchFamily="18" charset="0"/>
-            </a:endParaRPr>
-          </a:p>
-          <a:p>
-            <a:r>
-              <a:rPr lang="en-US" sz="2400" dirty="0">
+            <a:r>
+              <a:rPr lang="en-US" sz="2400" dirty="0" smtClean="0">
                 <a:solidFill>
                   <a:srgbClr val="0000FF"/>
                 </a:solidFill>
@@ -14493,7 +14517,7 @@
               <a:t>&lt;</a:t>
             </a:r>
             <a:r>
-              <a:rPr lang="en-US" sz="2400" dirty="0" smtClean="0">
+              <a:rPr lang="en-US" sz="2400" dirty="0" err="1" smtClean="0">
                 <a:solidFill>
                   <a:srgbClr val="A31515"/>
                 </a:solidFill>
@@ -14502,7 +14526,7 @@
                 </a:highlight>
                 <a:latin typeface="Cascadia Mono" panose="020B0609020000020004" pitchFamily="49" charset="0"/>
               </a:rPr>
-              <a:t>Window</a:t>
+              <a:t>StackPanel</a:t>
             </a:r>
             <a:endParaRPr lang="ru-RU" sz="2400" dirty="0" smtClean="0">
               <a:solidFill>
@@ -14516,7 +14540,7 @@
           </a:p>
           <a:p>
             <a:r>
-              <a:rPr lang="ru-RU" sz="2300" dirty="0">
+              <a:rPr lang="ru-RU" sz="2400" dirty="0" smtClean="0">
                 <a:solidFill>
                   <a:srgbClr val="FF0000"/>
                 </a:solidFill>
@@ -14528,7 +14552,7 @@
               <a:t>	</a:t>
             </a:r>
             <a:r>
-              <a:rPr lang="en-US" sz="2300" dirty="0" smtClean="0">
+              <a:rPr lang="en-US" sz="2400" dirty="0" err="1" smtClean="0">
                 <a:solidFill>
                   <a:srgbClr val="FF0000"/>
                 </a:solidFill>
@@ -14537,10 +14561,10 @@
                 </a:highlight>
                 <a:latin typeface="Cascadia Mono" panose="020B0609020000020004" pitchFamily="49" charset="0"/>
               </a:rPr>
-              <a:t>x</a:t>
-            </a:r>
-            <a:r>
-              <a:rPr lang="en-US" sz="2300" dirty="0" smtClean="0">
+              <a:t>VerticalAlignment</a:t>
+            </a:r>
+            <a:r>
+              <a:rPr lang="en-US" sz="2400" dirty="0">
                 <a:solidFill>
                   <a:srgbClr val="0000FF"/>
                 </a:solidFill>
@@ -14549,10 +14573,10 @@
                 </a:highlight>
                 <a:latin typeface="Cascadia Mono" panose="020B0609020000020004" pitchFamily="49" charset="0"/>
               </a:rPr>
-              <a:t>:</a:t>
-            </a:r>
-            <a:r>
-              <a:rPr lang="en-US" sz="2300" dirty="0" smtClean="0">
+              <a:t>="Center"</a:t>
+            </a:r>
+            <a:r>
+              <a:rPr lang="en-US" sz="2400" dirty="0">
                 <a:solidFill>
                   <a:srgbClr val="FF0000"/>
                 </a:solidFill>
@@ -14561,10 +14585,22 @@
                 </a:highlight>
                 <a:latin typeface="Cascadia Mono" panose="020B0609020000020004" pitchFamily="49" charset="0"/>
               </a:rPr>
-              <a:t>Class</a:t>
-            </a:r>
-            <a:r>
-              <a:rPr lang="en-US" sz="2300" dirty="0">
+              <a:t> </a:t>
+            </a:r>
+            <a:r>
+              <a:rPr lang="en-US" sz="2400" dirty="0" err="1">
+                <a:solidFill>
+                  <a:srgbClr val="FF0000"/>
+                </a:solidFill>
+                <a:highlight>
+                  <a:srgbClr val="FFFFFF"/>
+                </a:highlight>
+                <a:latin typeface="Cascadia Mono" panose="020B0609020000020004" pitchFamily="49" charset="0"/>
+              </a:rPr>
+              <a:t>HorizontalAlignment</a:t>
+            </a:r>
+            <a:r>
+              <a:rPr lang="en-US" sz="2400" dirty="0">
                 <a:solidFill>
                   <a:srgbClr val="0000FF"/>
                 </a:solidFill>
@@ -14573,33 +14609,9 @@
                 </a:highlight>
                 <a:latin typeface="Cascadia Mono" panose="020B0609020000020004" pitchFamily="49" charset="0"/>
               </a:rPr>
-              <a:t>="</a:t>
-            </a:r>
-            <a:r>
-              <a:rPr lang="en-US" sz="2300" dirty="0" smtClean="0">
-                <a:solidFill>
-                  <a:srgbClr val="0000FF"/>
-                </a:solidFill>
-                <a:highlight>
-                  <a:srgbClr val="FFFFFF"/>
-                </a:highlight>
-                <a:latin typeface="Cascadia Mono" panose="020B0609020000020004" pitchFamily="49" charset="0"/>
-              </a:rPr>
-              <a:t>WpfApp1.MainWindow</a:t>
-            </a:r>
-            <a:r>
-              <a:rPr lang="en-US" sz="2300" dirty="0">
-                <a:solidFill>
-                  <a:srgbClr val="0000FF"/>
-                </a:solidFill>
-                <a:highlight>
-                  <a:srgbClr val="FFFFFF"/>
-                </a:highlight>
-                <a:latin typeface="Cascadia Mono" panose="020B0609020000020004" pitchFamily="49" charset="0"/>
-              </a:rPr>
-              <a:t>"</a:t>
-            </a:r>
-            <a:endParaRPr lang="ru-RU" sz="2300" dirty="0" smtClean="0">
+              <a:t>="Center"&gt;</a:t>
+            </a:r>
+            <a:endParaRPr lang="en-US" sz="2400" dirty="0">
               <a:solidFill>
                 <a:srgbClr val="000000"/>
               </a:solidFill>
@@ -14611,185 +14623,54 @@
           </a:p>
           <a:p>
             <a:r>
-              <a:rPr lang="ru-RU" sz="2300" dirty="0" smtClean="0">
-                <a:solidFill>
-                  <a:srgbClr val="FF0000"/>
-                </a:solidFill>
-                <a:highlight>
-                  <a:srgbClr val="FFFFFF"/>
-                </a:highlight>
-                <a:latin typeface="Cascadia Mono" panose="020B0609020000020004" pitchFamily="49" charset="0"/>
-              </a:rPr>
-              <a:t>	</a:t>
-            </a:r>
-            <a:r>
-              <a:rPr lang="en-US" sz="2300" dirty="0" err="1" smtClean="0">
-                <a:solidFill>
-                  <a:srgbClr val="FF0000"/>
-                </a:solidFill>
-                <a:highlight>
-                  <a:srgbClr val="FFFFFF"/>
-                </a:highlight>
-                <a:latin typeface="Cascadia Mono" panose="020B0609020000020004" pitchFamily="49" charset="0"/>
-              </a:rPr>
-              <a:t>xmlns</a:t>
-            </a:r>
-            <a:r>
-              <a:rPr lang="en-US" sz="2300" dirty="0" smtClean="0">
-                <a:solidFill>
-                  <a:srgbClr val="0000FF"/>
-                </a:solidFill>
-                <a:highlight>
-                  <a:srgbClr val="FFFFFF"/>
-                </a:highlight>
-                <a:latin typeface="Cascadia Mono" panose="020B0609020000020004" pitchFamily="49" charset="0"/>
-              </a:rPr>
-              <a:t>=http</a:t>
-            </a:r>
-            <a:r>
-              <a:rPr lang="en-US" sz="2300" dirty="0">
-                <a:solidFill>
-                  <a:srgbClr val="0000FF"/>
-                </a:solidFill>
-                <a:highlight>
-                  <a:srgbClr val="FFFFFF"/>
-                </a:highlight>
-                <a:latin typeface="Cascadia Mono" panose="020B0609020000020004" pitchFamily="49" charset="0"/>
-              </a:rPr>
-              <a:t>://</a:t>
-            </a:r>
-            <a:r>
-              <a:rPr lang="en-US" sz="2300" dirty="0" smtClean="0">
-                <a:solidFill>
-                  <a:srgbClr val="0000FF"/>
-                </a:solidFill>
-                <a:highlight>
-                  <a:srgbClr val="FFFFFF"/>
-                </a:highlight>
-                <a:latin typeface="Cascadia Mono" panose="020B0609020000020004" pitchFamily="49" charset="0"/>
-              </a:rPr>
-              <a:t>schemas.microsoft.com/winfx/2006/xaml/presentation</a:t>
-            </a:r>
-            <a:endParaRPr lang="ru-RU" sz="2300" dirty="0" smtClean="0">
-              <a:solidFill>
-                <a:srgbClr val="0000FF"/>
-              </a:solidFill>
-              <a:highlight>
-                <a:srgbClr val="FFFFFF"/>
-              </a:highlight>
-              <a:latin typeface="Cascadia Mono" panose="020B0609020000020004" pitchFamily="49" charset="0"/>
-            </a:endParaRPr>
-          </a:p>
-          <a:p>
-            <a:r>
-              <a:rPr lang="ru-RU" sz="2300" dirty="0" smtClean="0">
-                <a:solidFill>
-                  <a:srgbClr val="FF0000"/>
-                </a:solidFill>
-                <a:highlight>
-                  <a:srgbClr val="FFFFFF"/>
-                </a:highlight>
-                <a:latin typeface="Cascadia Mono" panose="020B0609020000020004" pitchFamily="49" charset="0"/>
-              </a:rPr>
-              <a:t>	</a:t>
-            </a:r>
-            <a:r>
-              <a:rPr lang="en-US" sz="2300" dirty="0" err="1" smtClean="0">
-                <a:solidFill>
-                  <a:srgbClr val="FF0000"/>
-                </a:solidFill>
-                <a:highlight>
-                  <a:srgbClr val="FFFFFF"/>
-                </a:highlight>
-                <a:latin typeface="Cascadia Mono" panose="020B0609020000020004" pitchFamily="49" charset="0"/>
-              </a:rPr>
-              <a:t>xmlns</a:t>
-            </a:r>
-            <a:r>
-              <a:rPr lang="en-US" sz="2300" dirty="0" err="1" smtClean="0">
-                <a:solidFill>
-                  <a:srgbClr val="0000FF"/>
-                </a:solidFill>
-                <a:highlight>
-                  <a:srgbClr val="FFFFFF"/>
-                </a:highlight>
-                <a:latin typeface="Cascadia Mono" panose="020B0609020000020004" pitchFamily="49" charset="0"/>
-              </a:rPr>
-              <a:t>:</a:t>
-            </a:r>
-            <a:r>
-              <a:rPr lang="en-US" sz="2300" dirty="0" err="1" smtClean="0">
-                <a:solidFill>
-                  <a:srgbClr val="FF0000"/>
-                </a:solidFill>
-                <a:highlight>
-                  <a:srgbClr val="FFFFFF"/>
-                </a:highlight>
-                <a:latin typeface="Cascadia Mono" panose="020B0609020000020004" pitchFamily="49" charset="0"/>
-              </a:rPr>
-              <a:t>x</a:t>
-            </a:r>
-            <a:r>
-              <a:rPr lang="en-US" sz="2300" dirty="0">
-                <a:solidFill>
-                  <a:srgbClr val="0000FF"/>
-                </a:solidFill>
-                <a:highlight>
-                  <a:srgbClr val="FFFFFF"/>
-                </a:highlight>
-                <a:latin typeface="Cascadia Mono" panose="020B0609020000020004" pitchFamily="49" charset="0"/>
-              </a:rPr>
-              <a:t>="http://schemas.microsoft.com/</a:t>
-            </a:r>
-            <a:r>
-              <a:rPr lang="en-US" sz="2300" dirty="0" err="1">
-                <a:solidFill>
-                  <a:srgbClr val="0000FF"/>
-                </a:solidFill>
-                <a:highlight>
-                  <a:srgbClr val="FFFFFF"/>
-                </a:highlight>
-                <a:latin typeface="Cascadia Mono" panose="020B0609020000020004" pitchFamily="49" charset="0"/>
-              </a:rPr>
-              <a:t>winfx</a:t>
-            </a:r>
-            <a:r>
-              <a:rPr lang="en-US" sz="2300" dirty="0">
-                <a:solidFill>
-                  <a:srgbClr val="0000FF"/>
-                </a:solidFill>
-                <a:highlight>
-                  <a:srgbClr val="FFFFFF"/>
-                </a:highlight>
-                <a:latin typeface="Cascadia Mono" panose="020B0609020000020004" pitchFamily="49" charset="0"/>
-              </a:rPr>
-              <a:t>/2006/</a:t>
-            </a:r>
-            <a:r>
-              <a:rPr lang="en-US" sz="2300" dirty="0" err="1">
-                <a:solidFill>
-                  <a:srgbClr val="0000FF"/>
-                </a:solidFill>
-                <a:highlight>
-                  <a:srgbClr val="FFFFFF"/>
-                </a:highlight>
-                <a:latin typeface="Cascadia Mono" panose="020B0609020000020004" pitchFamily="49" charset="0"/>
-              </a:rPr>
-              <a:t>xaml</a:t>
-            </a:r>
-            <a:r>
-              <a:rPr lang="en-US" sz="2300" dirty="0">
-                <a:solidFill>
-                  <a:srgbClr val="0000FF"/>
-                </a:solidFill>
-                <a:highlight>
-                  <a:srgbClr val="FFFFFF"/>
-                </a:highlight>
-                <a:latin typeface="Cascadia Mono" panose="020B0609020000020004" pitchFamily="49" charset="0"/>
-              </a:rPr>
-              <a:t>"</a:t>
-            </a:r>
-            <a:endParaRPr lang="en-US" sz="2300" dirty="0">
+              <a:rPr lang="ru-RU" sz="2400" dirty="0" smtClean="0">
+                <a:solidFill>
+                  <a:srgbClr val="008000"/>
+                </a:solidFill>
+                <a:highlight>
+                  <a:srgbClr val="FFFFFF"/>
+                </a:highlight>
+                <a:latin typeface="Cascadia Mono" panose="020B0609020000020004" pitchFamily="49" charset="0"/>
+              </a:rPr>
+              <a:t>	&lt;!-- </a:t>
+            </a:r>
+            <a:r>
+              <a:rPr lang="ru-RU" sz="2400" dirty="0">
+                <a:solidFill>
+                  <a:srgbClr val="008000"/>
+                </a:solidFill>
+                <a:highlight>
+                  <a:srgbClr val="FFFFFF"/>
+                </a:highlight>
+                <a:latin typeface="Cascadia Mono" panose="020B0609020000020004" pitchFamily="49" charset="0"/>
+              </a:rPr>
+              <a:t>Текстовое поле СРАЗУ связано со свойством </a:t>
+            </a:r>
+            <a:r>
+              <a:rPr lang="ru-RU" sz="2400" dirty="0" err="1">
+                <a:solidFill>
+                  <a:srgbClr val="008000"/>
+                </a:solidFill>
+                <a:highlight>
+                  <a:srgbClr val="FFFFFF"/>
+                </a:highlight>
+                <a:latin typeface="Cascadia Mono" panose="020B0609020000020004" pitchFamily="49" charset="0"/>
+              </a:rPr>
+              <a:t>Text</a:t>
+            </a:r>
+            <a:r>
+              <a:rPr lang="ru-RU" sz="2400" dirty="0">
+                <a:solidFill>
+                  <a:srgbClr val="008000"/>
+                </a:solidFill>
+                <a:highlight>
+                  <a:srgbClr val="FFFFFF"/>
+                </a:highlight>
+                <a:latin typeface="Cascadia Mono" panose="020B0609020000020004" pitchFamily="49" charset="0"/>
+              </a:rPr>
+              <a:t> --&gt;</a:t>
+            </a:r>
+            <a:endParaRPr lang="ru-RU" sz="2400" dirty="0">
               <a:solidFill>
                 <a:srgbClr val="000000"/>
               </a:solidFill>
@@ -14801,7 +14682,43 @@
           </a:p>
           <a:p>
             <a:r>
-              <a:rPr lang="ru-RU" sz="2300" dirty="0" smtClean="0">
+              <a:rPr lang="ru-RU" sz="2400" dirty="0" smtClean="0">
+                <a:solidFill>
+                  <a:srgbClr val="0000FF"/>
+                </a:solidFill>
+                <a:highlight>
+                  <a:srgbClr val="FFFFFF"/>
+                </a:highlight>
+                <a:latin typeface="Cascadia Mono" panose="020B0609020000020004" pitchFamily="49" charset="0"/>
+              </a:rPr>
+              <a:t>	</a:t>
+            </a:r>
+            <a:r>
+              <a:rPr lang="en-US" sz="2400" dirty="0" smtClean="0">
+                <a:solidFill>
+                  <a:srgbClr val="0000FF"/>
+                </a:solidFill>
+                <a:highlight>
+                  <a:srgbClr val="FFFFFF"/>
+                </a:highlight>
+                <a:latin typeface="Cascadia Mono" panose="020B0609020000020004" pitchFamily="49" charset="0"/>
+              </a:rPr>
+              <a:t>&lt;</a:t>
+            </a:r>
+            <a:r>
+              <a:rPr lang="en-US" sz="2400" dirty="0" err="1">
+                <a:solidFill>
+                  <a:srgbClr val="A31515"/>
+                </a:solidFill>
+                <a:highlight>
+                  <a:srgbClr val="FFFFFF"/>
+                </a:highlight>
+                <a:latin typeface="Cascadia Mono" panose="020B0609020000020004" pitchFamily="49" charset="0"/>
+              </a:rPr>
+              <a:t>TextBox</a:t>
+            </a:r>
+            <a:r>
+              <a:rPr lang="en-US" sz="2400" dirty="0">
                 <a:solidFill>
                   <a:srgbClr val="FF0000"/>
                 </a:solidFill>
@@ -14810,10 +14727,93 @@
                 </a:highlight>
                 <a:latin typeface="Cascadia Mono" panose="020B0609020000020004" pitchFamily="49" charset="0"/>
               </a:rPr>
+              <a:t> Text</a:t>
+            </a:r>
+            <a:r>
+              <a:rPr lang="en-US" sz="2400" dirty="0">
+                <a:solidFill>
+                  <a:srgbClr val="0000FF"/>
+                </a:solidFill>
+                <a:highlight>
+                  <a:srgbClr val="FFFFFF"/>
+                </a:highlight>
+                <a:latin typeface="Cascadia Mono" panose="020B0609020000020004" pitchFamily="49" charset="0"/>
+              </a:rPr>
+              <a:t>="{</a:t>
+            </a:r>
+            <a:r>
+              <a:rPr lang="en-US" sz="2400" dirty="0">
+                <a:solidFill>
+                  <a:srgbClr val="A31515"/>
+                </a:solidFill>
+                <a:highlight>
+                  <a:srgbClr val="FFFFFF"/>
+                </a:highlight>
+                <a:latin typeface="Cascadia Mono" panose="020B0609020000020004" pitchFamily="49" charset="0"/>
+              </a:rPr>
+              <a:t>Binding</a:t>
+            </a:r>
+            <a:r>
+              <a:rPr lang="en-US" sz="2400" dirty="0">
+                <a:solidFill>
+                  <a:srgbClr val="FF0000"/>
+                </a:solidFill>
+                <a:highlight>
+                  <a:srgbClr val="FFFFFF"/>
+                </a:highlight>
+                <a:latin typeface="Cascadia Mono" panose="020B0609020000020004" pitchFamily="49" charset="0"/>
+              </a:rPr>
+              <a:t> </a:t>
+            </a:r>
+            <a:r>
+              <a:rPr lang="en-US" sz="2400" dirty="0" smtClean="0">
+                <a:solidFill>
+                  <a:srgbClr val="FF0000"/>
+                </a:solidFill>
+                <a:highlight>
+                  <a:srgbClr val="FFFFFF"/>
+                </a:highlight>
+                <a:latin typeface="Cascadia Mono" panose="020B0609020000020004" pitchFamily="49" charset="0"/>
+              </a:rPr>
+              <a:t>Text</a:t>
+            </a:r>
+            <a:r>
+              <a:rPr lang="en-US" sz="2400" dirty="0" smtClean="0">
+                <a:solidFill>
+                  <a:srgbClr val="0000FF"/>
+                </a:solidFill>
+                <a:highlight>
+                  <a:srgbClr val="FFFFFF"/>
+                </a:highlight>
+                <a:latin typeface="Cascadia Mono" panose="020B0609020000020004" pitchFamily="49" charset="0"/>
+              </a:rPr>
+              <a:t>,</a:t>
+            </a:r>
+            <a:endParaRPr lang="ru-RU" sz="2400" dirty="0" smtClean="0">
+              <a:solidFill>
+                <a:srgbClr val="FF0000"/>
+              </a:solidFill>
+              <a:highlight>
+                <a:srgbClr val="FFFFFF"/>
+              </a:highlight>
+              <a:latin typeface="Cascadia Mono" panose="020B0609020000020004" pitchFamily="49" charset="0"/>
+            </a:endParaRPr>
+          </a:p>
+          <a:p>
+            <a:r>
+              <a:rPr lang="ru-RU" sz="2400" dirty="0">
+                <a:solidFill>
+                  <a:srgbClr val="FF0000"/>
+                </a:solidFill>
+                <a:highlight>
+                  <a:srgbClr val="FFFFFF"/>
+                </a:highlight>
+                <a:latin typeface="Cascadia Mono" panose="020B0609020000020004" pitchFamily="49" charset="0"/>
+              </a:rPr>
               <a:t>	</a:t>
             </a:r>
             <a:r>
-              <a:rPr lang="en-US" sz="2300" dirty="0" err="1" smtClean="0">
+              <a:rPr lang="ru-RU" sz="2400" dirty="0" smtClean="0">
                 <a:solidFill>
                   <a:srgbClr val="FF0000"/>
                 </a:solidFill>
@@ -14822,10 +14822,22 @@
                 </a:highlight>
                 <a:latin typeface="Cascadia Mono" panose="020B0609020000020004" pitchFamily="49" charset="0"/>
               </a:rPr>
-              <a:t>xmlns</a:t>
-            </a:r>
-            <a:r>
-              <a:rPr lang="en-US" sz="2300" dirty="0" err="1" smtClean="0">
+              <a:t>									 </a:t>
+            </a:r>
+            <a:r>
+              <a:rPr lang="en-US" sz="2400" dirty="0" err="1" smtClean="0">
+                <a:solidFill>
+                  <a:srgbClr val="FF0000"/>
+                </a:solidFill>
+                <a:highlight>
+                  <a:srgbClr val="FFFFFF"/>
+                </a:highlight>
+                <a:latin typeface="Cascadia Mono" panose="020B0609020000020004" pitchFamily="49" charset="0"/>
+              </a:rPr>
+              <a:t>UpdateSourceTrigger</a:t>
+            </a:r>
+            <a:r>
+              <a:rPr lang="en-US" sz="2400" dirty="0" smtClean="0">
                 <a:solidFill>
                   <a:srgbClr val="0000FF"/>
                 </a:solidFill>
@@ -14834,22 +14846,10 @@
                 </a:highlight>
                 <a:latin typeface="Cascadia Mono" panose="020B0609020000020004" pitchFamily="49" charset="0"/>
               </a:rPr>
-              <a:t>:</a:t>
-            </a:r>
-            <a:r>
-              <a:rPr lang="en-US" sz="2300" dirty="0" err="1" smtClean="0">
-                <a:solidFill>
-                  <a:srgbClr val="FF0000"/>
-                </a:solidFill>
-                <a:highlight>
-                  <a:srgbClr val="FFFFFF"/>
-                </a:highlight>
-                <a:latin typeface="Cascadia Mono" panose="020B0609020000020004" pitchFamily="49" charset="0"/>
-              </a:rPr>
-              <a:t>d</a:t>
-            </a:r>
-            <a:r>
-              <a:rPr lang="en-US" sz="2300" dirty="0">
+              <a:t>=</a:t>
+            </a:r>
+            <a:r>
+              <a:rPr lang="en-US" sz="2400" dirty="0" err="1" smtClean="0">
                 <a:solidFill>
                   <a:srgbClr val="0000FF"/>
                 </a:solidFill>
@@ -14858,9 +14858,33 @@
                 </a:highlight>
                 <a:latin typeface="Cascadia Mono" panose="020B0609020000020004" pitchFamily="49" charset="0"/>
               </a:rPr>
-              <a:t>="http://schemas.microsoft.com/expression/blend/2008"</a:t>
-            </a:r>
-            <a:endParaRPr lang="en-US" sz="2300" dirty="0">
+              <a:t>PropertyChanged</a:t>
+            </a:r>
+            <a:r>
+              <a:rPr lang="en-US" sz="2400" dirty="0" smtClean="0">
+                <a:solidFill>
+                  <a:srgbClr val="0000FF"/>
+                </a:solidFill>
+                <a:highlight>
+                  <a:srgbClr val="FFFFFF"/>
+                </a:highlight>
+                <a:latin typeface="Cascadia Mono" panose="020B0609020000020004" pitchFamily="49" charset="0"/>
+              </a:rPr>
+              <a:t>}</a:t>
+            </a:r>
+            <a:r>
+              <a:rPr lang="ru-RU" sz="2400" dirty="0" smtClean="0">
+                <a:solidFill>
+                  <a:srgbClr val="0000FF"/>
+                </a:solidFill>
+                <a:highlight>
+                  <a:srgbClr val="FFFFFF"/>
+                </a:highlight>
+                <a:latin typeface="Cascadia Mono" panose="020B0609020000020004" pitchFamily="49" charset="0"/>
+              </a:rPr>
+              <a:t>"</a:t>
+            </a:r>
+            <a:endParaRPr lang="ru-RU" sz="2400" dirty="0" smtClean="0">
               <a:solidFill>
                 <a:srgbClr val="000000"/>
               </a:solidFill>
@@ -14872,7 +14896,19 @@
           </a:p>
           <a:p>
             <a:r>
-              <a:rPr lang="ru-RU" sz="2300" dirty="0" smtClean="0">
+              <a:rPr lang="ru-RU" sz="2400" dirty="0">
+                <a:solidFill>
+                  <a:srgbClr val="000000"/>
+                </a:solidFill>
+                <a:highlight>
+                  <a:srgbClr val="FFFFFF"/>
+                </a:highlight>
+                <a:latin typeface="Cascadia Mono" panose="020B0609020000020004" pitchFamily="49" charset="0"/>
+              </a:rPr>
+              <a:t>	</a:t>
+            </a:r>
+            <a:r>
+              <a:rPr lang="en-US" sz="2400" dirty="0" err="1" smtClean="0">
                 <a:solidFill>
                   <a:srgbClr val="FF0000"/>
                 </a:solidFill>
@@ -14881,10 +14917,22 @@
                 </a:highlight>
                 <a:latin typeface="Cascadia Mono" panose="020B0609020000020004" pitchFamily="49" charset="0"/>
               </a:rPr>
-              <a:t>	</a:t>
-            </a:r>
-            <a:r>
-              <a:rPr lang="en-US" sz="2300" dirty="0" err="1" smtClean="0">
+              <a:t>FontSize</a:t>
+            </a:r>
+            <a:r>
+              <a:rPr lang="en-US" sz="2400" dirty="0">
+                <a:solidFill>
+                  <a:srgbClr val="0000FF"/>
+                </a:solidFill>
+                <a:highlight>
+                  <a:srgbClr val="FFFFFF"/>
+                </a:highlight>
+                <a:latin typeface="Cascadia Mono" panose="020B0609020000020004" pitchFamily="49" charset="0"/>
+              </a:rPr>
+              <a:t>="14"</a:t>
+            </a:r>
+            <a:r>
+              <a:rPr lang="en-US" sz="2400" dirty="0">
                 <a:solidFill>
                   <a:srgbClr val="FF0000"/>
                 </a:solidFill>
@@ -14893,10 +14941,10 @@
                 </a:highlight>
                 <a:latin typeface="Cascadia Mono" panose="020B0609020000020004" pitchFamily="49" charset="0"/>
               </a:rPr>
-              <a:t>xmlns</a:t>
-            </a:r>
-            <a:r>
-              <a:rPr lang="en-US" sz="2300" dirty="0" err="1" smtClean="0">
+              <a:t> Width</a:t>
+            </a:r>
+            <a:r>
+              <a:rPr lang="en-US" sz="2400" dirty="0">
                 <a:solidFill>
                   <a:srgbClr val="0000FF"/>
                 </a:solidFill>
@@ -14905,10 +14953,10 @@
                 </a:highlight>
                 <a:latin typeface="Cascadia Mono" panose="020B0609020000020004" pitchFamily="49" charset="0"/>
               </a:rPr>
-              <a:t>:</a:t>
-            </a:r>
-            <a:r>
-              <a:rPr lang="en-US" sz="2300" dirty="0" err="1" smtClean="0">
+              <a:t>="150"</a:t>
+            </a:r>
+            <a:r>
+              <a:rPr lang="en-US" sz="2400" dirty="0">
                 <a:solidFill>
                   <a:srgbClr val="FF0000"/>
                 </a:solidFill>
@@ -14917,10 +14965,10 @@
                 </a:highlight>
                 <a:latin typeface="Cascadia Mono" panose="020B0609020000020004" pitchFamily="49" charset="0"/>
               </a:rPr>
-              <a:t>mc</a:t>
-            </a:r>
-            <a:r>
-              <a:rPr lang="en-US" sz="2300" dirty="0">
+              <a:t> Margin</a:t>
+            </a:r>
+            <a:r>
+              <a:rPr lang="en-US" sz="2400" dirty="0">
                 <a:solidFill>
                   <a:srgbClr val="0000FF"/>
                 </a:solidFill>
@@ -14929,9 +14977,9 @@
                 </a:highlight>
                 <a:latin typeface="Cascadia Mono" panose="020B0609020000020004" pitchFamily="49" charset="0"/>
               </a:rPr>
-              <a:t>="http://schemas.openxmlformats.org/markup-compatibility/2006"</a:t>
-            </a:r>
-            <a:endParaRPr lang="en-US" sz="2300" dirty="0">
+              <a:t>="5"/&gt;</a:t>
+            </a:r>
+            <a:endParaRPr lang="en-US" sz="2400" dirty="0">
               <a:solidFill>
                 <a:srgbClr val="000000"/>
               </a:solidFill>
@@ -14942,67 +14990,7 @@
             </a:endParaRPr>
           </a:p>
           <a:p>
-            <a:r>
-              <a:rPr lang="ru-RU" sz="2300" dirty="0" smtClean="0">
-                <a:solidFill>
-                  <a:srgbClr val="FF0000"/>
-                </a:solidFill>
-                <a:highlight>
-                  <a:srgbClr val="FFFFFF"/>
-                </a:highlight>
-                <a:latin typeface="Cascadia Mono" panose="020B0609020000020004" pitchFamily="49" charset="0"/>
-              </a:rPr>
-              <a:t>	</a:t>
-            </a:r>
-            <a:r>
-              <a:rPr lang="en-US" sz="2300" dirty="0" err="1" smtClean="0">
-                <a:solidFill>
-                  <a:srgbClr val="FF0000"/>
-                </a:solidFill>
-                <a:highlight>
-                  <a:srgbClr val="FFFFFF"/>
-                </a:highlight>
-                <a:latin typeface="Cascadia Mono" panose="020B0609020000020004" pitchFamily="49" charset="0"/>
-              </a:rPr>
-              <a:t>xmlns</a:t>
-            </a:r>
-            <a:r>
-              <a:rPr lang="en-US" sz="2300" dirty="0" err="1" smtClean="0">
-                <a:solidFill>
-                  <a:srgbClr val="0000FF"/>
-                </a:solidFill>
-                <a:highlight>
-                  <a:srgbClr val="FFFFFF"/>
-                </a:highlight>
-                <a:latin typeface="Cascadia Mono" panose="020B0609020000020004" pitchFamily="49" charset="0"/>
-              </a:rPr>
-              <a:t>:</a:t>
-            </a:r>
-            <a:r>
-              <a:rPr lang="en-US" sz="2300" dirty="0" err="1" smtClean="0">
-                <a:solidFill>
-                  <a:srgbClr val="FF0000"/>
-                </a:solidFill>
-                <a:highlight>
-                  <a:srgbClr val="FFFFFF"/>
-                </a:highlight>
-                <a:latin typeface="Cascadia Mono" panose="020B0609020000020004" pitchFamily="49" charset="0"/>
-              </a:rPr>
-              <a:t>local</a:t>
-            </a:r>
-            <a:r>
-              <a:rPr lang="en-US" sz="2300" dirty="0">
-                <a:solidFill>
-                  <a:srgbClr val="0000FF"/>
-                </a:solidFill>
-                <a:highlight>
-                  <a:srgbClr val="FFFFFF"/>
-                </a:highlight>
-                <a:latin typeface="Cascadia Mono" panose="020B0609020000020004" pitchFamily="49" charset="0"/>
-              </a:rPr>
-              <a:t>="clr-namespace:WpfApp1"</a:t>
-            </a:r>
-            <a:endParaRPr lang="en-US" sz="2300" dirty="0">
+            <a:endParaRPr lang="ru-RU" sz="2400" dirty="0">
               <a:solidFill>
                 <a:srgbClr val="000000"/>
               </a:solidFill>
@@ -15014,66 +15002,30 @@
           </a:p>
           <a:p>
             <a:r>
-              <a:rPr lang="ru-RU" sz="2300" dirty="0" smtClean="0">
-                <a:solidFill>
-                  <a:srgbClr val="FF0000"/>
-                </a:solidFill>
-                <a:highlight>
-                  <a:srgbClr val="FFFFFF"/>
-                </a:highlight>
-                <a:latin typeface="Cascadia Mono" panose="020B0609020000020004" pitchFamily="49" charset="0"/>
-              </a:rPr>
-              <a:t>	</a:t>
-            </a:r>
-            <a:r>
-              <a:rPr lang="en-US" sz="2300" dirty="0" err="1" smtClean="0">
-                <a:solidFill>
-                  <a:srgbClr val="FF0000"/>
-                </a:solidFill>
-                <a:highlight>
-                  <a:srgbClr val="FFFFFF"/>
-                </a:highlight>
-                <a:latin typeface="Cascadia Mono" panose="020B0609020000020004" pitchFamily="49" charset="0"/>
-              </a:rPr>
-              <a:t>mc</a:t>
-            </a:r>
-            <a:r>
-              <a:rPr lang="en-US" sz="2300" dirty="0" err="1" smtClean="0">
-                <a:solidFill>
-                  <a:srgbClr val="0000FF"/>
-                </a:solidFill>
-                <a:highlight>
-                  <a:srgbClr val="FFFFFF"/>
-                </a:highlight>
-                <a:latin typeface="Cascadia Mono" panose="020B0609020000020004" pitchFamily="49" charset="0"/>
-              </a:rPr>
-              <a:t>:</a:t>
-            </a:r>
-            <a:r>
-              <a:rPr lang="en-US" sz="2300" dirty="0" err="1" smtClean="0">
-                <a:solidFill>
-                  <a:srgbClr val="FF0000"/>
-                </a:solidFill>
-                <a:highlight>
-                  <a:srgbClr val="FFFFFF"/>
-                </a:highlight>
-                <a:latin typeface="Cascadia Mono" panose="020B0609020000020004" pitchFamily="49" charset="0"/>
-              </a:rPr>
-              <a:t>Ignorable</a:t>
-            </a:r>
-            <a:r>
-              <a:rPr lang="en-US" sz="2300" dirty="0">
-                <a:solidFill>
-                  <a:srgbClr val="0000FF"/>
-                </a:solidFill>
-                <a:highlight>
-                  <a:srgbClr val="FFFFFF"/>
-                </a:highlight>
-                <a:latin typeface="Cascadia Mono" panose="020B0609020000020004" pitchFamily="49" charset="0"/>
-              </a:rPr>
-              <a:t>="d"</a:t>
-            </a:r>
-            <a:endParaRPr lang="en-US" sz="2300" dirty="0">
+              <a:rPr lang="ru-RU" sz="2400" dirty="0" smtClean="0">
+                <a:solidFill>
+                  <a:srgbClr val="008000"/>
+                </a:solidFill>
+                <a:highlight>
+                  <a:srgbClr val="FFFFFF"/>
+                </a:highlight>
+                <a:latin typeface="Cascadia Mono" panose="020B0609020000020004" pitchFamily="49" charset="0"/>
+              </a:rPr>
+              <a:t>	&lt;!-- </a:t>
+            </a:r>
+            <a:r>
+              <a:rPr lang="ru-RU" sz="2400" dirty="0">
+                <a:solidFill>
+                  <a:srgbClr val="008000"/>
+                </a:solidFill>
+                <a:highlight>
+                  <a:srgbClr val="FFFFFF"/>
+                </a:highlight>
+                <a:latin typeface="Cascadia Mono" panose="020B0609020000020004" pitchFamily="49" charset="0"/>
+              </a:rPr>
+              <a:t>Отображаем вычисляемое свойство --&gt;</a:t>
+            </a:r>
+            <a:endParaRPr lang="ru-RU" sz="2400" dirty="0">
               <a:solidFill>
                 <a:srgbClr val="000000"/>
               </a:solidFill>
@@ -15085,7 +15037,43 @@
           </a:p>
           <a:p>
             <a:r>
-              <a:rPr lang="ru-RU" sz="2300" dirty="0" smtClean="0">
+              <a:rPr lang="ru-RU" sz="2400" dirty="0" smtClean="0">
+                <a:solidFill>
+                  <a:srgbClr val="0000FF"/>
+                </a:solidFill>
+                <a:highlight>
+                  <a:srgbClr val="FFFFFF"/>
+                </a:highlight>
+                <a:latin typeface="Cascadia Mono" panose="020B0609020000020004" pitchFamily="49" charset="0"/>
+              </a:rPr>
+              <a:t>	</a:t>
+            </a:r>
+            <a:r>
+              <a:rPr lang="en-US" sz="2400" dirty="0" smtClean="0">
+                <a:solidFill>
+                  <a:srgbClr val="0000FF"/>
+                </a:solidFill>
+                <a:highlight>
+                  <a:srgbClr val="FFFFFF"/>
+                </a:highlight>
+                <a:latin typeface="Cascadia Mono" panose="020B0609020000020004" pitchFamily="49" charset="0"/>
+              </a:rPr>
+              <a:t>&lt;</a:t>
+            </a:r>
+            <a:r>
+              <a:rPr lang="en-US" sz="2400" dirty="0" err="1">
+                <a:solidFill>
+                  <a:srgbClr val="A31515"/>
+                </a:solidFill>
+                <a:highlight>
+                  <a:srgbClr val="FFFFFF"/>
+                </a:highlight>
+                <a:latin typeface="Cascadia Mono" panose="020B0609020000020004" pitchFamily="49" charset="0"/>
+              </a:rPr>
+              <a:t>TextBlock</a:t>
+            </a:r>
+            <a:r>
+              <a:rPr lang="en-US" sz="2400" dirty="0">
                 <a:solidFill>
                   <a:srgbClr val="FF0000"/>
                 </a:solidFill>
@@ -15094,10 +15082,34 @@
                 </a:highlight>
                 <a:latin typeface="Cascadia Mono" panose="020B0609020000020004" pitchFamily="49" charset="0"/>
               </a:rPr>
-              <a:t>	</a:t>
-            </a:r>
-            <a:r>
-              <a:rPr lang="en-US" sz="2300" dirty="0" smtClean="0">
+              <a:t> Text</a:t>
+            </a:r>
+            <a:r>
+              <a:rPr lang="en-US" sz="2400" dirty="0">
+                <a:solidFill>
+                  <a:srgbClr val="0000FF"/>
+                </a:solidFill>
+                <a:highlight>
+                  <a:srgbClr val="FFFFFF"/>
+                </a:highlight>
+                <a:latin typeface="Cascadia Mono" panose="020B0609020000020004" pitchFamily="49" charset="0"/>
+              </a:rPr>
+              <a:t>="{</a:t>
+            </a:r>
+            <a:r>
+              <a:rPr lang="en-US" sz="2400" dirty="0">
+                <a:solidFill>
+                  <a:srgbClr val="A31515"/>
+                </a:solidFill>
+                <a:highlight>
+                  <a:srgbClr val="FFFFFF"/>
+                </a:highlight>
+                <a:latin typeface="Cascadia Mono" panose="020B0609020000020004" pitchFamily="49" charset="0"/>
+              </a:rPr>
+              <a:t>Binding</a:t>
+            </a:r>
+            <a:r>
+              <a:rPr lang="en-US" sz="2400" dirty="0">
                 <a:solidFill>
                   <a:srgbClr val="FF0000"/>
                 </a:solidFill>
@@ -15106,10 +15118,22 @@
                 </a:highlight>
                 <a:latin typeface="Cascadia Mono" panose="020B0609020000020004" pitchFamily="49" charset="0"/>
               </a:rPr>
-              <a:t>Title</a:t>
-            </a:r>
-            <a:r>
-              <a:rPr lang="en-US" sz="2300" dirty="0">
+              <a:t> </a:t>
+            </a:r>
+            <a:r>
+              <a:rPr lang="en-US" sz="2400" dirty="0" err="1">
+                <a:solidFill>
+                  <a:srgbClr val="FF0000"/>
+                </a:solidFill>
+                <a:highlight>
+                  <a:srgbClr val="FFFFFF"/>
+                </a:highlight>
+                <a:latin typeface="Cascadia Mono" panose="020B0609020000020004" pitchFamily="49" charset="0"/>
+              </a:rPr>
+              <a:t>DisplayText</a:t>
+            </a:r>
+            <a:r>
+              <a:rPr lang="en-US" sz="2400" dirty="0" smtClean="0">
                 <a:solidFill>
                   <a:srgbClr val="0000FF"/>
                 </a:solidFill>
@@ -15118,140 +15142,7 @@
                 </a:highlight>
                 <a:latin typeface="Cascadia Mono" panose="020B0609020000020004" pitchFamily="49" charset="0"/>
               </a:rPr>
-              <a:t>="WPF MVVM"</a:t>
-            </a:r>
-            <a:r>
-              <a:rPr lang="en-US" sz="2300" dirty="0">
-                <a:solidFill>
-                  <a:srgbClr val="FF0000"/>
-                </a:solidFill>
-                <a:highlight>
-                  <a:srgbClr val="FFFFFF"/>
-                </a:highlight>
-                <a:latin typeface="Cascadia Mono" panose="020B0609020000020004" pitchFamily="49" charset="0"/>
-              </a:rPr>
-              <a:t> Height</a:t>
-            </a:r>
-            <a:r>
-              <a:rPr lang="en-US" sz="2300" dirty="0">
-                <a:solidFill>
-                  <a:srgbClr val="0000FF"/>
-                </a:solidFill>
-                <a:highlight>
-                  <a:srgbClr val="FFFFFF"/>
-                </a:highlight>
-                <a:latin typeface="Cascadia Mono" panose="020B0609020000020004" pitchFamily="49" charset="0"/>
-              </a:rPr>
-              <a:t>="200"</a:t>
-            </a:r>
-            <a:r>
-              <a:rPr lang="en-US" sz="2300" dirty="0">
-                <a:solidFill>
-                  <a:srgbClr val="FF0000"/>
-                </a:solidFill>
-                <a:highlight>
-                  <a:srgbClr val="FFFFFF"/>
-                </a:highlight>
-                <a:latin typeface="Cascadia Mono" panose="020B0609020000020004" pitchFamily="49" charset="0"/>
-              </a:rPr>
-              <a:t> Width</a:t>
-            </a:r>
-            <a:r>
-              <a:rPr lang="en-US" sz="2300" dirty="0">
-                <a:solidFill>
-                  <a:srgbClr val="0000FF"/>
-                </a:solidFill>
-                <a:highlight>
-                  <a:srgbClr val="FFFFFF"/>
-                </a:highlight>
-                <a:latin typeface="Cascadia Mono" panose="020B0609020000020004" pitchFamily="49" charset="0"/>
-              </a:rPr>
-              <a:t>="300"&gt;</a:t>
-            </a:r>
-            <a:endParaRPr lang="en-US" sz="2300" dirty="0">
-              <a:solidFill>
-                <a:srgbClr val="000000"/>
-              </a:solidFill>
-              <a:highlight>
-                <a:srgbClr val="FFFFFF"/>
-              </a:highlight>
-              <a:latin typeface="Cascadia Mono" panose="020B0609020000020004" pitchFamily="49" charset="0"/>
-            </a:endParaRPr>
-          </a:p>
-          <a:p>
-            <a:r>
-              <a:rPr lang="en-US" sz="2400" dirty="0" smtClean="0">
-                <a:solidFill>
-                  <a:srgbClr val="00B050"/>
-                </a:solidFill>
-                <a:highlight>
-                  <a:srgbClr val="FFFFFF"/>
-                </a:highlight>
-                <a:latin typeface="Cascadia Mono" panose="020B0609020000020004" pitchFamily="49" charset="0"/>
-              </a:rPr>
-              <a:t>	</a:t>
-            </a:r>
-            <a:r>
-              <a:rPr lang="ru-RU" sz="2400" dirty="0">
-                <a:solidFill>
-                  <a:srgbClr val="00B050"/>
-                </a:solidFill>
-                <a:highlight>
-                  <a:srgbClr val="FFFFFF"/>
-                </a:highlight>
-                <a:latin typeface="Cascadia Mono" panose="020B0609020000020004" pitchFamily="49" charset="0"/>
-              </a:rPr>
-              <a:t>&lt;!-- Содержимое </a:t>
-            </a:r>
-            <a:r>
-              <a:rPr lang="ru-RU" sz="2400" dirty="0" smtClean="0">
-                <a:solidFill>
-                  <a:srgbClr val="00B050"/>
-                </a:solidFill>
-                <a:highlight>
-                  <a:srgbClr val="FFFFFF"/>
-                </a:highlight>
-                <a:latin typeface="Cascadia Mono" panose="020B0609020000020004" pitchFamily="49" charset="0"/>
-              </a:rPr>
-              <a:t>далее --&gt;</a:t>
-            </a:r>
-          </a:p>
-          <a:p>
-            <a:r>
-              <a:rPr lang="en-US" sz="2400" dirty="0" smtClean="0">
-                <a:solidFill>
-                  <a:srgbClr val="0000FF"/>
-                </a:solidFill>
-                <a:highlight>
-                  <a:srgbClr val="FFFFFF"/>
-                </a:highlight>
-                <a:latin typeface="Cascadia Mono" panose="020B0609020000020004" pitchFamily="49" charset="0"/>
-              </a:rPr>
-              <a:t>&lt;/</a:t>
-            </a:r>
-            <a:r>
-              <a:rPr lang="en-US" sz="2400" dirty="0">
-                <a:solidFill>
-                  <a:srgbClr val="A31515"/>
-                </a:solidFill>
-                <a:highlight>
-                  <a:srgbClr val="FFFFFF"/>
-                </a:highlight>
-                <a:latin typeface="Cascadia Mono" panose="020B0609020000020004" pitchFamily="49" charset="0"/>
-              </a:rPr>
-              <a:t>Window</a:t>
-            </a:r>
-            <a:r>
-              <a:rPr lang="en-US" sz="2400" dirty="0" smtClean="0">
-                <a:solidFill>
-                  <a:srgbClr val="0000FF"/>
-                </a:solidFill>
-                <a:highlight>
-                  <a:srgbClr val="FFFFFF"/>
-                </a:highlight>
-                <a:latin typeface="Cascadia Mono" panose="020B0609020000020004" pitchFamily="49" charset="0"/>
-              </a:rPr>
-              <a:t>&gt;</a:t>
+              <a:t>}"</a:t>
             </a:r>
             <a:endParaRPr lang="ru-RU" sz="2400" dirty="0" smtClean="0">
               <a:solidFill>
@@ -15265,22 +15156,621 @@
           </a:p>
           <a:p>
             <a:r>
-              <a:rPr lang="ru-RU" sz="2400" dirty="0">
-                <a:latin typeface="Bookman Old Style" panose="02050604050505020204" pitchFamily="18" charset="0"/>
-              </a:rPr>
-              <a:t>Важно чтобы совпадало название класса (</a:t>
+              <a:rPr lang="ru-RU" sz="2400" dirty="0" smtClean="0">
+                <a:solidFill>
+                  <a:srgbClr val="FF0000"/>
+                </a:solidFill>
+                <a:highlight>
+                  <a:srgbClr val="FFFFFF"/>
+                </a:highlight>
+                <a:latin typeface="Cascadia Mono" panose="020B0609020000020004" pitchFamily="49" charset="0"/>
+              </a:rPr>
+              <a:t>				 	 </a:t>
+            </a:r>
+            <a:r>
+              <a:rPr lang="en-US" sz="2400" dirty="0" err="1" smtClean="0">
+                <a:solidFill>
+                  <a:srgbClr val="FF0000"/>
+                </a:solidFill>
+                <a:highlight>
+                  <a:srgbClr val="FFFFFF"/>
+                </a:highlight>
+                <a:latin typeface="Cascadia Mono" panose="020B0609020000020004" pitchFamily="49" charset="0"/>
+              </a:rPr>
+              <a:t>FontSize</a:t>
+            </a:r>
+            <a:r>
+              <a:rPr lang="en-US" sz="2400" dirty="0">
+                <a:solidFill>
+                  <a:srgbClr val="0000FF"/>
+                </a:solidFill>
+                <a:highlight>
+                  <a:srgbClr val="FFFFFF"/>
+                </a:highlight>
+                <a:latin typeface="Cascadia Mono" panose="020B0609020000020004" pitchFamily="49" charset="0"/>
+              </a:rPr>
+              <a:t>="16"</a:t>
+            </a:r>
+            <a:r>
+              <a:rPr lang="en-US" sz="2400" dirty="0">
+                <a:solidFill>
+                  <a:srgbClr val="FF0000"/>
+                </a:solidFill>
+                <a:highlight>
+                  <a:srgbClr val="FFFFFF"/>
+                </a:highlight>
+                <a:latin typeface="Cascadia Mono" panose="020B0609020000020004" pitchFamily="49" charset="0"/>
+              </a:rPr>
+              <a:t> </a:t>
             </a:r>
             <a:r>
               <a:rPr lang="en-US" sz="2400" dirty="0" err="1">
-                <a:latin typeface="Bookman Old Style" panose="02050604050505020204" pitchFamily="18" charset="0"/>
-              </a:rPr>
-              <a:t>MainWindow</a:t>
-            </a:r>
-            <a:r>
-              <a:rPr lang="ru-RU" sz="2400" dirty="0">
-                <a:latin typeface="Bookman Old Style" panose="02050604050505020204" pitchFamily="18" charset="0"/>
-              </a:rPr>
-              <a:t>)</a:t>
+                <a:solidFill>
+                  <a:srgbClr val="FF0000"/>
+                </a:solidFill>
+                <a:highlight>
+                  <a:srgbClr val="FFFFFF"/>
+                </a:highlight>
+                <a:latin typeface="Cascadia Mono" panose="020B0609020000020004" pitchFamily="49" charset="0"/>
+              </a:rPr>
+              <a:t>FontWeight</a:t>
+            </a:r>
+            <a:r>
+              <a:rPr lang="en-US" sz="2400" dirty="0">
+                <a:solidFill>
+                  <a:srgbClr val="0000FF"/>
+                </a:solidFill>
+                <a:highlight>
+                  <a:srgbClr val="FFFFFF"/>
+                </a:highlight>
+                <a:latin typeface="Cascadia Mono" panose="020B0609020000020004" pitchFamily="49" charset="0"/>
+              </a:rPr>
+              <a:t>="</a:t>
+            </a:r>
+            <a:r>
+              <a:rPr lang="en-US" sz="2400" dirty="0" smtClean="0">
+                <a:solidFill>
+                  <a:srgbClr val="0000FF"/>
+                </a:solidFill>
+                <a:highlight>
+                  <a:srgbClr val="FFFFFF"/>
+                </a:highlight>
+                <a:latin typeface="Cascadia Mono" panose="020B0609020000020004" pitchFamily="49" charset="0"/>
+              </a:rPr>
+              <a:t>Bold</a:t>
+            </a:r>
+            <a:r>
+              <a:rPr lang="en-US" sz="2400" dirty="0">
+                <a:solidFill>
+                  <a:srgbClr val="0000FF"/>
+                </a:solidFill>
+                <a:highlight>
+                  <a:srgbClr val="FFFFFF"/>
+                </a:highlight>
+                <a:latin typeface="Cascadia Mono" panose="020B0609020000020004" pitchFamily="49" charset="0"/>
+              </a:rPr>
+              <a:t>"</a:t>
+            </a:r>
+            <a:r>
+              <a:rPr lang="ru-RU" sz="2400" dirty="0" smtClean="0">
+                <a:solidFill>
+                  <a:srgbClr val="0000FF"/>
+                </a:solidFill>
+                <a:highlight>
+                  <a:srgbClr val="FFFFFF"/>
+                </a:highlight>
+                <a:latin typeface="Cascadia Mono" panose="020B0609020000020004" pitchFamily="49" charset="0"/>
+              </a:rPr>
+              <a:t> </a:t>
+            </a:r>
+            <a:r>
+              <a:rPr lang="en-US" sz="2400" dirty="0" smtClean="0">
+                <a:solidFill>
+                  <a:srgbClr val="FF0000"/>
+                </a:solidFill>
+                <a:highlight>
+                  <a:srgbClr val="FFFFFF"/>
+                </a:highlight>
+                <a:latin typeface="Cascadia Mono" panose="020B0609020000020004" pitchFamily="49" charset="0"/>
+              </a:rPr>
+              <a:t>Foreground</a:t>
+            </a:r>
+            <a:r>
+              <a:rPr lang="en-US" sz="2400" dirty="0" smtClean="0">
+                <a:solidFill>
+                  <a:srgbClr val="0000FF"/>
+                </a:solidFill>
+                <a:highlight>
+                  <a:srgbClr val="FFFFFF"/>
+                </a:highlight>
+                <a:latin typeface="Cascadia Mono" panose="020B0609020000020004" pitchFamily="49" charset="0"/>
+              </a:rPr>
+              <a:t>="Blue</a:t>
+            </a:r>
+            <a:r>
+              <a:rPr lang="en-US" sz="2400" dirty="0">
+                <a:solidFill>
+                  <a:srgbClr val="0000FF"/>
+                </a:solidFill>
+                <a:highlight>
+                  <a:srgbClr val="FFFFFF"/>
+                </a:highlight>
+                <a:latin typeface="Cascadia Mono" panose="020B0609020000020004" pitchFamily="49" charset="0"/>
+              </a:rPr>
+              <a:t>"</a:t>
+            </a:r>
+            <a:endParaRPr lang="ru-RU" sz="2400" dirty="0" smtClean="0">
+              <a:solidFill>
+                <a:srgbClr val="0000FF"/>
+              </a:solidFill>
+              <a:highlight>
+                <a:srgbClr val="FFFFFF"/>
+              </a:highlight>
+              <a:latin typeface="Cascadia Mono" panose="020B0609020000020004" pitchFamily="49" charset="0"/>
+            </a:endParaRPr>
+          </a:p>
+          <a:p>
+            <a:r>
+              <a:rPr lang="ru-RU" sz="2400" dirty="0">
+                <a:solidFill>
+                  <a:srgbClr val="0000FF"/>
+                </a:solidFill>
+                <a:highlight>
+                  <a:srgbClr val="FFFFFF"/>
+                </a:highlight>
+                <a:latin typeface="Cascadia Mono" panose="020B0609020000020004" pitchFamily="49" charset="0"/>
+              </a:rPr>
+              <a:t>	</a:t>
+            </a:r>
+            <a:r>
+              <a:rPr lang="ru-RU" sz="2400" dirty="0" smtClean="0">
+                <a:solidFill>
+                  <a:srgbClr val="0000FF"/>
+                </a:solidFill>
+                <a:highlight>
+                  <a:srgbClr val="FFFFFF"/>
+                </a:highlight>
+                <a:latin typeface="Cascadia Mono" panose="020B0609020000020004" pitchFamily="49" charset="0"/>
+              </a:rPr>
+              <a:t>				 </a:t>
+            </a:r>
+            <a:r>
+              <a:rPr lang="en-US" sz="2400" dirty="0" smtClean="0">
+                <a:solidFill>
+                  <a:srgbClr val="FF0000"/>
+                </a:solidFill>
+                <a:highlight>
+                  <a:srgbClr val="FFFFFF"/>
+                </a:highlight>
+                <a:latin typeface="Cascadia Mono" panose="020B0609020000020004" pitchFamily="49" charset="0"/>
+              </a:rPr>
+              <a:t>Margin</a:t>
+            </a:r>
+            <a:r>
+              <a:rPr lang="en-US" sz="2400" dirty="0" smtClean="0">
+                <a:solidFill>
+                  <a:srgbClr val="0000FF"/>
+                </a:solidFill>
+                <a:highlight>
+                  <a:srgbClr val="FFFFFF"/>
+                </a:highlight>
+                <a:latin typeface="Cascadia Mono" panose="020B0609020000020004" pitchFamily="49" charset="0"/>
+              </a:rPr>
+              <a:t>="5"/&gt;</a:t>
+            </a:r>
+            <a:endParaRPr lang="en-US" sz="2400" dirty="0" smtClean="0">
+              <a:solidFill>
+                <a:srgbClr val="000000"/>
+              </a:solidFill>
+              <a:highlight>
+                <a:srgbClr val="FFFFFF"/>
+              </a:highlight>
+              <a:latin typeface="Cascadia Mono" panose="020B0609020000020004" pitchFamily="49" charset="0"/>
+            </a:endParaRPr>
+          </a:p>
+          <a:p>
+            <a:endParaRPr lang="ru-RU" sz="2400" dirty="0" smtClean="0">
+              <a:solidFill>
+                <a:srgbClr val="000000"/>
+              </a:solidFill>
+              <a:highlight>
+                <a:srgbClr val="FFFFFF"/>
+              </a:highlight>
+              <a:latin typeface="Cascadia Mono" panose="020B0609020000020004" pitchFamily="49" charset="0"/>
+            </a:endParaRPr>
+          </a:p>
+          <a:p>
+            <a:r>
+              <a:rPr lang="ru-RU" sz="2400" dirty="0" smtClean="0">
+                <a:solidFill>
+                  <a:srgbClr val="008000"/>
+                </a:solidFill>
+                <a:highlight>
+                  <a:srgbClr val="FFFFFF"/>
+                </a:highlight>
+                <a:latin typeface="Cascadia Mono" panose="020B0609020000020004" pitchFamily="49" charset="0"/>
+              </a:rPr>
+              <a:t>	&lt;!-- Кнопка вызывает команду --&gt;</a:t>
+            </a:r>
+            <a:endParaRPr lang="ru-RU" sz="2400" dirty="0" smtClean="0">
+              <a:solidFill>
+                <a:srgbClr val="000000"/>
+              </a:solidFill>
+              <a:highlight>
+                <a:srgbClr val="FFFFFF"/>
+              </a:highlight>
+              <a:latin typeface="Cascadia Mono" panose="020B0609020000020004" pitchFamily="49" charset="0"/>
+            </a:endParaRPr>
+          </a:p>
+          <a:p>
+            <a:r>
+              <a:rPr lang="ru-RU" sz="2400" dirty="0" smtClean="0">
+                <a:solidFill>
+                  <a:srgbClr val="0000FF"/>
+                </a:solidFill>
+                <a:highlight>
+                  <a:srgbClr val="FFFFFF"/>
+                </a:highlight>
+                <a:latin typeface="Cascadia Mono" panose="020B0609020000020004" pitchFamily="49" charset="0"/>
+              </a:rPr>
+              <a:t>	</a:t>
+            </a:r>
+            <a:r>
+              <a:rPr lang="en-US" sz="2400" dirty="0" smtClean="0">
+                <a:solidFill>
+                  <a:srgbClr val="0000FF"/>
+                </a:solidFill>
+                <a:highlight>
+                  <a:srgbClr val="FFFFFF"/>
+                </a:highlight>
+                <a:latin typeface="Cascadia Mono" panose="020B0609020000020004" pitchFamily="49" charset="0"/>
+              </a:rPr>
+              <a:t>&lt;</a:t>
+            </a:r>
+            <a:r>
+              <a:rPr lang="en-US" sz="2400" dirty="0">
+                <a:solidFill>
+                  <a:srgbClr val="A31515"/>
+                </a:solidFill>
+                <a:highlight>
+                  <a:srgbClr val="FFFFFF"/>
+                </a:highlight>
+                <a:latin typeface="Cascadia Mono" panose="020B0609020000020004" pitchFamily="49" charset="0"/>
+              </a:rPr>
+              <a:t>Button</a:t>
+            </a:r>
+            <a:r>
+              <a:rPr lang="en-US" sz="2400" dirty="0">
+                <a:solidFill>
+                  <a:srgbClr val="FF0000"/>
+                </a:solidFill>
+                <a:highlight>
+                  <a:srgbClr val="FFFFFF"/>
+                </a:highlight>
+                <a:latin typeface="Cascadia Mono" panose="020B0609020000020004" pitchFamily="49" charset="0"/>
+              </a:rPr>
+              <a:t> Content</a:t>
+            </a:r>
+            <a:r>
+              <a:rPr lang="en-US" sz="2400" dirty="0">
+                <a:solidFill>
+                  <a:srgbClr val="0000FF"/>
+                </a:solidFill>
+                <a:highlight>
+                  <a:srgbClr val="FFFFFF"/>
+                </a:highlight>
+                <a:latin typeface="Cascadia Mono" panose="020B0609020000020004" pitchFamily="49" charset="0"/>
+              </a:rPr>
+              <a:t>="</a:t>
+            </a:r>
+            <a:r>
+              <a:rPr lang="ru-RU" sz="2400" dirty="0">
+                <a:solidFill>
+                  <a:srgbClr val="0000FF"/>
+                </a:solidFill>
+                <a:highlight>
+                  <a:srgbClr val="FFFFFF"/>
+                </a:highlight>
+                <a:latin typeface="Cascadia Mono" panose="020B0609020000020004" pitchFamily="49" charset="0"/>
+              </a:rPr>
+              <a:t>Нажми меня</a:t>
+            </a:r>
+            <a:r>
+              <a:rPr lang="ru-RU" sz="2400" dirty="0" smtClean="0">
+                <a:solidFill>
+                  <a:srgbClr val="0000FF"/>
+                </a:solidFill>
+                <a:highlight>
+                  <a:srgbClr val="FFFFFF"/>
+                </a:highlight>
+                <a:latin typeface="Cascadia Mono" panose="020B0609020000020004" pitchFamily="49" charset="0"/>
+              </a:rPr>
+              <a:t>!</a:t>
+            </a:r>
+            <a:r>
+              <a:rPr lang="en-US" sz="2400" dirty="0" smtClean="0">
+                <a:solidFill>
+                  <a:srgbClr val="0000FF"/>
+                </a:solidFill>
+                <a:highlight>
+                  <a:srgbClr val="FFFFFF"/>
+                </a:highlight>
+                <a:latin typeface="Cascadia Mono" panose="020B0609020000020004" pitchFamily="49" charset="0"/>
+              </a:rPr>
+              <a:t>"</a:t>
+            </a:r>
+            <a:endParaRPr lang="ru-RU" sz="2400" dirty="0" smtClean="0">
+              <a:solidFill>
+                <a:srgbClr val="FF0000"/>
+              </a:solidFill>
+              <a:highlight>
+                <a:srgbClr val="FFFFFF"/>
+              </a:highlight>
+              <a:latin typeface="Cascadia Mono" panose="020B0609020000020004" pitchFamily="49" charset="0"/>
+            </a:endParaRPr>
+          </a:p>
+          <a:p>
+            <a:r>
+              <a:rPr lang="ru-RU" sz="2400" dirty="0" smtClean="0">
+                <a:solidFill>
+                  <a:srgbClr val="FF0000"/>
+                </a:solidFill>
+                <a:highlight>
+                  <a:srgbClr val="FFFFFF"/>
+                </a:highlight>
+                <a:latin typeface="Cascadia Mono" panose="020B0609020000020004" pitchFamily="49" charset="0"/>
+              </a:rPr>
+              <a:t>				</a:t>
+            </a:r>
+            <a:r>
+              <a:rPr lang="en-US" sz="2400" dirty="0" smtClean="0">
+                <a:solidFill>
+                  <a:srgbClr val="FF0000"/>
+                </a:solidFill>
+                <a:highlight>
+                  <a:srgbClr val="FFFFFF"/>
+                </a:highlight>
+                <a:latin typeface="Cascadia Mono" panose="020B0609020000020004" pitchFamily="49" charset="0"/>
+              </a:rPr>
+              <a:t>Command</a:t>
+            </a:r>
+            <a:r>
+              <a:rPr lang="en-US" sz="2400" dirty="0">
+                <a:solidFill>
+                  <a:srgbClr val="0000FF"/>
+                </a:solidFill>
+                <a:highlight>
+                  <a:srgbClr val="FFFFFF"/>
+                </a:highlight>
+                <a:latin typeface="Cascadia Mono" panose="020B0609020000020004" pitchFamily="49" charset="0"/>
+              </a:rPr>
+              <a:t>="{</a:t>
+            </a:r>
+            <a:r>
+              <a:rPr lang="en-US" sz="2400" dirty="0">
+                <a:solidFill>
+                  <a:srgbClr val="A31515"/>
+                </a:solidFill>
+                <a:highlight>
+                  <a:srgbClr val="FFFFFF"/>
+                </a:highlight>
+                <a:latin typeface="Cascadia Mono" panose="020B0609020000020004" pitchFamily="49" charset="0"/>
+              </a:rPr>
+              <a:t>Binding</a:t>
+            </a:r>
+            <a:r>
+              <a:rPr lang="en-US" sz="2400" dirty="0">
+                <a:solidFill>
+                  <a:srgbClr val="FF0000"/>
+                </a:solidFill>
+                <a:highlight>
+                  <a:srgbClr val="FFFFFF"/>
+                </a:highlight>
+                <a:latin typeface="Cascadia Mono" panose="020B0609020000020004" pitchFamily="49" charset="0"/>
+              </a:rPr>
+              <a:t> </a:t>
+            </a:r>
+            <a:r>
+              <a:rPr lang="en-US" sz="2400" dirty="0" err="1">
+                <a:solidFill>
+                  <a:srgbClr val="FF0000"/>
+                </a:solidFill>
+                <a:highlight>
+                  <a:srgbClr val="FFFFFF"/>
+                </a:highlight>
+                <a:latin typeface="Cascadia Mono" panose="020B0609020000020004" pitchFamily="49" charset="0"/>
+              </a:rPr>
+              <a:t>ClickCommand</a:t>
+            </a:r>
+            <a:r>
+              <a:rPr lang="en-US" sz="2400" dirty="0" smtClean="0">
+                <a:solidFill>
+                  <a:srgbClr val="0000FF"/>
+                </a:solidFill>
+                <a:highlight>
+                  <a:srgbClr val="FFFFFF"/>
+                </a:highlight>
+                <a:latin typeface="Cascadia Mono" panose="020B0609020000020004" pitchFamily="49" charset="0"/>
+              </a:rPr>
+              <a:t>}"</a:t>
+            </a:r>
+            <a:endParaRPr lang="ru-RU" sz="2400" dirty="0" smtClean="0">
+              <a:solidFill>
+                <a:srgbClr val="0000FF"/>
+              </a:solidFill>
+              <a:highlight>
+                <a:srgbClr val="FFFFFF"/>
+              </a:highlight>
+              <a:latin typeface="Cascadia Mono" panose="020B0609020000020004" pitchFamily="49" charset="0"/>
+            </a:endParaRPr>
+          </a:p>
+          <a:p>
+            <a:r>
+              <a:rPr lang="ru-RU" sz="2400" dirty="0">
+                <a:solidFill>
+                  <a:srgbClr val="000000"/>
+                </a:solidFill>
+                <a:highlight>
+                  <a:srgbClr val="FFFFFF"/>
+                </a:highlight>
+                <a:latin typeface="Cascadia Mono" panose="020B0609020000020004" pitchFamily="49" charset="0"/>
+              </a:rPr>
+              <a:t>	</a:t>
+            </a:r>
+            <a:r>
+              <a:rPr lang="ru-RU" sz="2400" dirty="0" smtClean="0">
+                <a:solidFill>
+                  <a:srgbClr val="000000"/>
+                </a:solidFill>
+                <a:highlight>
+                  <a:srgbClr val="FFFFFF"/>
+                </a:highlight>
+                <a:latin typeface="Cascadia Mono" panose="020B0609020000020004" pitchFamily="49" charset="0"/>
+              </a:rPr>
+              <a:t>			</a:t>
+            </a:r>
+            <a:r>
+              <a:rPr lang="en-US" sz="2400" dirty="0" smtClean="0">
+                <a:solidFill>
+                  <a:srgbClr val="FF0000"/>
+                </a:solidFill>
+                <a:highlight>
+                  <a:srgbClr val="FFFFFF"/>
+                </a:highlight>
+                <a:latin typeface="Cascadia Mono" panose="020B0609020000020004" pitchFamily="49" charset="0"/>
+              </a:rPr>
+              <a:t>Background</a:t>
+            </a:r>
+            <a:r>
+              <a:rPr lang="en-US" sz="2400" dirty="0">
+                <a:solidFill>
+                  <a:srgbClr val="0000FF"/>
+                </a:solidFill>
+                <a:highlight>
+                  <a:srgbClr val="FFFFFF"/>
+                </a:highlight>
+                <a:latin typeface="Cascadia Mono" panose="020B0609020000020004" pitchFamily="49" charset="0"/>
+              </a:rPr>
+              <a:t>="</a:t>
+            </a:r>
+            <a:r>
+              <a:rPr lang="en-US" sz="2400" dirty="0" err="1">
+                <a:solidFill>
+                  <a:srgbClr val="0000FF"/>
+                </a:solidFill>
+                <a:highlight>
+                  <a:srgbClr val="FFFFFF"/>
+                </a:highlight>
+                <a:latin typeface="Cascadia Mono" panose="020B0609020000020004" pitchFamily="49" charset="0"/>
+              </a:rPr>
+              <a:t>LightGreen</a:t>
+            </a:r>
+            <a:r>
+              <a:rPr lang="en-US" sz="2400" dirty="0">
+                <a:solidFill>
+                  <a:srgbClr val="0000FF"/>
+                </a:solidFill>
+                <a:highlight>
+                  <a:srgbClr val="FFFFFF"/>
+                </a:highlight>
+                <a:latin typeface="Cascadia Mono" panose="020B0609020000020004" pitchFamily="49" charset="0"/>
+              </a:rPr>
+              <a:t>"</a:t>
+            </a:r>
+            <a:r>
+              <a:rPr lang="en-US" sz="2400" dirty="0">
+                <a:solidFill>
+                  <a:srgbClr val="FF0000"/>
+                </a:solidFill>
+                <a:highlight>
+                  <a:srgbClr val="FFFFFF"/>
+                </a:highlight>
+                <a:latin typeface="Cascadia Mono" panose="020B0609020000020004" pitchFamily="49" charset="0"/>
+              </a:rPr>
+              <a:t> Padding</a:t>
+            </a:r>
+            <a:r>
+              <a:rPr lang="en-US" sz="2400" dirty="0">
+                <a:solidFill>
+                  <a:srgbClr val="0000FF"/>
+                </a:solidFill>
+                <a:highlight>
+                  <a:srgbClr val="FFFFFF"/>
+                </a:highlight>
+                <a:latin typeface="Cascadia Mono" panose="020B0609020000020004" pitchFamily="49" charset="0"/>
+              </a:rPr>
+              <a:t>="10,5"</a:t>
+            </a:r>
+            <a:r>
+              <a:rPr lang="en-US" sz="2400" dirty="0">
+                <a:solidFill>
+                  <a:srgbClr val="FF0000"/>
+                </a:solidFill>
+                <a:highlight>
+                  <a:srgbClr val="FFFFFF"/>
+                </a:highlight>
+                <a:latin typeface="Cascadia Mono" panose="020B0609020000020004" pitchFamily="49" charset="0"/>
+              </a:rPr>
+              <a:t> Margin</a:t>
+            </a:r>
+            <a:r>
+              <a:rPr lang="en-US" sz="2400" dirty="0">
+                <a:solidFill>
+                  <a:srgbClr val="0000FF"/>
+                </a:solidFill>
+                <a:highlight>
+                  <a:srgbClr val="FFFFFF"/>
+                </a:highlight>
+                <a:latin typeface="Cascadia Mono" panose="020B0609020000020004" pitchFamily="49" charset="0"/>
+              </a:rPr>
+              <a:t>="5"/&gt;</a:t>
+            </a:r>
+            <a:endParaRPr lang="en-US" sz="2400" dirty="0">
+              <a:solidFill>
+                <a:srgbClr val="000000"/>
+              </a:solidFill>
+              <a:highlight>
+                <a:srgbClr val="FFFFFF"/>
+              </a:highlight>
+              <a:latin typeface="Cascadia Mono" panose="020B0609020000020004" pitchFamily="49" charset="0"/>
+            </a:endParaRPr>
+          </a:p>
+          <a:p>
+            <a:r>
+              <a:rPr lang="en-US" sz="2400" dirty="0" smtClean="0">
+                <a:solidFill>
+                  <a:srgbClr val="0000FF"/>
+                </a:solidFill>
+                <a:highlight>
+                  <a:srgbClr val="FFFFFF"/>
+                </a:highlight>
+                <a:latin typeface="Cascadia Mono" panose="020B0609020000020004" pitchFamily="49" charset="0"/>
+              </a:rPr>
+              <a:t>&lt;/</a:t>
+            </a:r>
+            <a:r>
+              <a:rPr lang="en-US" sz="2400" dirty="0" err="1">
+                <a:solidFill>
+                  <a:srgbClr val="A31515"/>
+                </a:solidFill>
+                <a:highlight>
+                  <a:srgbClr val="FFFFFF"/>
+                </a:highlight>
+                <a:latin typeface="Cascadia Mono" panose="020B0609020000020004" pitchFamily="49" charset="0"/>
+              </a:rPr>
+              <a:t>StackPanel</a:t>
+            </a:r>
+            <a:r>
+              <a:rPr lang="en-US" sz="2400" dirty="0">
+                <a:solidFill>
+                  <a:srgbClr val="0000FF"/>
+                </a:solidFill>
+                <a:highlight>
+                  <a:srgbClr val="FFFFFF"/>
+                </a:highlight>
+                <a:latin typeface="Cascadia Mono" panose="020B0609020000020004" pitchFamily="49" charset="0"/>
+              </a:rPr>
+              <a:t>&gt;</a:t>
             </a:r>
             <a:endParaRPr lang="en-US" sz="2400" dirty="0">
               <a:latin typeface="Bookman Old Style" panose="02050604050505020204" pitchFamily="18" charset="0"/>
@@ -15291,7 +15781,7 @@
     </p:spTree>
     <p:extLst>
       <p:ext uri="{BB962C8B-B14F-4D97-AF65-F5344CB8AC3E}">
-        <p14:creationId xmlns:p14="http://schemas.microsoft.com/office/powerpoint/2010/main" val="3433051646"/>
+        <p14:creationId xmlns:p14="http://schemas.microsoft.com/office/powerpoint/2010/main" val="2302649341"/>
       </p:ext>
     </p:extLst>
   </p:cSld>
@@ -15334,1349 +15824,6 @@
         <p:spPr>
           <a:xfrm>
             <a:off x="0" y="0"/>
-            <a:ext cx="12192000" cy="6740307"/>
-          </a:xfrm>
-          <a:prstGeom prst="rect">
-            <a:avLst/>
-          </a:prstGeom>
-        </p:spPr>
-        <p:txBody>
-          <a:bodyPr wrap="square" lIns="360000">
-            <a:spAutoFit/>
-          </a:bodyPr>
-          <a:lstStyle/>
-          <a:p>
-            <a:endParaRPr lang="ru-RU" sz="2400" dirty="0" smtClean="0">
-              <a:solidFill>
-                <a:srgbClr val="0000FF"/>
-              </a:solidFill>
-              <a:highlight>
-                <a:srgbClr val="FFFFFF"/>
-              </a:highlight>
-              <a:latin typeface="Cascadia Mono" panose="020B0609020000020004" pitchFamily="49" charset="0"/>
-            </a:endParaRPr>
-          </a:p>
-          <a:p>
-            <a:r>
-              <a:rPr lang="en-US" sz="2400" dirty="0" smtClean="0">
-                <a:solidFill>
-                  <a:srgbClr val="0000FF"/>
-                </a:solidFill>
-                <a:highlight>
-                  <a:srgbClr val="FFFFFF"/>
-                </a:highlight>
-                <a:latin typeface="Cascadia Mono" panose="020B0609020000020004" pitchFamily="49" charset="0"/>
-              </a:rPr>
-              <a:t>&lt;</a:t>
-            </a:r>
-            <a:r>
-              <a:rPr lang="en-US" sz="2400" dirty="0" err="1" smtClean="0">
-                <a:solidFill>
-                  <a:srgbClr val="A31515"/>
-                </a:solidFill>
-                <a:highlight>
-                  <a:srgbClr val="FFFFFF"/>
-                </a:highlight>
-                <a:latin typeface="Cascadia Mono" panose="020B0609020000020004" pitchFamily="49" charset="0"/>
-              </a:rPr>
-              <a:t>StackPanel</a:t>
-            </a:r>
-            <a:endParaRPr lang="ru-RU" sz="2400" dirty="0" smtClean="0">
-              <a:solidFill>
-                <a:srgbClr val="FF0000"/>
-              </a:solidFill>
-              <a:highlight>
-                <a:srgbClr val="FFFFFF"/>
-              </a:highlight>
-              <a:latin typeface="Cascadia Mono" panose="020B0609020000020004" pitchFamily="49" charset="0"/>
-            </a:endParaRPr>
-          </a:p>
-          <a:p>
-            <a:r>
-              <a:rPr lang="ru-RU" sz="2400" dirty="0" smtClean="0">
-                <a:solidFill>
-                  <a:srgbClr val="FF0000"/>
-                </a:solidFill>
-                <a:highlight>
-                  <a:srgbClr val="FFFFFF"/>
-                </a:highlight>
-                <a:latin typeface="Cascadia Mono" panose="020B0609020000020004" pitchFamily="49" charset="0"/>
-              </a:rPr>
-              <a:t>	</a:t>
-            </a:r>
-            <a:r>
-              <a:rPr lang="en-US" sz="2400" dirty="0" err="1" smtClean="0">
-                <a:solidFill>
-                  <a:srgbClr val="FF0000"/>
-                </a:solidFill>
-                <a:highlight>
-                  <a:srgbClr val="FFFFFF"/>
-                </a:highlight>
-                <a:latin typeface="Cascadia Mono" panose="020B0609020000020004" pitchFamily="49" charset="0"/>
-              </a:rPr>
-              <a:t>VerticalAlignment</a:t>
-            </a:r>
-            <a:r>
-              <a:rPr lang="en-US" sz="2400" dirty="0">
-                <a:solidFill>
-                  <a:srgbClr val="0000FF"/>
-                </a:solidFill>
-                <a:highlight>
-                  <a:srgbClr val="FFFFFF"/>
-                </a:highlight>
-                <a:latin typeface="Cascadia Mono" panose="020B0609020000020004" pitchFamily="49" charset="0"/>
-              </a:rPr>
-              <a:t>="Center"</a:t>
-            </a:r>
-            <a:r>
-              <a:rPr lang="en-US" sz="2400" dirty="0">
-                <a:solidFill>
-                  <a:srgbClr val="FF0000"/>
-                </a:solidFill>
-                <a:highlight>
-                  <a:srgbClr val="FFFFFF"/>
-                </a:highlight>
-                <a:latin typeface="Cascadia Mono" panose="020B0609020000020004" pitchFamily="49" charset="0"/>
-              </a:rPr>
-              <a:t> </a:t>
-            </a:r>
-            <a:r>
-              <a:rPr lang="en-US" sz="2400" dirty="0" err="1">
-                <a:solidFill>
-                  <a:srgbClr val="FF0000"/>
-                </a:solidFill>
-                <a:highlight>
-                  <a:srgbClr val="FFFFFF"/>
-                </a:highlight>
-                <a:latin typeface="Cascadia Mono" panose="020B0609020000020004" pitchFamily="49" charset="0"/>
-              </a:rPr>
-              <a:t>HorizontalAlignment</a:t>
-            </a:r>
-            <a:r>
-              <a:rPr lang="en-US" sz="2400" dirty="0">
-                <a:solidFill>
-                  <a:srgbClr val="0000FF"/>
-                </a:solidFill>
-                <a:highlight>
-                  <a:srgbClr val="FFFFFF"/>
-                </a:highlight>
-                <a:latin typeface="Cascadia Mono" panose="020B0609020000020004" pitchFamily="49" charset="0"/>
-              </a:rPr>
-              <a:t>="Center"&gt;</a:t>
-            </a:r>
-            <a:endParaRPr lang="en-US" sz="2400" dirty="0">
-              <a:solidFill>
-                <a:srgbClr val="000000"/>
-              </a:solidFill>
-              <a:highlight>
-                <a:srgbClr val="FFFFFF"/>
-              </a:highlight>
-              <a:latin typeface="Cascadia Mono" panose="020B0609020000020004" pitchFamily="49" charset="0"/>
-            </a:endParaRPr>
-          </a:p>
-          <a:p>
-            <a:r>
-              <a:rPr lang="ru-RU" sz="2400" dirty="0" smtClean="0">
-                <a:solidFill>
-                  <a:srgbClr val="008000"/>
-                </a:solidFill>
-                <a:highlight>
-                  <a:srgbClr val="FFFFFF"/>
-                </a:highlight>
-                <a:latin typeface="Cascadia Mono" panose="020B0609020000020004" pitchFamily="49" charset="0"/>
-              </a:rPr>
-              <a:t>	&lt;!-- </a:t>
-            </a:r>
-            <a:r>
-              <a:rPr lang="ru-RU" sz="2400" dirty="0">
-                <a:solidFill>
-                  <a:srgbClr val="008000"/>
-                </a:solidFill>
-                <a:highlight>
-                  <a:srgbClr val="FFFFFF"/>
-                </a:highlight>
-                <a:latin typeface="Cascadia Mono" panose="020B0609020000020004" pitchFamily="49" charset="0"/>
-              </a:rPr>
-              <a:t>Текстовое поле СРАЗУ связано со свойством </a:t>
-            </a:r>
-            <a:r>
-              <a:rPr lang="ru-RU" sz="2400" dirty="0" err="1">
-                <a:solidFill>
-                  <a:srgbClr val="008000"/>
-                </a:solidFill>
-                <a:highlight>
-                  <a:srgbClr val="FFFFFF"/>
-                </a:highlight>
-                <a:latin typeface="Cascadia Mono" panose="020B0609020000020004" pitchFamily="49" charset="0"/>
-              </a:rPr>
-              <a:t>Text</a:t>
-            </a:r>
-            <a:r>
-              <a:rPr lang="ru-RU" sz="2400" dirty="0">
-                <a:solidFill>
-                  <a:srgbClr val="008000"/>
-                </a:solidFill>
-                <a:highlight>
-                  <a:srgbClr val="FFFFFF"/>
-                </a:highlight>
-                <a:latin typeface="Cascadia Mono" panose="020B0609020000020004" pitchFamily="49" charset="0"/>
-              </a:rPr>
-              <a:t> --&gt;</a:t>
-            </a:r>
-            <a:endParaRPr lang="ru-RU" sz="2400" dirty="0">
-              <a:solidFill>
-                <a:srgbClr val="000000"/>
-              </a:solidFill>
-              <a:highlight>
-                <a:srgbClr val="FFFFFF"/>
-              </a:highlight>
-              <a:latin typeface="Cascadia Mono" panose="020B0609020000020004" pitchFamily="49" charset="0"/>
-            </a:endParaRPr>
-          </a:p>
-          <a:p>
-            <a:r>
-              <a:rPr lang="ru-RU" sz="2400" dirty="0" smtClean="0">
-                <a:solidFill>
-                  <a:srgbClr val="0000FF"/>
-                </a:solidFill>
-                <a:highlight>
-                  <a:srgbClr val="FFFFFF"/>
-                </a:highlight>
-                <a:latin typeface="Cascadia Mono" panose="020B0609020000020004" pitchFamily="49" charset="0"/>
-              </a:rPr>
-              <a:t>	</a:t>
-            </a:r>
-            <a:r>
-              <a:rPr lang="en-US" sz="2400" dirty="0" smtClean="0">
-                <a:solidFill>
-                  <a:srgbClr val="0000FF"/>
-                </a:solidFill>
-                <a:highlight>
-                  <a:srgbClr val="FFFFFF"/>
-                </a:highlight>
-                <a:latin typeface="Cascadia Mono" panose="020B0609020000020004" pitchFamily="49" charset="0"/>
-              </a:rPr>
-              <a:t>&lt;</a:t>
-            </a:r>
-            <a:r>
-              <a:rPr lang="en-US" sz="2400" dirty="0" err="1">
-                <a:solidFill>
-                  <a:srgbClr val="A31515"/>
-                </a:solidFill>
-                <a:highlight>
-                  <a:srgbClr val="FFFFFF"/>
-                </a:highlight>
-                <a:latin typeface="Cascadia Mono" panose="020B0609020000020004" pitchFamily="49" charset="0"/>
-              </a:rPr>
-              <a:t>TextBox</a:t>
-            </a:r>
-            <a:r>
-              <a:rPr lang="en-US" sz="2400" dirty="0">
-                <a:solidFill>
-                  <a:srgbClr val="FF0000"/>
-                </a:solidFill>
-                <a:highlight>
-                  <a:srgbClr val="FFFFFF"/>
-                </a:highlight>
-                <a:latin typeface="Cascadia Mono" panose="020B0609020000020004" pitchFamily="49" charset="0"/>
-              </a:rPr>
-              <a:t> Text</a:t>
-            </a:r>
-            <a:r>
-              <a:rPr lang="en-US" sz="2400" dirty="0">
-                <a:solidFill>
-                  <a:srgbClr val="0000FF"/>
-                </a:solidFill>
-                <a:highlight>
-                  <a:srgbClr val="FFFFFF"/>
-                </a:highlight>
-                <a:latin typeface="Cascadia Mono" panose="020B0609020000020004" pitchFamily="49" charset="0"/>
-              </a:rPr>
-              <a:t>="{</a:t>
-            </a:r>
-            <a:r>
-              <a:rPr lang="en-US" sz="2400" dirty="0">
-                <a:solidFill>
-                  <a:srgbClr val="A31515"/>
-                </a:solidFill>
-                <a:highlight>
-                  <a:srgbClr val="FFFFFF"/>
-                </a:highlight>
-                <a:latin typeface="Cascadia Mono" panose="020B0609020000020004" pitchFamily="49" charset="0"/>
-              </a:rPr>
-              <a:t>Binding</a:t>
-            </a:r>
-            <a:r>
-              <a:rPr lang="en-US" sz="2400" dirty="0">
-                <a:solidFill>
-                  <a:srgbClr val="FF0000"/>
-                </a:solidFill>
-                <a:highlight>
-                  <a:srgbClr val="FFFFFF"/>
-                </a:highlight>
-                <a:latin typeface="Cascadia Mono" panose="020B0609020000020004" pitchFamily="49" charset="0"/>
-              </a:rPr>
-              <a:t> </a:t>
-            </a:r>
-            <a:r>
-              <a:rPr lang="en-US" sz="2400" dirty="0" smtClean="0">
-                <a:solidFill>
-                  <a:srgbClr val="FF0000"/>
-                </a:solidFill>
-                <a:highlight>
-                  <a:srgbClr val="FFFFFF"/>
-                </a:highlight>
-                <a:latin typeface="Cascadia Mono" panose="020B0609020000020004" pitchFamily="49" charset="0"/>
-              </a:rPr>
-              <a:t>Text</a:t>
-            </a:r>
-            <a:r>
-              <a:rPr lang="en-US" sz="2400" dirty="0" smtClean="0">
-                <a:solidFill>
-                  <a:srgbClr val="0000FF"/>
-                </a:solidFill>
-                <a:highlight>
-                  <a:srgbClr val="FFFFFF"/>
-                </a:highlight>
-                <a:latin typeface="Cascadia Mono" panose="020B0609020000020004" pitchFamily="49" charset="0"/>
-              </a:rPr>
-              <a:t>,</a:t>
-            </a:r>
-            <a:endParaRPr lang="ru-RU" sz="2400" dirty="0" smtClean="0">
-              <a:solidFill>
-                <a:srgbClr val="FF0000"/>
-              </a:solidFill>
-              <a:highlight>
-                <a:srgbClr val="FFFFFF"/>
-              </a:highlight>
-              <a:latin typeface="Cascadia Mono" panose="020B0609020000020004" pitchFamily="49" charset="0"/>
-            </a:endParaRPr>
-          </a:p>
-          <a:p>
-            <a:r>
-              <a:rPr lang="ru-RU" sz="2400" dirty="0">
-                <a:solidFill>
-                  <a:srgbClr val="FF0000"/>
-                </a:solidFill>
-                <a:highlight>
-                  <a:srgbClr val="FFFFFF"/>
-                </a:highlight>
-                <a:latin typeface="Cascadia Mono" panose="020B0609020000020004" pitchFamily="49" charset="0"/>
-              </a:rPr>
-              <a:t>	</a:t>
-            </a:r>
-            <a:r>
-              <a:rPr lang="ru-RU" sz="2400" dirty="0" smtClean="0">
-                <a:solidFill>
-                  <a:srgbClr val="FF0000"/>
-                </a:solidFill>
-                <a:highlight>
-                  <a:srgbClr val="FFFFFF"/>
-                </a:highlight>
-                <a:latin typeface="Cascadia Mono" panose="020B0609020000020004" pitchFamily="49" charset="0"/>
-              </a:rPr>
-              <a:t>									 </a:t>
-            </a:r>
-            <a:r>
-              <a:rPr lang="en-US" sz="2400" dirty="0" err="1" smtClean="0">
-                <a:solidFill>
-                  <a:srgbClr val="FF0000"/>
-                </a:solidFill>
-                <a:highlight>
-                  <a:srgbClr val="FFFFFF"/>
-                </a:highlight>
-                <a:latin typeface="Cascadia Mono" panose="020B0609020000020004" pitchFamily="49" charset="0"/>
-              </a:rPr>
-              <a:t>UpdateSourceTrigger</a:t>
-            </a:r>
-            <a:r>
-              <a:rPr lang="en-US" sz="2400" dirty="0" smtClean="0">
-                <a:solidFill>
-                  <a:srgbClr val="0000FF"/>
-                </a:solidFill>
-                <a:highlight>
-                  <a:srgbClr val="FFFFFF"/>
-                </a:highlight>
-                <a:latin typeface="Cascadia Mono" panose="020B0609020000020004" pitchFamily="49" charset="0"/>
-              </a:rPr>
-              <a:t>=</a:t>
-            </a:r>
-            <a:r>
-              <a:rPr lang="en-US" sz="2400" dirty="0" err="1" smtClean="0">
-                <a:solidFill>
-                  <a:srgbClr val="0000FF"/>
-                </a:solidFill>
-                <a:highlight>
-                  <a:srgbClr val="FFFFFF"/>
-                </a:highlight>
-                <a:latin typeface="Cascadia Mono" panose="020B0609020000020004" pitchFamily="49" charset="0"/>
-              </a:rPr>
-              <a:t>PropertyChanged</a:t>
-            </a:r>
-            <a:r>
-              <a:rPr lang="en-US" sz="2400" dirty="0" smtClean="0">
-                <a:solidFill>
-                  <a:srgbClr val="0000FF"/>
-                </a:solidFill>
-                <a:highlight>
-                  <a:srgbClr val="FFFFFF"/>
-                </a:highlight>
-                <a:latin typeface="Cascadia Mono" panose="020B0609020000020004" pitchFamily="49" charset="0"/>
-              </a:rPr>
-              <a:t>}</a:t>
-            </a:r>
-            <a:r>
-              <a:rPr lang="ru-RU" sz="2400" dirty="0" smtClean="0">
-                <a:solidFill>
-                  <a:srgbClr val="0000FF"/>
-                </a:solidFill>
-                <a:highlight>
-                  <a:srgbClr val="FFFFFF"/>
-                </a:highlight>
-                <a:latin typeface="Cascadia Mono" panose="020B0609020000020004" pitchFamily="49" charset="0"/>
-              </a:rPr>
-              <a:t>"</a:t>
-            </a:r>
-            <a:endParaRPr lang="ru-RU" sz="2400" dirty="0" smtClean="0">
-              <a:solidFill>
-                <a:srgbClr val="000000"/>
-              </a:solidFill>
-              <a:highlight>
-                <a:srgbClr val="FFFFFF"/>
-              </a:highlight>
-              <a:latin typeface="Cascadia Mono" panose="020B0609020000020004" pitchFamily="49" charset="0"/>
-            </a:endParaRPr>
-          </a:p>
-          <a:p>
-            <a:r>
-              <a:rPr lang="ru-RU" sz="2400" dirty="0">
-                <a:solidFill>
-                  <a:srgbClr val="000000"/>
-                </a:solidFill>
-                <a:highlight>
-                  <a:srgbClr val="FFFFFF"/>
-                </a:highlight>
-                <a:latin typeface="Cascadia Mono" panose="020B0609020000020004" pitchFamily="49" charset="0"/>
-              </a:rPr>
-              <a:t>	</a:t>
-            </a:r>
-            <a:r>
-              <a:rPr lang="en-US" sz="2400" dirty="0" err="1" smtClean="0">
-                <a:solidFill>
-                  <a:srgbClr val="FF0000"/>
-                </a:solidFill>
-                <a:highlight>
-                  <a:srgbClr val="FFFFFF"/>
-                </a:highlight>
-                <a:latin typeface="Cascadia Mono" panose="020B0609020000020004" pitchFamily="49" charset="0"/>
-              </a:rPr>
-              <a:t>FontSize</a:t>
-            </a:r>
-            <a:r>
-              <a:rPr lang="en-US" sz="2400" dirty="0">
-                <a:solidFill>
-                  <a:srgbClr val="0000FF"/>
-                </a:solidFill>
-                <a:highlight>
-                  <a:srgbClr val="FFFFFF"/>
-                </a:highlight>
-                <a:latin typeface="Cascadia Mono" panose="020B0609020000020004" pitchFamily="49" charset="0"/>
-              </a:rPr>
-              <a:t>="14"</a:t>
-            </a:r>
-            <a:r>
-              <a:rPr lang="en-US" sz="2400" dirty="0">
-                <a:solidFill>
-                  <a:srgbClr val="FF0000"/>
-                </a:solidFill>
-                <a:highlight>
-                  <a:srgbClr val="FFFFFF"/>
-                </a:highlight>
-                <a:latin typeface="Cascadia Mono" panose="020B0609020000020004" pitchFamily="49" charset="0"/>
-              </a:rPr>
-              <a:t> Width</a:t>
-            </a:r>
-            <a:r>
-              <a:rPr lang="en-US" sz="2400" dirty="0">
-                <a:solidFill>
-                  <a:srgbClr val="0000FF"/>
-                </a:solidFill>
-                <a:highlight>
-                  <a:srgbClr val="FFFFFF"/>
-                </a:highlight>
-                <a:latin typeface="Cascadia Mono" panose="020B0609020000020004" pitchFamily="49" charset="0"/>
-              </a:rPr>
-              <a:t>="150"</a:t>
-            </a:r>
-            <a:r>
-              <a:rPr lang="en-US" sz="2400" dirty="0">
-                <a:solidFill>
-                  <a:srgbClr val="FF0000"/>
-                </a:solidFill>
-                <a:highlight>
-                  <a:srgbClr val="FFFFFF"/>
-                </a:highlight>
-                <a:latin typeface="Cascadia Mono" panose="020B0609020000020004" pitchFamily="49" charset="0"/>
-              </a:rPr>
-              <a:t> Margin</a:t>
-            </a:r>
-            <a:r>
-              <a:rPr lang="en-US" sz="2400" dirty="0">
-                <a:solidFill>
-                  <a:srgbClr val="0000FF"/>
-                </a:solidFill>
-                <a:highlight>
-                  <a:srgbClr val="FFFFFF"/>
-                </a:highlight>
-                <a:latin typeface="Cascadia Mono" panose="020B0609020000020004" pitchFamily="49" charset="0"/>
-              </a:rPr>
-              <a:t>="5"/&gt;</a:t>
-            </a:r>
-            <a:endParaRPr lang="en-US" sz="2400" dirty="0">
-              <a:solidFill>
-                <a:srgbClr val="000000"/>
-              </a:solidFill>
-              <a:highlight>
-                <a:srgbClr val="FFFFFF"/>
-              </a:highlight>
-              <a:latin typeface="Cascadia Mono" panose="020B0609020000020004" pitchFamily="49" charset="0"/>
-            </a:endParaRPr>
-          </a:p>
-          <a:p>
-            <a:endParaRPr lang="ru-RU" sz="2400" dirty="0">
-              <a:solidFill>
-                <a:srgbClr val="000000"/>
-              </a:solidFill>
-              <a:highlight>
-                <a:srgbClr val="FFFFFF"/>
-              </a:highlight>
-              <a:latin typeface="Cascadia Mono" panose="020B0609020000020004" pitchFamily="49" charset="0"/>
-            </a:endParaRPr>
-          </a:p>
-          <a:p>
-            <a:r>
-              <a:rPr lang="ru-RU" sz="2400" dirty="0" smtClean="0">
-                <a:solidFill>
-                  <a:srgbClr val="008000"/>
-                </a:solidFill>
-                <a:highlight>
-                  <a:srgbClr val="FFFFFF"/>
-                </a:highlight>
-                <a:latin typeface="Cascadia Mono" panose="020B0609020000020004" pitchFamily="49" charset="0"/>
-              </a:rPr>
-              <a:t>	&lt;!-- </a:t>
-            </a:r>
-            <a:r>
-              <a:rPr lang="ru-RU" sz="2400" dirty="0">
-                <a:solidFill>
-                  <a:srgbClr val="008000"/>
-                </a:solidFill>
-                <a:highlight>
-                  <a:srgbClr val="FFFFFF"/>
-                </a:highlight>
-                <a:latin typeface="Cascadia Mono" panose="020B0609020000020004" pitchFamily="49" charset="0"/>
-              </a:rPr>
-              <a:t>Отображаем вычисляемое свойство --&gt;</a:t>
-            </a:r>
-            <a:endParaRPr lang="ru-RU" sz="2400" dirty="0">
-              <a:solidFill>
-                <a:srgbClr val="000000"/>
-              </a:solidFill>
-              <a:highlight>
-                <a:srgbClr val="FFFFFF"/>
-              </a:highlight>
-              <a:latin typeface="Cascadia Mono" panose="020B0609020000020004" pitchFamily="49" charset="0"/>
-            </a:endParaRPr>
-          </a:p>
-          <a:p>
-            <a:r>
-              <a:rPr lang="ru-RU" sz="2400" dirty="0" smtClean="0">
-                <a:solidFill>
-                  <a:srgbClr val="0000FF"/>
-                </a:solidFill>
-                <a:highlight>
-                  <a:srgbClr val="FFFFFF"/>
-                </a:highlight>
-                <a:latin typeface="Cascadia Mono" panose="020B0609020000020004" pitchFamily="49" charset="0"/>
-              </a:rPr>
-              <a:t>	</a:t>
-            </a:r>
-            <a:r>
-              <a:rPr lang="en-US" sz="2400" dirty="0" smtClean="0">
-                <a:solidFill>
-                  <a:srgbClr val="0000FF"/>
-                </a:solidFill>
-                <a:highlight>
-                  <a:srgbClr val="FFFFFF"/>
-                </a:highlight>
-                <a:latin typeface="Cascadia Mono" panose="020B0609020000020004" pitchFamily="49" charset="0"/>
-              </a:rPr>
-              <a:t>&lt;</a:t>
-            </a:r>
-            <a:r>
-              <a:rPr lang="en-US" sz="2400" dirty="0" err="1">
-                <a:solidFill>
-                  <a:srgbClr val="A31515"/>
-                </a:solidFill>
-                <a:highlight>
-                  <a:srgbClr val="FFFFFF"/>
-                </a:highlight>
-                <a:latin typeface="Cascadia Mono" panose="020B0609020000020004" pitchFamily="49" charset="0"/>
-              </a:rPr>
-              <a:t>TextBlock</a:t>
-            </a:r>
-            <a:r>
-              <a:rPr lang="en-US" sz="2400" dirty="0">
-                <a:solidFill>
-                  <a:srgbClr val="FF0000"/>
-                </a:solidFill>
-                <a:highlight>
-                  <a:srgbClr val="FFFFFF"/>
-                </a:highlight>
-                <a:latin typeface="Cascadia Mono" panose="020B0609020000020004" pitchFamily="49" charset="0"/>
-              </a:rPr>
-              <a:t> Text</a:t>
-            </a:r>
-            <a:r>
-              <a:rPr lang="en-US" sz="2400" dirty="0">
-                <a:solidFill>
-                  <a:srgbClr val="0000FF"/>
-                </a:solidFill>
-                <a:highlight>
-                  <a:srgbClr val="FFFFFF"/>
-                </a:highlight>
-                <a:latin typeface="Cascadia Mono" panose="020B0609020000020004" pitchFamily="49" charset="0"/>
-              </a:rPr>
-              <a:t>="{</a:t>
-            </a:r>
-            <a:r>
-              <a:rPr lang="en-US" sz="2400" dirty="0">
-                <a:solidFill>
-                  <a:srgbClr val="A31515"/>
-                </a:solidFill>
-                <a:highlight>
-                  <a:srgbClr val="FFFFFF"/>
-                </a:highlight>
-                <a:latin typeface="Cascadia Mono" panose="020B0609020000020004" pitchFamily="49" charset="0"/>
-              </a:rPr>
-              <a:t>Binding</a:t>
-            </a:r>
-            <a:r>
-              <a:rPr lang="en-US" sz="2400" dirty="0">
-                <a:solidFill>
-                  <a:srgbClr val="FF0000"/>
-                </a:solidFill>
-                <a:highlight>
-                  <a:srgbClr val="FFFFFF"/>
-                </a:highlight>
-                <a:latin typeface="Cascadia Mono" panose="020B0609020000020004" pitchFamily="49" charset="0"/>
-              </a:rPr>
-              <a:t> </a:t>
-            </a:r>
-            <a:r>
-              <a:rPr lang="en-US" sz="2400" dirty="0" err="1">
-                <a:solidFill>
-                  <a:srgbClr val="FF0000"/>
-                </a:solidFill>
-                <a:highlight>
-                  <a:srgbClr val="FFFFFF"/>
-                </a:highlight>
-                <a:latin typeface="Cascadia Mono" panose="020B0609020000020004" pitchFamily="49" charset="0"/>
-              </a:rPr>
-              <a:t>DisplayText</a:t>
-            </a:r>
-            <a:r>
-              <a:rPr lang="en-US" sz="2400" dirty="0" smtClean="0">
-                <a:solidFill>
-                  <a:srgbClr val="0000FF"/>
-                </a:solidFill>
-                <a:highlight>
-                  <a:srgbClr val="FFFFFF"/>
-                </a:highlight>
-                <a:latin typeface="Cascadia Mono" panose="020B0609020000020004" pitchFamily="49" charset="0"/>
-              </a:rPr>
-              <a:t>}"</a:t>
-            </a:r>
-            <a:endParaRPr lang="ru-RU" sz="2400" dirty="0" smtClean="0">
-              <a:solidFill>
-                <a:srgbClr val="0000FF"/>
-              </a:solidFill>
-              <a:highlight>
-                <a:srgbClr val="FFFFFF"/>
-              </a:highlight>
-              <a:latin typeface="Cascadia Mono" panose="020B0609020000020004" pitchFamily="49" charset="0"/>
-            </a:endParaRPr>
-          </a:p>
-          <a:p>
-            <a:r>
-              <a:rPr lang="ru-RU" sz="2400" dirty="0" smtClean="0">
-                <a:solidFill>
-                  <a:srgbClr val="FF0000"/>
-                </a:solidFill>
-                <a:highlight>
-                  <a:srgbClr val="FFFFFF"/>
-                </a:highlight>
-                <a:latin typeface="Cascadia Mono" panose="020B0609020000020004" pitchFamily="49" charset="0"/>
-              </a:rPr>
-              <a:t>				 	 </a:t>
-            </a:r>
-            <a:r>
-              <a:rPr lang="en-US" sz="2400" dirty="0" err="1" smtClean="0">
-                <a:solidFill>
-                  <a:srgbClr val="FF0000"/>
-                </a:solidFill>
-                <a:highlight>
-                  <a:srgbClr val="FFFFFF"/>
-                </a:highlight>
-                <a:latin typeface="Cascadia Mono" panose="020B0609020000020004" pitchFamily="49" charset="0"/>
-              </a:rPr>
-              <a:t>FontSize</a:t>
-            </a:r>
-            <a:r>
-              <a:rPr lang="en-US" sz="2400" dirty="0">
-                <a:solidFill>
-                  <a:srgbClr val="0000FF"/>
-                </a:solidFill>
-                <a:highlight>
-                  <a:srgbClr val="FFFFFF"/>
-                </a:highlight>
-                <a:latin typeface="Cascadia Mono" panose="020B0609020000020004" pitchFamily="49" charset="0"/>
-              </a:rPr>
-              <a:t>="16"</a:t>
-            </a:r>
-            <a:r>
-              <a:rPr lang="en-US" sz="2400" dirty="0">
-                <a:solidFill>
-                  <a:srgbClr val="FF0000"/>
-                </a:solidFill>
-                <a:highlight>
-                  <a:srgbClr val="FFFFFF"/>
-                </a:highlight>
-                <a:latin typeface="Cascadia Mono" panose="020B0609020000020004" pitchFamily="49" charset="0"/>
-              </a:rPr>
-              <a:t> </a:t>
-            </a:r>
-            <a:r>
-              <a:rPr lang="en-US" sz="2400" dirty="0" err="1">
-                <a:solidFill>
-                  <a:srgbClr val="FF0000"/>
-                </a:solidFill>
-                <a:highlight>
-                  <a:srgbClr val="FFFFFF"/>
-                </a:highlight>
-                <a:latin typeface="Cascadia Mono" panose="020B0609020000020004" pitchFamily="49" charset="0"/>
-              </a:rPr>
-              <a:t>FontWeight</a:t>
-            </a:r>
-            <a:r>
-              <a:rPr lang="en-US" sz="2400" dirty="0">
-                <a:solidFill>
-                  <a:srgbClr val="0000FF"/>
-                </a:solidFill>
-                <a:highlight>
-                  <a:srgbClr val="FFFFFF"/>
-                </a:highlight>
-                <a:latin typeface="Cascadia Mono" panose="020B0609020000020004" pitchFamily="49" charset="0"/>
-              </a:rPr>
-              <a:t>="</a:t>
-            </a:r>
-            <a:r>
-              <a:rPr lang="en-US" sz="2400" dirty="0" smtClean="0">
-                <a:solidFill>
-                  <a:srgbClr val="0000FF"/>
-                </a:solidFill>
-                <a:highlight>
-                  <a:srgbClr val="FFFFFF"/>
-                </a:highlight>
-                <a:latin typeface="Cascadia Mono" panose="020B0609020000020004" pitchFamily="49" charset="0"/>
-              </a:rPr>
-              <a:t>Bold</a:t>
-            </a:r>
-            <a:r>
-              <a:rPr lang="en-US" sz="2400" dirty="0">
-                <a:solidFill>
-                  <a:srgbClr val="0000FF"/>
-                </a:solidFill>
-                <a:highlight>
-                  <a:srgbClr val="FFFFFF"/>
-                </a:highlight>
-                <a:latin typeface="Cascadia Mono" panose="020B0609020000020004" pitchFamily="49" charset="0"/>
-              </a:rPr>
-              <a:t>"</a:t>
-            </a:r>
-            <a:r>
-              <a:rPr lang="ru-RU" sz="2400" dirty="0" smtClean="0">
-                <a:solidFill>
-                  <a:srgbClr val="0000FF"/>
-                </a:solidFill>
-                <a:highlight>
-                  <a:srgbClr val="FFFFFF"/>
-                </a:highlight>
-                <a:latin typeface="Cascadia Mono" panose="020B0609020000020004" pitchFamily="49" charset="0"/>
-              </a:rPr>
-              <a:t> </a:t>
-            </a:r>
-            <a:r>
-              <a:rPr lang="en-US" sz="2400" dirty="0" smtClean="0">
-                <a:solidFill>
-                  <a:srgbClr val="FF0000"/>
-                </a:solidFill>
-                <a:highlight>
-                  <a:srgbClr val="FFFFFF"/>
-                </a:highlight>
-                <a:latin typeface="Cascadia Mono" panose="020B0609020000020004" pitchFamily="49" charset="0"/>
-              </a:rPr>
-              <a:t>Foreground</a:t>
-            </a:r>
-            <a:r>
-              <a:rPr lang="en-US" sz="2400" dirty="0" smtClean="0">
-                <a:solidFill>
-                  <a:srgbClr val="0000FF"/>
-                </a:solidFill>
-                <a:highlight>
-                  <a:srgbClr val="FFFFFF"/>
-                </a:highlight>
-                <a:latin typeface="Cascadia Mono" panose="020B0609020000020004" pitchFamily="49" charset="0"/>
-              </a:rPr>
-              <a:t>="Blue</a:t>
-            </a:r>
-            <a:r>
-              <a:rPr lang="en-US" sz="2400" dirty="0">
-                <a:solidFill>
-                  <a:srgbClr val="0000FF"/>
-                </a:solidFill>
-                <a:highlight>
-                  <a:srgbClr val="FFFFFF"/>
-                </a:highlight>
-                <a:latin typeface="Cascadia Mono" panose="020B0609020000020004" pitchFamily="49" charset="0"/>
-              </a:rPr>
-              <a:t>"</a:t>
-            </a:r>
-            <a:endParaRPr lang="ru-RU" sz="2400" dirty="0" smtClean="0">
-              <a:solidFill>
-                <a:srgbClr val="0000FF"/>
-              </a:solidFill>
-              <a:highlight>
-                <a:srgbClr val="FFFFFF"/>
-              </a:highlight>
-              <a:latin typeface="Cascadia Mono" panose="020B0609020000020004" pitchFamily="49" charset="0"/>
-            </a:endParaRPr>
-          </a:p>
-          <a:p>
-            <a:r>
-              <a:rPr lang="ru-RU" sz="2400" dirty="0">
-                <a:solidFill>
-                  <a:srgbClr val="0000FF"/>
-                </a:solidFill>
-                <a:highlight>
-                  <a:srgbClr val="FFFFFF"/>
-                </a:highlight>
-                <a:latin typeface="Cascadia Mono" panose="020B0609020000020004" pitchFamily="49" charset="0"/>
-              </a:rPr>
-              <a:t>	</a:t>
-            </a:r>
-            <a:r>
-              <a:rPr lang="ru-RU" sz="2400" dirty="0" smtClean="0">
-                <a:solidFill>
-                  <a:srgbClr val="0000FF"/>
-                </a:solidFill>
-                <a:highlight>
-                  <a:srgbClr val="FFFFFF"/>
-                </a:highlight>
-                <a:latin typeface="Cascadia Mono" panose="020B0609020000020004" pitchFamily="49" charset="0"/>
-              </a:rPr>
-              <a:t>				 </a:t>
-            </a:r>
-            <a:r>
-              <a:rPr lang="en-US" sz="2400" dirty="0" smtClean="0">
-                <a:solidFill>
-                  <a:srgbClr val="FF0000"/>
-                </a:solidFill>
-                <a:highlight>
-                  <a:srgbClr val="FFFFFF"/>
-                </a:highlight>
-                <a:latin typeface="Cascadia Mono" panose="020B0609020000020004" pitchFamily="49" charset="0"/>
-              </a:rPr>
-              <a:t>Margin</a:t>
-            </a:r>
-            <a:r>
-              <a:rPr lang="en-US" sz="2400" dirty="0" smtClean="0">
-                <a:solidFill>
-                  <a:srgbClr val="0000FF"/>
-                </a:solidFill>
-                <a:highlight>
-                  <a:srgbClr val="FFFFFF"/>
-                </a:highlight>
-                <a:latin typeface="Cascadia Mono" panose="020B0609020000020004" pitchFamily="49" charset="0"/>
-              </a:rPr>
-              <a:t>="5"/&gt;</a:t>
-            </a:r>
-            <a:endParaRPr lang="en-US" sz="2400" dirty="0" smtClean="0">
-              <a:solidFill>
-                <a:srgbClr val="000000"/>
-              </a:solidFill>
-              <a:highlight>
-                <a:srgbClr val="FFFFFF"/>
-              </a:highlight>
-              <a:latin typeface="Cascadia Mono" panose="020B0609020000020004" pitchFamily="49" charset="0"/>
-            </a:endParaRPr>
-          </a:p>
-          <a:p>
-            <a:endParaRPr lang="ru-RU" sz="2400" dirty="0" smtClean="0">
-              <a:solidFill>
-                <a:srgbClr val="000000"/>
-              </a:solidFill>
-              <a:highlight>
-                <a:srgbClr val="FFFFFF"/>
-              </a:highlight>
-              <a:latin typeface="Cascadia Mono" panose="020B0609020000020004" pitchFamily="49" charset="0"/>
-            </a:endParaRPr>
-          </a:p>
-          <a:p>
-            <a:r>
-              <a:rPr lang="ru-RU" sz="2400" dirty="0" smtClean="0">
-                <a:solidFill>
-                  <a:srgbClr val="008000"/>
-                </a:solidFill>
-                <a:highlight>
-                  <a:srgbClr val="FFFFFF"/>
-                </a:highlight>
-                <a:latin typeface="Cascadia Mono" panose="020B0609020000020004" pitchFamily="49" charset="0"/>
-              </a:rPr>
-              <a:t>	&lt;!-- Кнопка вызывает команду --&gt;</a:t>
-            </a:r>
-            <a:endParaRPr lang="ru-RU" sz="2400" dirty="0" smtClean="0">
-              <a:solidFill>
-                <a:srgbClr val="000000"/>
-              </a:solidFill>
-              <a:highlight>
-                <a:srgbClr val="FFFFFF"/>
-              </a:highlight>
-              <a:latin typeface="Cascadia Mono" panose="020B0609020000020004" pitchFamily="49" charset="0"/>
-            </a:endParaRPr>
-          </a:p>
-          <a:p>
-            <a:r>
-              <a:rPr lang="ru-RU" sz="2400" dirty="0" smtClean="0">
-                <a:solidFill>
-                  <a:srgbClr val="0000FF"/>
-                </a:solidFill>
-                <a:highlight>
-                  <a:srgbClr val="FFFFFF"/>
-                </a:highlight>
-                <a:latin typeface="Cascadia Mono" panose="020B0609020000020004" pitchFamily="49" charset="0"/>
-              </a:rPr>
-              <a:t>	</a:t>
-            </a:r>
-            <a:r>
-              <a:rPr lang="en-US" sz="2400" dirty="0" smtClean="0">
-                <a:solidFill>
-                  <a:srgbClr val="0000FF"/>
-                </a:solidFill>
-                <a:highlight>
-                  <a:srgbClr val="FFFFFF"/>
-                </a:highlight>
-                <a:latin typeface="Cascadia Mono" panose="020B0609020000020004" pitchFamily="49" charset="0"/>
-              </a:rPr>
-              <a:t>&lt;</a:t>
-            </a:r>
-            <a:r>
-              <a:rPr lang="en-US" sz="2400" dirty="0">
-                <a:solidFill>
-                  <a:srgbClr val="A31515"/>
-                </a:solidFill>
-                <a:highlight>
-                  <a:srgbClr val="FFFFFF"/>
-                </a:highlight>
-                <a:latin typeface="Cascadia Mono" panose="020B0609020000020004" pitchFamily="49" charset="0"/>
-              </a:rPr>
-              <a:t>Button</a:t>
-            </a:r>
-            <a:r>
-              <a:rPr lang="en-US" sz="2400" dirty="0">
-                <a:solidFill>
-                  <a:srgbClr val="FF0000"/>
-                </a:solidFill>
-                <a:highlight>
-                  <a:srgbClr val="FFFFFF"/>
-                </a:highlight>
-                <a:latin typeface="Cascadia Mono" panose="020B0609020000020004" pitchFamily="49" charset="0"/>
-              </a:rPr>
-              <a:t> Content</a:t>
-            </a:r>
-            <a:r>
-              <a:rPr lang="en-US" sz="2400" dirty="0">
-                <a:solidFill>
-                  <a:srgbClr val="0000FF"/>
-                </a:solidFill>
-                <a:highlight>
-                  <a:srgbClr val="FFFFFF"/>
-                </a:highlight>
-                <a:latin typeface="Cascadia Mono" panose="020B0609020000020004" pitchFamily="49" charset="0"/>
-              </a:rPr>
-              <a:t>="</a:t>
-            </a:r>
-            <a:r>
-              <a:rPr lang="ru-RU" sz="2400" dirty="0">
-                <a:solidFill>
-                  <a:srgbClr val="0000FF"/>
-                </a:solidFill>
-                <a:highlight>
-                  <a:srgbClr val="FFFFFF"/>
-                </a:highlight>
-                <a:latin typeface="Cascadia Mono" panose="020B0609020000020004" pitchFamily="49" charset="0"/>
-              </a:rPr>
-              <a:t>Нажми меня</a:t>
-            </a:r>
-            <a:r>
-              <a:rPr lang="ru-RU" sz="2400" dirty="0" smtClean="0">
-                <a:solidFill>
-                  <a:srgbClr val="0000FF"/>
-                </a:solidFill>
-                <a:highlight>
-                  <a:srgbClr val="FFFFFF"/>
-                </a:highlight>
-                <a:latin typeface="Cascadia Mono" panose="020B0609020000020004" pitchFamily="49" charset="0"/>
-              </a:rPr>
-              <a:t>!</a:t>
-            </a:r>
-            <a:r>
-              <a:rPr lang="en-US" sz="2400" dirty="0" smtClean="0">
-                <a:solidFill>
-                  <a:srgbClr val="0000FF"/>
-                </a:solidFill>
-                <a:highlight>
-                  <a:srgbClr val="FFFFFF"/>
-                </a:highlight>
-                <a:latin typeface="Cascadia Mono" panose="020B0609020000020004" pitchFamily="49" charset="0"/>
-              </a:rPr>
-              <a:t>"</a:t>
-            </a:r>
-            <a:endParaRPr lang="ru-RU" sz="2400" dirty="0" smtClean="0">
-              <a:solidFill>
-                <a:srgbClr val="FF0000"/>
-              </a:solidFill>
-              <a:highlight>
-                <a:srgbClr val="FFFFFF"/>
-              </a:highlight>
-              <a:latin typeface="Cascadia Mono" panose="020B0609020000020004" pitchFamily="49" charset="0"/>
-            </a:endParaRPr>
-          </a:p>
-          <a:p>
-            <a:r>
-              <a:rPr lang="ru-RU" sz="2400" dirty="0" smtClean="0">
-                <a:solidFill>
-                  <a:srgbClr val="FF0000"/>
-                </a:solidFill>
-                <a:highlight>
-                  <a:srgbClr val="FFFFFF"/>
-                </a:highlight>
-                <a:latin typeface="Cascadia Mono" panose="020B0609020000020004" pitchFamily="49" charset="0"/>
-              </a:rPr>
-              <a:t>				</a:t>
-            </a:r>
-            <a:r>
-              <a:rPr lang="en-US" sz="2400" dirty="0" smtClean="0">
-                <a:solidFill>
-                  <a:srgbClr val="FF0000"/>
-                </a:solidFill>
-                <a:highlight>
-                  <a:srgbClr val="FFFFFF"/>
-                </a:highlight>
-                <a:latin typeface="Cascadia Mono" panose="020B0609020000020004" pitchFamily="49" charset="0"/>
-              </a:rPr>
-              <a:t>Command</a:t>
-            </a:r>
-            <a:r>
-              <a:rPr lang="en-US" sz="2400" dirty="0">
-                <a:solidFill>
-                  <a:srgbClr val="0000FF"/>
-                </a:solidFill>
-                <a:highlight>
-                  <a:srgbClr val="FFFFFF"/>
-                </a:highlight>
-                <a:latin typeface="Cascadia Mono" panose="020B0609020000020004" pitchFamily="49" charset="0"/>
-              </a:rPr>
-              <a:t>="{</a:t>
-            </a:r>
-            <a:r>
-              <a:rPr lang="en-US" sz="2400" dirty="0">
-                <a:solidFill>
-                  <a:srgbClr val="A31515"/>
-                </a:solidFill>
-                <a:highlight>
-                  <a:srgbClr val="FFFFFF"/>
-                </a:highlight>
-                <a:latin typeface="Cascadia Mono" panose="020B0609020000020004" pitchFamily="49" charset="0"/>
-              </a:rPr>
-              <a:t>Binding</a:t>
-            </a:r>
-            <a:r>
-              <a:rPr lang="en-US" sz="2400" dirty="0">
-                <a:solidFill>
-                  <a:srgbClr val="FF0000"/>
-                </a:solidFill>
-                <a:highlight>
-                  <a:srgbClr val="FFFFFF"/>
-                </a:highlight>
-                <a:latin typeface="Cascadia Mono" panose="020B0609020000020004" pitchFamily="49" charset="0"/>
-              </a:rPr>
-              <a:t> </a:t>
-            </a:r>
-            <a:r>
-              <a:rPr lang="en-US" sz="2400" dirty="0" err="1">
-                <a:solidFill>
-                  <a:srgbClr val="FF0000"/>
-                </a:solidFill>
-                <a:highlight>
-                  <a:srgbClr val="FFFFFF"/>
-                </a:highlight>
-                <a:latin typeface="Cascadia Mono" panose="020B0609020000020004" pitchFamily="49" charset="0"/>
-              </a:rPr>
-              <a:t>ClickCommand</a:t>
-            </a:r>
-            <a:r>
-              <a:rPr lang="en-US" sz="2400" dirty="0" smtClean="0">
-                <a:solidFill>
-                  <a:srgbClr val="0000FF"/>
-                </a:solidFill>
-                <a:highlight>
-                  <a:srgbClr val="FFFFFF"/>
-                </a:highlight>
-                <a:latin typeface="Cascadia Mono" panose="020B0609020000020004" pitchFamily="49" charset="0"/>
-              </a:rPr>
-              <a:t>}"</a:t>
-            </a:r>
-            <a:endParaRPr lang="ru-RU" sz="2400" dirty="0" smtClean="0">
-              <a:solidFill>
-                <a:srgbClr val="0000FF"/>
-              </a:solidFill>
-              <a:highlight>
-                <a:srgbClr val="FFFFFF"/>
-              </a:highlight>
-              <a:latin typeface="Cascadia Mono" panose="020B0609020000020004" pitchFamily="49" charset="0"/>
-            </a:endParaRPr>
-          </a:p>
-          <a:p>
-            <a:r>
-              <a:rPr lang="ru-RU" sz="2400" dirty="0">
-                <a:solidFill>
-                  <a:srgbClr val="000000"/>
-                </a:solidFill>
-                <a:highlight>
-                  <a:srgbClr val="FFFFFF"/>
-                </a:highlight>
-                <a:latin typeface="Cascadia Mono" panose="020B0609020000020004" pitchFamily="49" charset="0"/>
-              </a:rPr>
-              <a:t>	</a:t>
-            </a:r>
-            <a:r>
-              <a:rPr lang="ru-RU" sz="2400" dirty="0" smtClean="0">
-                <a:solidFill>
-                  <a:srgbClr val="000000"/>
-                </a:solidFill>
-                <a:highlight>
-                  <a:srgbClr val="FFFFFF"/>
-                </a:highlight>
-                <a:latin typeface="Cascadia Mono" panose="020B0609020000020004" pitchFamily="49" charset="0"/>
-              </a:rPr>
-              <a:t>			</a:t>
-            </a:r>
-            <a:r>
-              <a:rPr lang="en-US" sz="2400" dirty="0" smtClean="0">
-                <a:solidFill>
-                  <a:srgbClr val="FF0000"/>
-                </a:solidFill>
-                <a:highlight>
-                  <a:srgbClr val="FFFFFF"/>
-                </a:highlight>
-                <a:latin typeface="Cascadia Mono" panose="020B0609020000020004" pitchFamily="49" charset="0"/>
-              </a:rPr>
-              <a:t>Background</a:t>
-            </a:r>
-            <a:r>
-              <a:rPr lang="en-US" sz="2400" dirty="0">
-                <a:solidFill>
-                  <a:srgbClr val="0000FF"/>
-                </a:solidFill>
-                <a:highlight>
-                  <a:srgbClr val="FFFFFF"/>
-                </a:highlight>
-                <a:latin typeface="Cascadia Mono" panose="020B0609020000020004" pitchFamily="49" charset="0"/>
-              </a:rPr>
-              <a:t>="</a:t>
-            </a:r>
-            <a:r>
-              <a:rPr lang="en-US" sz="2400" dirty="0" err="1">
-                <a:solidFill>
-                  <a:srgbClr val="0000FF"/>
-                </a:solidFill>
-                <a:highlight>
-                  <a:srgbClr val="FFFFFF"/>
-                </a:highlight>
-                <a:latin typeface="Cascadia Mono" panose="020B0609020000020004" pitchFamily="49" charset="0"/>
-              </a:rPr>
-              <a:t>LightGreen</a:t>
-            </a:r>
-            <a:r>
-              <a:rPr lang="en-US" sz="2400" dirty="0">
-                <a:solidFill>
-                  <a:srgbClr val="0000FF"/>
-                </a:solidFill>
-                <a:highlight>
-                  <a:srgbClr val="FFFFFF"/>
-                </a:highlight>
-                <a:latin typeface="Cascadia Mono" panose="020B0609020000020004" pitchFamily="49" charset="0"/>
-              </a:rPr>
-              <a:t>"</a:t>
-            </a:r>
-            <a:r>
-              <a:rPr lang="en-US" sz="2400" dirty="0">
-                <a:solidFill>
-                  <a:srgbClr val="FF0000"/>
-                </a:solidFill>
-                <a:highlight>
-                  <a:srgbClr val="FFFFFF"/>
-                </a:highlight>
-                <a:latin typeface="Cascadia Mono" panose="020B0609020000020004" pitchFamily="49" charset="0"/>
-              </a:rPr>
-              <a:t> Padding</a:t>
-            </a:r>
-            <a:r>
-              <a:rPr lang="en-US" sz="2400" dirty="0">
-                <a:solidFill>
-                  <a:srgbClr val="0000FF"/>
-                </a:solidFill>
-                <a:highlight>
-                  <a:srgbClr val="FFFFFF"/>
-                </a:highlight>
-                <a:latin typeface="Cascadia Mono" panose="020B0609020000020004" pitchFamily="49" charset="0"/>
-              </a:rPr>
-              <a:t>="10,5"</a:t>
-            </a:r>
-            <a:r>
-              <a:rPr lang="en-US" sz="2400" dirty="0">
-                <a:solidFill>
-                  <a:srgbClr val="FF0000"/>
-                </a:solidFill>
-                <a:highlight>
-                  <a:srgbClr val="FFFFFF"/>
-                </a:highlight>
-                <a:latin typeface="Cascadia Mono" panose="020B0609020000020004" pitchFamily="49" charset="0"/>
-              </a:rPr>
-              <a:t> Margin</a:t>
-            </a:r>
-            <a:r>
-              <a:rPr lang="en-US" sz="2400" dirty="0">
-                <a:solidFill>
-                  <a:srgbClr val="0000FF"/>
-                </a:solidFill>
-                <a:highlight>
-                  <a:srgbClr val="FFFFFF"/>
-                </a:highlight>
-                <a:latin typeface="Cascadia Mono" panose="020B0609020000020004" pitchFamily="49" charset="0"/>
-              </a:rPr>
-              <a:t>="5"/&gt;</a:t>
-            </a:r>
-            <a:endParaRPr lang="en-US" sz="2400" dirty="0">
-              <a:solidFill>
-                <a:srgbClr val="000000"/>
-              </a:solidFill>
-              <a:highlight>
-                <a:srgbClr val="FFFFFF"/>
-              </a:highlight>
-              <a:latin typeface="Cascadia Mono" panose="020B0609020000020004" pitchFamily="49" charset="0"/>
-            </a:endParaRPr>
-          </a:p>
-          <a:p>
-            <a:r>
-              <a:rPr lang="en-US" sz="2400" dirty="0" smtClean="0">
-                <a:solidFill>
-                  <a:srgbClr val="0000FF"/>
-                </a:solidFill>
-                <a:highlight>
-                  <a:srgbClr val="FFFFFF"/>
-                </a:highlight>
-                <a:latin typeface="Cascadia Mono" panose="020B0609020000020004" pitchFamily="49" charset="0"/>
-              </a:rPr>
-              <a:t>&lt;/</a:t>
-            </a:r>
-            <a:r>
-              <a:rPr lang="en-US" sz="2400" dirty="0" err="1">
-                <a:solidFill>
-                  <a:srgbClr val="A31515"/>
-                </a:solidFill>
-                <a:highlight>
-                  <a:srgbClr val="FFFFFF"/>
-                </a:highlight>
-                <a:latin typeface="Cascadia Mono" panose="020B0609020000020004" pitchFamily="49" charset="0"/>
-              </a:rPr>
-              <a:t>StackPanel</a:t>
-            </a:r>
-            <a:r>
-              <a:rPr lang="en-US" sz="2400" dirty="0">
-                <a:solidFill>
-                  <a:srgbClr val="0000FF"/>
-                </a:solidFill>
-                <a:highlight>
-                  <a:srgbClr val="FFFFFF"/>
-                </a:highlight>
-                <a:latin typeface="Cascadia Mono" panose="020B0609020000020004" pitchFamily="49" charset="0"/>
-              </a:rPr>
-              <a:t>&gt;</a:t>
-            </a:r>
-            <a:endParaRPr lang="en-US" sz="2400" dirty="0">
-              <a:latin typeface="Bookman Old Style" panose="02050604050505020204" pitchFamily="18" charset="0"/>
-            </a:endParaRPr>
-          </a:p>
-        </p:txBody>
-      </p:sp>
-    </p:spTree>
-    <p:extLst>
-      <p:ext uri="{BB962C8B-B14F-4D97-AF65-F5344CB8AC3E}">
-        <p14:creationId xmlns:p14="http://schemas.microsoft.com/office/powerpoint/2010/main" val="2302649341"/>
-      </p:ext>
-    </p:extLst>
-  </p:cSld>
-  <p:clrMapOvr>
-    <a:masterClrMapping/>
-  </p:clrMapOvr>
-  <p:timing>
-    <p:tnLst>
-      <p:par>
-        <p:cTn id="1" dur="indefinite" restart="never" nodeType="tmRoot"/>
-      </p:par>
-    </p:tnLst>
-  </p:timing>
-</p:sld>
-</file>
-
-<file path=ppt/slides/slide34.xml><?xml version="1.0" encoding="utf-8"?>
-<p:sld xmlns:a="http://schemas.openxmlformats.org/drawingml/2006/main" xmlns:r="http://schemas.openxmlformats.org/officeDocument/2006/relationships" xmlns:p="http://schemas.openxmlformats.org/presentationml/2006/main">
-  <p:cSld>
-    <p:spTree>
-      <p:nvGrpSpPr>
-        <p:cNvPr id="1" name=""/>
-        <p:cNvGrpSpPr/>
-        <p:nvPr/>
-      </p:nvGrpSpPr>
-      <p:grpSpPr>
-        <a:xfrm>
-          <a:off x="0" y="0"/>
-          <a:ext cx="0" cy="0"/>
-          <a:chOff x="0" y="0"/>
-          <a:chExt cx="0" cy="0"/>
-        </a:xfrm>
-      </p:grpSpPr>
-      <p:sp>
-        <p:nvSpPr>
-          <p:cNvPr id="9" name="Прямоугольник 8"/>
-          <p:cNvSpPr/>
-          <p:nvPr/>
-        </p:nvSpPr>
-        <p:spPr>
-          <a:xfrm>
-            <a:off x="0" y="0"/>
             <a:ext cx="12192000" cy="5262979"/>
           </a:xfrm>
           <a:prstGeom prst="rect">
@@ -17185,7 +16332,7 @@
 </p:sld>
 </file>
 
-<file path=ppt/slides/slide35.xml><?xml version="1.0" encoding="utf-8"?>
+<file path=ppt/slides/slide34.xml><?xml version="1.0" encoding="utf-8"?>
 <p:sld xmlns:a="http://schemas.openxmlformats.org/drawingml/2006/main" xmlns:r="http://schemas.openxmlformats.org/officeDocument/2006/relationships" xmlns:p="http://schemas.openxmlformats.org/presentationml/2006/main">
   <p:cSld>
     <p:spTree>
